--- a/REPORT.pptx
+++ b/REPORT.pptx
@@ -5,10 +5,10 @@
     <p:sldMasterId id="2147483648" r:id="rId1"/>
   </p:sldMasterIdLst>
   <p:notesMasterIdLst>
-    <p:notesMasterId r:id="rId22"/>
+    <p:notesMasterId r:id="rId25"/>
   </p:notesMasterIdLst>
   <p:handoutMasterIdLst>
-    <p:handoutMasterId r:id="rId23"/>
+    <p:handoutMasterId r:id="rId26"/>
   </p:handoutMasterIdLst>
   <p:sldIdLst>
     <p:sldId id="318" r:id="rId2"/>
@@ -21,21 +21,24 @@
     <p:sldId id="330" r:id="rId9"/>
     <p:sldId id="331" r:id="rId10"/>
     <p:sldId id="333" r:id="rId11"/>
-    <p:sldId id="341" r:id="rId12"/>
-    <p:sldId id="340" r:id="rId13"/>
-    <p:sldId id="339" r:id="rId14"/>
-    <p:sldId id="334" r:id="rId15"/>
-    <p:sldId id="335" r:id="rId16"/>
-    <p:sldId id="336" r:id="rId17"/>
-    <p:sldId id="337" r:id="rId18"/>
-    <p:sldId id="338" r:id="rId19"/>
-    <p:sldId id="343" r:id="rId20"/>
-    <p:sldId id="342" r:id="rId21"/>
+    <p:sldId id="349" r:id="rId12"/>
+    <p:sldId id="341" r:id="rId13"/>
+    <p:sldId id="351" r:id="rId14"/>
+    <p:sldId id="350" r:id="rId15"/>
+    <p:sldId id="340" r:id="rId16"/>
+    <p:sldId id="339" r:id="rId17"/>
+    <p:sldId id="334" r:id="rId18"/>
+    <p:sldId id="335" r:id="rId19"/>
+    <p:sldId id="336" r:id="rId20"/>
+    <p:sldId id="337" r:id="rId21"/>
+    <p:sldId id="338" r:id="rId22"/>
+    <p:sldId id="343" r:id="rId23"/>
+    <p:sldId id="342" r:id="rId24"/>
   </p:sldIdLst>
   <p:sldSz cx="12188825" cy="6858000"/>
   <p:notesSz cx="6858000" cy="9144000"/>
   <p:custDataLst>
-    <p:tags r:id="rId24"/>
+    <p:tags r:id="rId27"/>
   </p:custDataLst>
   <p:defaultTextStyle>
     <a:defPPr rtl="0">
@@ -1273,7 +1276,7 @@
             <a:pPr rtl="0"/>
             <a:fld id="{B0F83D96-5C9C-4534-86B5-5649DB8A678D}" type="datetime1">
               <a:rPr lang="it-IT" smtClean="0"/>
-              <a:t>13/05/2021</a:t>
+              <a:t>14/05/21</a:t>
             </a:fld>
             <a:endParaRPr lang="it-IT" dirty="0"/>
           </a:p>
@@ -1442,7 +1445,7 @@
             <a:fld id="{9DCB9B24-3351-4DE4-82DB-35F58E80D7CC}" type="datetime1">
               <a:rPr lang="it-IT" smtClean="0"/>
               <a:pPr/>
-              <a:t>13/05/2021</a:t>
+              <a:t>14/05/21</a:t>
             </a:fld>
             <a:endParaRPr lang="it-IT" dirty="0"/>
           </a:p>
@@ -1863,7 +1866,7 @@
             <a:pPr rtl="0"/>
             <a:fld id="{F93199CD-3E1B-4AE6-990F-76F925F5EA9F}" type="slidenum">
               <a:rPr lang="it-IT" smtClean="0"/>
-              <a:t>15</a:t>
+              <a:t>17</a:t>
             </a:fld>
             <a:endParaRPr lang="it-IT" dirty="0"/>
           </a:p>
@@ -1872,7 +1875,7 @@
     </p:spTree>
     <p:extLst>
       <p:ext uri="{BB962C8B-B14F-4D97-AF65-F5344CB8AC3E}">
-        <p14:creationId xmlns:p14="http://schemas.microsoft.com/office/powerpoint/2010/main" val="3599715132"/>
+        <p14:creationId xmlns:p14="http://schemas.microsoft.com/office/powerpoint/2010/main" val="505269775"/>
       </p:ext>
     </p:extLst>
   </p:cSld>
@@ -1948,7 +1951,7 @@
             <a:pPr rtl="0"/>
             <a:fld id="{F93199CD-3E1B-4AE6-990F-76F925F5EA9F}" type="slidenum">
               <a:rPr lang="it-IT" smtClean="0"/>
-              <a:t>16</a:t>
+              <a:t>18</a:t>
             </a:fld>
             <a:endParaRPr lang="it-IT" dirty="0"/>
           </a:p>
@@ -1957,7 +1960,7 @@
     </p:spTree>
     <p:extLst>
       <p:ext uri="{BB962C8B-B14F-4D97-AF65-F5344CB8AC3E}">
-        <p14:creationId xmlns:p14="http://schemas.microsoft.com/office/powerpoint/2010/main" val="1890683736"/>
+        <p14:creationId xmlns:p14="http://schemas.microsoft.com/office/powerpoint/2010/main" val="3599715132"/>
       </p:ext>
     </p:extLst>
   </p:cSld>
@@ -2033,7 +2036,7 @@
             <a:pPr rtl="0"/>
             <a:fld id="{F93199CD-3E1B-4AE6-990F-76F925F5EA9F}" type="slidenum">
               <a:rPr lang="it-IT" smtClean="0"/>
-              <a:t>17</a:t>
+              <a:t>19</a:t>
             </a:fld>
             <a:endParaRPr lang="it-IT" dirty="0"/>
           </a:p>
@@ -2042,7 +2045,7 @@
     </p:spTree>
     <p:extLst>
       <p:ext uri="{BB962C8B-B14F-4D97-AF65-F5344CB8AC3E}">
-        <p14:creationId xmlns:p14="http://schemas.microsoft.com/office/powerpoint/2010/main" val="1128902411"/>
+        <p14:creationId xmlns:p14="http://schemas.microsoft.com/office/powerpoint/2010/main" val="1890683736"/>
       </p:ext>
     </p:extLst>
   </p:cSld>
@@ -2118,7 +2121,92 @@
             <a:pPr rtl="0"/>
             <a:fld id="{F93199CD-3E1B-4AE6-990F-76F925F5EA9F}" type="slidenum">
               <a:rPr lang="it-IT" smtClean="0"/>
-              <a:t>18</a:t>
+              <a:t>20</a:t>
+            </a:fld>
+            <a:endParaRPr lang="it-IT" dirty="0"/>
+          </a:p>
+        </p:txBody>
+      </p:sp>
+    </p:spTree>
+    <p:extLst>
+      <p:ext uri="{BB962C8B-B14F-4D97-AF65-F5344CB8AC3E}">
+        <p14:creationId xmlns:p14="http://schemas.microsoft.com/office/powerpoint/2010/main" val="1128902411"/>
+      </p:ext>
+    </p:extLst>
+  </p:cSld>
+  <p:clrMapOvr>
+    <a:masterClrMapping/>
+  </p:clrMapOvr>
+</p:notes>
+</file>
+
+<file path=ppt/notesSlides/notesSlide14.xml><?xml version="1.0" encoding="utf-8"?>
+<p:notes xmlns:a="http://schemas.openxmlformats.org/drawingml/2006/main" xmlns:r="http://schemas.openxmlformats.org/officeDocument/2006/relationships" xmlns:p="http://schemas.openxmlformats.org/presentationml/2006/main">
+  <p:cSld>
+    <p:spTree>
+      <p:nvGrpSpPr>
+        <p:cNvPr id="1" name=""/>
+        <p:cNvGrpSpPr/>
+        <p:nvPr/>
+      </p:nvGrpSpPr>
+      <p:grpSpPr>
+        <a:xfrm>
+          <a:off x="0" y="0"/>
+          <a:ext cx="0" cy="0"/>
+          <a:chOff x="0" y="0"/>
+          <a:chExt cx="0" cy="0"/>
+        </a:xfrm>
+      </p:grpSpPr>
+      <p:sp>
+        <p:nvSpPr>
+          <p:cNvPr id="2" name="Segnaposto immagine diapositiva 1"/>
+          <p:cNvSpPr>
+            <a:spLocks noGrp="1" noRot="1" noChangeAspect="1"/>
+          </p:cNvSpPr>
+          <p:nvPr>
+            <p:ph type="sldImg"/>
+          </p:nvPr>
+        </p:nvSpPr>
+        <p:spPr/>
+      </p:sp>
+      <p:sp>
+        <p:nvSpPr>
+          <p:cNvPr id="3" name="Segnaposto note 2"/>
+          <p:cNvSpPr>
+            <a:spLocks noGrp="1"/>
+          </p:cNvSpPr>
+          <p:nvPr>
+            <p:ph type="body" idx="1"/>
+          </p:nvPr>
+        </p:nvSpPr>
+        <p:spPr/>
+        <p:txBody>
+          <a:bodyPr/>
+          <a:lstStyle/>
+          <a:p>
+            <a:endParaRPr lang="it-IT"/>
+          </a:p>
+        </p:txBody>
+      </p:sp>
+      <p:sp>
+        <p:nvSpPr>
+          <p:cNvPr id="4" name="Segnaposto numero diapositiva 3"/>
+          <p:cNvSpPr>
+            <a:spLocks noGrp="1"/>
+          </p:cNvSpPr>
+          <p:nvPr>
+            <p:ph type="sldNum" sz="quarter" idx="10"/>
+          </p:nvPr>
+        </p:nvSpPr>
+        <p:spPr/>
+        <p:txBody>
+          <a:bodyPr/>
+          <a:lstStyle/>
+          <a:p>
+            <a:pPr rtl="0"/>
+            <a:fld id="{F93199CD-3E1B-4AE6-990F-76F925F5EA9F}" type="slidenum">
+              <a:rPr lang="it-IT" smtClean="0"/>
+              <a:t>21</a:t>
             </a:fld>
             <a:endParaRPr lang="it-IT" dirty="0"/>
           </a:p>
@@ -2543,7 +2631,7 @@
             <a:pPr rtl="0"/>
             <a:fld id="{F93199CD-3E1B-4AE6-990F-76F925F5EA9F}" type="slidenum">
               <a:rPr lang="it-IT" smtClean="0"/>
-              <a:t>11</a:t>
+              <a:t>12</a:t>
             </a:fld>
             <a:endParaRPr lang="it-IT" dirty="0"/>
           </a:p>
@@ -2628,7 +2716,7 @@
             <a:pPr rtl="0"/>
             <a:fld id="{F93199CD-3E1B-4AE6-990F-76F925F5EA9F}" type="slidenum">
               <a:rPr lang="it-IT" smtClean="0"/>
-              <a:t>12</a:t>
+              <a:t>14</a:t>
             </a:fld>
             <a:endParaRPr lang="it-IT" dirty="0"/>
           </a:p>
@@ -2637,7 +2725,7 @@
     </p:spTree>
     <p:extLst>
       <p:ext uri="{BB962C8B-B14F-4D97-AF65-F5344CB8AC3E}">
-        <p14:creationId xmlns:p14="http://schemas.microsoft.com/office/powerpoint/2010/main" val="1781497661"/>
+        <p14:creationId xmlns:p14="http://schemas.microsoft.com/office/powerpoint/2010/main" val="3984665284"/>
       </p:ext>
     </p:extLst>
   </p:cSld>
@@ -2713,7 +2801,7 @@
             <a:pPr rtl="0"/>
             <a:fld id="{F93199CD-3E1B-4AE6-990F-76F925F5EA9F}" type="slidenum">
               <a:rPr lang="it-IT" smtClean="0"/>
-              <a:t>13</a:t>
+              <a:t>15</a:t>
             </a:fld>
             <a:endParaRPr lang="it-IT" dirty="0"/>
           </a:p>
@@ -2722,7 +2810,7 @@
     </p:spTree>
     <p:extLst>
       <p:ext uri="{BB962C8B-B14F-4D97-AF65-F5344CB8AC3E}">
-        <p14:creationId xmlns:p14="http://schemas.microsoft.com/office/powerpoint/2010/main" val="669888853"/>
+        <p14:creationId xmlns:p14="http://schemas.microsoft.com/office/powerpoint/2010/main" val="1781497661"/>
       </p:ext>
     </p:extLst>
   </p:cSld>
@@ -2798,7 +2886,7 @@
             <a:pPr rtl="0"/>
             <a:fld id="{F93199CD-3E1B-4AE6-990F-76F925F5EA9F}" type="slidenum">
               <a:rPr lang="it-IT" smtClean="0"/>
-              <a:t>14</a:t>
+              <a:t>16</a:t>
             </a:fld>
             <a:endParaRPr lang="it-IT" dirty="0"/>
           </a:p>
@@ -2807,7 +2895,7 @@
     </p:spTree>
     <p:extLst>
       <p:ext uri="{BB962C8B-B14F-4D97-AF65-F5344CB8AC3E}">
-        <p14:creationId xmlns:p14="http://schemas.microsoft.com/office/powerpoint/2010/main" val="505269775"/>
+        <p14:creationId xmlns:p14="http://schemas.microsoft.com/office/powerpoint/2010/main" val="669888853"/>
       </p:ext>
     </p:extLst>
   </p:cSld>
@@ -3314,7 +3402,7 @@
             <a:fld id="{B47E2BE2-C2B3-4B55-8A92-AABDC382E8E6}" type="datetime1">
               <a:rPr lang="it-IT" smtClean="0"/>
               <a:pPr/>
-              <a:t>13/05/2021</a:t>
+              <a:t>14/05/21</a:t>
             </a:fld>
             <a:endParaRPr lang="it-IT" dirty="0"/>
           </a:p>
@@ -3527,7 +3615,7 @@
             <a:fld id="{13B0A373-E355-43F7-825A-91B793E35BAE}" type="datetime1">
               <a:rPr lang="it-IT" smtClean="0"/>
               <a:pPr/>
-              <a:t>13/05/2021</a:t>
+              <a:t>14/05/21</a:t>
             </a:fld>
             <a:endParaRPr lang="it-IT" dirty="0"/>
           </a:p>
@@ -3768,7 +3856,7 @@
             <a:fld id="{023992EC-44DB-4793-BACF-64A780A8628B}" type="datetime1">
               <a:rPr lang="it-IT" smtClean="0"/>
               <a:pPr/>
-              <a:t>13/05/2021</a:t>
+              <a:t>14/05/21</a:t>
             </a:fld>
             <a:endParaRPr lang="it-IT" dirty="0"/>
           </a:p>
@@ -4192,7 +4280,7 @@
             <a:fld id="{A47277E1-7621-4FF5-8428-BC5024298335}" type="datetime1">
               <a:rPr lang="it-IT" smtClean="0"/>
               <a:pPr/>
-              <a:t>13/05/2021</a:t>
+              <a:t>14/05/21</a:t>
             </a:fld>
             <a:endParaRPr lang="it-IT" dirty="0"/>
           </a:p>
@@ -4560,7 +4648,7 @@
             <a:fld id="{B79D17D8-68D2-446E-87A0-2D6562C8073F}" type="datetime1">
               <a:rPr lang="it-IT" smtClean="0"/>
               <a:pPr/>
-              <a:t>13/05/2021</a:t>
+              <a:t>14/05/21</a:t>
             </a:fld>
             <a:endParaRPr lang="it-IT" dirty="0"/>
           </a:p>
@@ -5076,7 +5164,7 @@
             <a:fld id="{2CC7AD1E-A15F-4D65-9E34-06DC5079DC1A}" type="datetime1">
               <a:rPr lang="it-IT" smtClean="0"/>
               <a:pPr/>
-              <a:t>13/05/2021</a:t>
+              <a:t>14/05/21</a:t>
             </a:fld>
             <a:endParaRPr lang="it-IT" dirty="0"/>
           </a:p>
@@ -5265,7 +5353,7 @@
             <a:fld id="{5DDD6FC7-94FB-49FD-9E96-34996EEF0D27}" type="datetime1">
               <a:rPr lang="it-IT" smtClean="0"/>
               <a:pPr/>
-              <a:t>13/05/2021</a:t>
+              <a:t>14/05/21</a:t>
             </a:fld>
             <a:endParaRPr lang="it-IT" dirty="0"/>
           </a:p>
@@ -5420,7 +5508,7 @@
             <a:fld id="{3D229277-2975-4D5A-9A7B-43F78A804847}" type="datetime1">
               <a:rPr lang="it-IT" smtClean="0"/>
               <a:pPr/>
-              <a:t>13/05/2021</a:t>
+              <a:t>14/05/21</a:t>
             </a:fld>
             <a:endParaRPr lang="it-IT" dirty="0"/>
           </a:p>
@@ -5741,7 +5829,7 @@
             <a:fld id="{278D3AD8-0B53-46CB-983C-0C8ACB1B11C7}" type="datetime1">
               <a:rPr lang="it-IT" smtClean="0"/>
               <a:pPr/>
-              <a:t>13/05/2021</a:t>
+              <a:t>14/05/21</a:t>
             </a:fld>
             <a:endParaRPr lang="it-IT" dirty="0"/>
           </a:p>
@@ -6295,7 +6383,7 @@
             <a:fld id="{C110D783-DB46-4E30-A2B2-B6F993D85061}" type="datetime1">
               <a:rPr lang="it-IT" smtClean="0"/>
               <a:pPr/>
-              <a:t>13/05/2021</a:t>
+              <a:t>14/05/21</a:t>
             </a:fld>
             <a:endParaRPr lang="it-IT" dirty="0"/>
           </a:p>
@@ -7054,64 +7142,54 @@
       </p:grpSpPr>
       <p:sp>
         <p:nvSpPr>
-          <p:cNvPr id="2" name="Titolo 1"/>
-          <p:cNvSpPr>
-            <a:spLocks noGrp="1"/>
-          </p:cNvSpPr>
-          <p:nvPr>
-            <p:ph type="title"/>
-          </p:nvPr>
-        </p:nvSpPr>
-        <p:spPr/>
-        <p:txBody>
-          <a:bodyPr rtlCol="0"/>
+          <p:cNvPr id="2" name="Titolo 1">
+            <a:extLst>
+              <a:ext uri="{FF2B5EF4-FFF2-40B4-BE49-F238E27FC236}">
+                <a16:creationId xmlns:a16="http://schemas.microsoft.com/office/drawing/2014/main" id="{CFD60FCF-991F-6E44-9A70-09C8C88F64B1}"/>
+              </a:ext>
+            </a:extLst>
+          </p:cNvPr>
+          <p:cNvSpPr>
+            <a:spLocks noGrp="1"/>
+          </p:cNvSpPr>
+          <p:nvPr>
+            <p:ph type="title" idx="4294967295"/>
+          </p:nvPr>
+        </p:nvSpPr>
+        <p:spPr>
+          <a:xfrm>
+            <a:off x="1179512" y="2636912"/>
+            <a:ext cx="9829800" cy="1219200"/>
+          </a:xfrm>
+        </p:spPr>
+        <p:txBody>
+          <a:bodyPr/>
           <a:lstStyle/>
           <a:p>
-            <a:pPr rtl="0"/>
             <a:r>
               <a:rPr lang="it-IT" dirty="0"/>
-              <a:t>Analisi per settore</a:t>
-            </a:r>
-          </a:p>
-        </p:txBody>
-      </p:sp>
-      <p:sp>
-        <p:nvSpPr>
-          <p:cNvPr id="4" name="Segnaposto testo 3"/>
-          <p:cNvSpPr>
-            <a:spLocks noGrp="1"/>
-          </p:cNvSpPr>
-          <p:nvPr>
-            <p:ph type="body" idx="1"/>
-          </p:nvPr>
-        </p:nvSpPr>
-        <p:spPr/>
-        <p:txBody>
-          <a:bodyPr rtlCol="0"/>
-          <a:lstStyle/>
-          <a:p>
-            <a:pPr rtl="0"/>
-            <a:endParaRPr lang="it-IT" dirty="0"/>
+              <a:t>Analisi per settore nei progetti IOT</a:t>
+            </a:r>
           </a:p>
         </p:txBody>
       </p:sp>
     </p:spTree>
     <p:extLst>
       <p:ext uri="{BB962C8B-B14F-4D97-AF65-F5344CB8AC3E}">
-        <p14:creationId xmlns:p14="http://schemas.microsoft.com/office/powerpoint/2010/main" val="3652138330"/>
+        <p14:creationId xmlns:p14="http://schemas.microsoft.com/office/powerpoint/2010/main" val="2374826566"/>
       </p:ext>
     </p:extLst>
   </p:cSld>
   <p:clrMapOvr>
     <a:masterClrMapping/>
   </p:clrMapOvr>
-  <mc:AlternateContent xmlns:mc="http://schemas.openxmlformats.org/markup-compatibility/2006">
-    <mc:Choice xmlns:p14="http://schemas.microsoft.com/office/powerpoint/2010/main" Requires="p14">
+  <mc:AlternateContent xmlns:mc="http://schemas.openxmlformats.org/markup-compatibility/2006" xmlns:p14="http://schemas.microsoft.com/office/powerpoint/2010/main">
+    <mc:Choice Requires="p14">
       <p:transition spd="med" p14:dur="700">
         <p:fade/>
       </p:transition>
     </mc:Choice>
-    <mc:Fallback>
+    <mc:Fallback xmlns="">
       <p:transition spd="med">
         <p:fade/>
       </p:transition>
@@ -7144,59 +7222,172 @@
             <a:spLocks noGrp="1"/>
           </p:cNvSpPr>
           <p:nvPr>
-            <p:ph type="title"/>
-          </p:nvPr>
-        </p:nvSpPr>
-        <p:spPr/>
-        <p:txBody>
-          <a:bodyPr rtlCol="0"/>
+            <p:ph type="title" idx="4294967295"/>
+          </p:nvPr>
+        </p:nvSpPr>
+        <p:spPr>
+          <a:xfrm>
+            <a:off x="2906713" y="115888"/>
+            <a:ext cx="9282112" cy="1016000"/>
+          </a:xfrm>
+        </p:spPr>
+        <p:txBody>
+          <a:bodyPr vert="horz" lIns="91440" tIns="45720" rIns="91440" bIns="45720" rtlCol="0" anchor="b">
+            <a:normAutofit/>
+          </a:bodyPr>
           <a:lstStyle/>
           <a:p>
-            <a:pPr rtl="0"/>
-            <a:r>
-              <a:rPr lang="it-IT" dirty="0"/>
-              <a:t>Analisi per distribuzione geografica</a:t>
-            </a:r>
-          </a:p>
-        </p:txBody>
-      </p:sp>
-      <p:sp>
-        <p:nvSpPr>
-          <p:cNvPr id="4" name="Segnaposto testo 3"/>
-          <p:cNvSpPr>
-            <a:spLocks noGrp="1"/>
-          </p:cNvSpPr>
-          <p:nvPr>
-            <p:ph type="body" idx="1"/>
-          </p:nvPr>
-        </p:nvSpPr>
-        <p:spPr/>
-        <p:txBody>
-          <a:bodyPr rtlCol="0"/>
+            <a:r>
+              <a:rPr lang="it-IT" b="0" i="0" kern="1200" baseline="0" dirty="0">
+                <a:latin typeface="+mj-lt"/>
+                <a:ea typeface="+mj-ea"/>
+                <a:cs typeface="+mj-cs"/>
+              </a:rPr>
+              <a:t>Distribuzione dei progetti per settore</a:t>
+            </a:r>
+          </a:p>
+        </p:txBody>
+      </p:sp>
+      <p:sp>
+        <p:nvSpPr>
+          <p:cNvPr id="5" name="Rettangolo 4">
+            <a:extLst>
+              <a:ext uri="{FF2B5EF4-FFF2-40B4-BE49-F238E27FC236}">
+                <a16:creationId xmlns:a16="http://schemas.microsoft.com/office/drawing/2014/main" id="{490D86AB-8BB6-FA42-931C-191E85CA7224}"/>
+              </a:ext>
+            </a:extLst>
+          </p:cNvPr>
+          <p:cNvSpPr/>
+          <p:nvPr/>
+        </p:nvSpPr>
+        <p:spPr>
+          <a:xfrm>
+            <a:off x="9622805" y="1484784"/>
+            <a:ext cx="2248150" cy="2590800"/>
+          </a:xfrm>
+          <a:prstGeom prst="rect">
+            <a:avLst/>
+          </a:prstGeom>
+        </p:spPr>
+        <p:txBody>
+          <a:bodyPr vert="horz" lIns="91440" tIns="45720" rIns="91440" bIns="45720" rtlCol="0">
+            <a:normAutofit/>
+          </a:bodyPr>
           <a:lstStyle/>
           <a:p>
-            <a:pPr rtl="0"/>
-            <a:endParaRPr lang="it-IT" dirty="0"/>
-          </a:p>
-        </p:txBody>
-      </p:sp>
+            <a:pPr>
+              <a:lnSpc>
+                <a:spcPct val="90000"/>
+              </a:lnSpc>
+              <a:spcBef>
+                <a:spcPts val="1800"/>
+              </a:spcBef>
+              <a:buClr>
+                <a:schemeClr val="tx1">
+                  <a:lumMod val="90000"/>
+                  <a:lumOff val="10000"/>
+                </a:schemeClr>
+              </a:buClr>
+              <a:buSzPct val="80000"/>
+            </a:pPr>
+            <a:r>
+              <a:rPr lang="it-IT" sz="2000" kern="1200" dirty="0">
+                <a:latin typeface="+mn-lt"/>
+                <a:ea typeface="+mn-ea"/>
+                <a:cs typeface="+mn-cs"/>
+              </a:rPr>
+              <a:t>Il settore con più progetti sull'IOT è «</a:t>
+            </a:r>
+            <a:r>
+              <a:rPr lang="it-IT" sz="2000" i="1" kern="1200" dirty="0">
+                <a:latin typeface="+mn-lt"/>
+                <a:ea typeface="+mn-ea"/>
+                <a:cs typeface="+mn-cs"/>
+              </a:rPr>
+              <a:t>Ri</a:t>
+            </a:r>
+            <a:r>
+              <a:rPr lang="it-IT" sz="2000" i="1" dirty="0"/>
+              <a:t>cerca, sviluppo tecnologico ed innovazione»</a:t>
+            </a:r>
+            <a:r>
+              <a:rPr lang="it-IT" sz="2000" i="1" kern="1200" dirty="0">
+                <a:latin typeface="+mn-lt"/>
+                <a:ea typeface="+mn-ea"/>
+                <a:cs typeface="+mn-cs"/>
+              </a:rPr>
+              <a:t> </a:t>
+            </a:r>
+            <a:r>
+              <a:rPr lang="it-IT" sz="2000" kern="1200" dirty="0">
+                <a:latin typeface="+mn-lt"/>
+                <a:ea typeface="+mn-ea"/>
+                <a:cs typeface="+mn-cs"/>
+              </a:rPr>
+              <a:t>con un totale di 1540 progetti. </a:t>
+            </a:r>
+            <a:endParaRPr lang="it-IT" sz="2000" b="0" i="0" kern="1200" dirty="0">
+              <a:effectLst/>
+              <a:latin typeface="+mn-lt"/>
+              <a:ea typeface="+mn-ea"/>
+              <a:cs typeface="+mn-cs"/>
+            </a:endParaRPr>
+          </a:p>
+        </p:txBody>
+      </p:sp>
+      <p:pic>
+        <p:nvPicPr>
+          <p:cNvPr id="17" name="Immagine 16">
+            <a:extLst>
+              <a:ext uri="{FF2B5EF4-FFF2-40B4-BE49-F238E27FC236}">
+                <a16:creationId xmlns:a16="http://schemas.microsoft.com/office/drawing/2014/main" id="{A26AA316-69CD-6745-ADEF-2ACC16AF283D}"/>
+              </a:ext>
+            </a:extLst>
+          </p:cNvPr>
+          <p:cNvPicPr>
+            <a:picLocks noChangeAspect="1"/>
+          </p:cNvPicPr>
+          <p:nvPr/>
+        </p:nvPicPr>
+        <p:blipFill>
+          <a:blip r:embed="rId3">
+            <a:extLst>
+              <a:ext uri="{28A0092B-C50C-407E-A947-70E740481C1C}">
+                <a14:useLocalDpi xmlns:a14="http://schemas.microsoft.com/office/drawing/2010/main" val="0"/>
+              </a:ext>
+            </a:extLst>
+          </a:blip>
+          <a:stretch>
+            <a:fillRect/>
+          </a:stretch>
+        </p:blipFill>
+        <p:spPr>
+          <a:xfrm>
+            <a:off x="1125860" y="1131888"/>
+            <a:ext cx="8496945" cy="5119429"/>
+          </a:xfrm>
+          <a:prstGeom prst="rect">
+            <a:avLst/>
+          </a:prstGeom>
+        </p:spPr>
+      </p:pic>
     </p:spTree>
     <p:extLst>
       <p:ext uri="{BB962C8B-B14F-4D97-AF65-F5344CB8AC3E}">
-        <p14:creationId xmlns:p14="http://schemas.microsoft.com/office/powerpoint/2010/main" val="3278623244"/>
+        <p14:creationId xmlns:p14="http://schemas.microsoft.com/office/powerpoint/2010/main" val="3652138330"/>
       </p:ext>
     </p:extLst>
   </p:cSld>
   <p:clrMapOvr>
     <a:masterClrMapping/>
   </p:clrMapOvr>
-  <mc:AlternateContent xmlns:mc="http://schemas.openxmlformats.org/markup-compatibility/2006">
-    <mc:Choice xmlns:p14="http://schemas.microsoft.com/office/powerpoint/2010/main" Requires="p14">
+  <mc:AlternateContent xmlns:mc="http://schemas.openxmlformats.org/markup-compatibility/2006" xmlns:p14="http://schemas.microsoft.com/office/powerpoint/2010/main">
+    <mc:Choice Requires="p14">
       <p:transition spd="med" p14:dur="700">
         <p:fade/>
       </p:transition>
     </mc:Choice>
-    <mc:Fallback>
+    <mc:Fallback xmlns="">
       <p:transition spd="med">
         <p:fade/>
       </p:transition>
@@ -7224,7 +7415,13 @@
       </p:grpSpPr>
       <p:sp>
         <p:nvSpPr>
-          <p:cNvPr id="2" name="Titolo 1"/>
+          <p:cNvPr id="8" name="Title 1">
+            <a:extLst>
+              <a:ext uri="{FF2B5EF4-FFF2-40B4-BE49-F238E27FC236}">
+                <a16:creationId xmlns:a16="http://schemas.microsoft.com/office/drawing/2014/main" id="{F86B1415-9A8F-4679-848A-AE22547C9C80}"/>
+              </a:ext>
+            </a:extLst>
+          </p:cNvPr>
           <p:cNvSpPr>
             <a:spLocks noGrp="1"/>
           </p:cNvSpPr>
@@ -7232,56 +7429,87 @@
             <p:ph type="title"/>
           </p:nvPr>
         </p:nvSpPr>
-        <p:spPr/>
-        <p:txBody>
-          <a:bodyPr rtlCol="0"/>
+        <p:spPr>
+          <a:xfrm>
+            <a:off x="1522413" y="381000"/>
+            <a:ext cx="9829799" cy="1219200"/>
+          </a:xfrm>
+        </p:spPr>
+        <p:txBody>
+          <a:bodyPr anchor="b">
+            <a:normAutofit/>
+          </a:bodyPr>
           <a:lstStyle/>
           <a:p>
-            <a:pPr rtl="0"/>
             <a:r>
               <a:rPr lang="it-IT" dirty="0"/>
-              <a:t>Analisi per soggetti</a:t>
-            </a:r>
-          </a:p>
-        </p:txBody>
-      </p:sp>
-      <p:sp>
-        <p:nvSpPr>
-          <p:cNvPr id="4" name="Segnaposto testo 3"/>
-          <p:cNvSpPr>
-            <a:spLocks noGrp="1"/>
-          </p:cNvSpPr>
-          <p:nvPr>
-            <p:ph type="body" idx="1"/>
-          </p:nvPr>
-        </p:nvSpPr>
-        <p:spPr/>
-        <p:txBody>
-          <a:bodyPr rtlCol="0"/>
-          <a:lstStyle/>
-          <a:p>
-            <a:pPr rtl="0"/>
-            <a:endParaRPr lang="it-IT" dirty="0"/>
-          </a:p>
-        </p:txBody>
-      </p:sp>
+              <a:t>Distribuzione</a:t>
+            </a:r>
+            <a:r>
+              <a:rPr lang="en-US" dirty="0"/>
+              <a:t> </a:t>
+            </a:r>
+            <a:r>
+              <a:rPr lang="it-IT" dirty="0"/>
+              <a:t>dei finanziamenti per settore</a:t>
+            </a:r>
+          </a:p>
+        </p:txBody>
+      </p:sp>
+      <p:pic>
+        <p:nvPicPr>
+          <p:cNvPr id="5" name="Immagine 4" descr="Immagine che contiene antenna&#10;&#10;Descrizione generata automaticamente">
+            <a:extLst>
+              <a:ext uri="{FF2B5EF4-FFF2-40B4-BE49-F238E27FC236}">
+                <a16:creationId xmlns:a16="http://schemas.microsoft.com/office/drawing/2014/main" id="{C762C0A2-B52E-1145-B449-CB161AB1D1E3}"/>
+              </a:ext>
+            </a:extLst>
+          </p:cNvPr>
+          <p:cNvPicPr>
+            <a:picLocks noChangeAspect="1"/>
+          </p:cNvPicPr>
+          <p:nvPr/>
+        </p:nvPicPr>
+        <p:blipFill>
+          <a:blip r:embed="rId2">
+            <a:extLst>
+              <a:ext uri="{28A0092B-C50C-407E-A947-70E740481C1C}">
+                <a14:useLocalDpi xmlns:a14="http://schemas.microsoft.com/office/drawing/2010/main" val="0"/>
+              </a:ext>
+            </a:extLst>
+          </a:blip>
+          <a:stretch>
+            <a:fillRect/>
+          </a:stretch>
+        </p:blipFill>
+        <p:spPr>
+          <a:xfrm>
+            <a:off x="2349996" y="1887287"/>
+            <a:ext cx="8424936" cy="4970713"/>
+          </a:xfrm>
+          <a:prstGeom prst="rect">
+            <a:avLst/>
+          </a:prstGeom>
+          <a:noFill/>
+        </p:spPr>
+      </p:pic>
     </p:spTree>
     <p:extLst>
       <p:ext uri="{BB962C8B-B14F-4D97-AF65-F5344CB8AC3E}">
-        <p14:creationId xmlns:p14="http://schemas.microsoft.com/office/powerpoint/2010/main" val="2395117775"/>
+        <p14:creationId xmlns:p14="http://schemas.microsoft.com/office/powerpoint/2010/main" val="53832804"/>
       </p:ext>
     </p:extLst>
   </p:cSld>
   <p:clrMapOvr>
     <a:masterClrMapping/>
   </p:clrMapOvr>
-  <mc:AlternateContent xmlns:mc="http://schemas.openxmlformats.org/markup-compatibility/2006">
-    <mc:Choice xmlns:p14="http://schemas.microsoft.com/office/powerpoint/2010/main" Requires="p14">
+  <mc:AlternateContent xmlns:mc="http://schemas.openxmlformats.org/markup-compatibility/2006" xmlns:p14="http://schemas.microsoft.com/office/powerpoint/2010/main">
+    <mc:Choice Requires="p14">
       <p:transition spd="med" p14:dur="700">
         <p:fade/>
       </p:transition>
     </mc:Choice>
-    <mc:Fallback>
+    <mc:Fallback xmlns="">
       <p:transition spd="med">
         <p:fade/>
       </p:transition>
@@ -7314,119 +7542,144 @@
             <a:spLocks noGrp="1"/>
           </p:cNvSpPr>
           <p:nvPr>
-            <p:ph type="title"/>
-          </p:nvPr>
-        </p:nvSpPr>
-        <p:spPr/>
-        <p:txBody>
-          <a:bodyPr rtlCol="0"/>
+            <p:ph type="title" idx="4294967295"/>
+          </p:nvPr>
+        </p:nvSpPr>
+        <p:spPr>
+          <a:xfrm>
+            <a:off x="2588418" y="0"/>
+            <a:ext cx="7011988" cy="1439862"/>
+          </a:xfrm>
+        </p:spPr>
+        <p:txBody>
+          <a:bodyPr vert="horz" lIns="91440" tIns="45720" rIns="91440" bIns="45720" rtlCol="0" anchor="b">
+            <a:normAutofit/>
+          </a:bodyPr>
           <a:lstStyle/>
           <a:p>
-            <a:pPr rtl="0"/>
+            <a:r>
+              <a:rPr lang="it-IT" sz="3700" b="0" i="0" kern="1200" baseline="0" dirty="0">
+                <a:latin typeface="+mj-lt"/>
+                <a:ea typeface="+mj-ea"/>
+                <a:cs typeface="+mj-cs"/>
+              </a:rPr>
+              <a:t>Somma dei </a:t>
+            </a:r>
+            <a:r>
+              <a:rPr lang="it-IT" sz="3700" b="0" kern="1200" dirty="0">
+                <a:latin typeface="+mj-lt"/>
+                <a:ea typeface="+mj-ea"/>
+                <a:cs typeface="+mj-cs"/>
+              </a:rPr>
+              <a:t>f</a:t>
+            </a:r>
+            <a:r>
+              <a:rPr lang="it-IT" sz="3700" b="0" i="0" kern="1200" baseline="0" dirty="0">
+                <a:latin typeface="+mj-lt"/>
+                <a:ea typeface="+mj-ea"/>
+                <a:cs typeface="+mj-cs"/>
+              </a:rPr>
+              <a:t>inanziamenti totali dal 2014 al 2020 per settore</a:t>
+            </a:r>
+          </a:p>
+        </p:txBody>
+      </p:sp>
+      <p:pic>
+        <p:nvPicPr>
+          <p:cNvPr id="7" name="Immagine 6">
+            <a:extLst>
+              <a:ext uri="{FF2B5EF4-FFF2-40B4-BE49-F238E27FC236}">
+                <a16:creationId xmlns:a16="http://schemas.microsoft.com/office/drawing/2014/main" id="{5FB5760D-2683-444B-A978-76C2C68D1E71}"/>
+              </a:ext>
+            </a:extLst>
+          </p:cNvPr>
+          <p:cNvPicPr>
+            <a:picLocks noChangeAspect="1"/>
+          </p:cNvPicPr>
+          <p:nvPr/>
+        </p:nvPicPr>
+        <p:blipFill>
+          <a:blip r:embed="rId3">
+            <a:extLst>
+              <a:ext uri="{28A0092B-C50C-407E-A947-70E740481C1C}">
+                <a14:useLocalDpi xmlns:a14="http://schemas.microsoft.com/office/drawing/2010/main" val="0"/>
+              </a:ext>
+            </a:extLst>
+          </a:blip>
+          <a:stretch>
+            <a:fillRect/>
+          </a:stretch>
+        </p:blipFill>
+        <p:spPr>
+          <a:xfrm>
+            <a:off x="1319065" y="1340768"/>
+            <a:ext cx="8568952" cy="5055681"/>
+          </a:xfrm>
+          <a:prstGeom prst="rect">
+            <a:avLst/>
+          </a:prstGeom>
+          <a:noFill/>
+        </p:spPr>
+      </p:pic>
+      <p:sp>
+        <p:nvSpPr>
+          <p:cNvPr id="5" name="Rettangolo 4">
+            <a:extLst>
+              <a:ext uri="{FF2B5EF4-FFF2-40B4-BE49-F238E27FC236}">
+                <a16:creationId xmlns:a16="http://schemas.microsoft.com/office/drawing/2014/main" id="{490D86AB-8BB6-FA42-931C-191E85CA7224}"/>
+              </a:ext>
+            </a:extLst>
+          </p:cNvPr>
+          <p:cNvSpPr/>
+          <p:nvPr/>
+        </p:nvSpPr>
+        <p:spPr>
+          <a:xfrm>
+            <a:off x="9190756" y="1876264"/>
+            <a:ext cx="2843807" cy="1552736"/>
+          </a:xfrm>
+          <a:prstGeom prst="rect">
+            <a:avLst/>
+          </a:prstGeom>
+        </p:spPr>
+        <p:txBody>
+          <a:bodyPr vert="horz" lIns="91440" tIns="45720" rIns="91440" bIns="45720" rtlCol="0">
+            <a:normAutofit fontScale="92500" lnSpcReduction="10000"/>
+          </a:bodyPr>
+          <a:lstStyle/>
+          <a:p>
             <a:r>
               <a:rPr lang="it-IT" dirty="0"/>
-              <a:t>Aggiungere un titolo di diapositiva - 2</a:t>
-            </a:r>
-          </a:p>
-        </p:txBody>
-      </p:sp>
-      <p:sp>
-        <p:nvSpPr>
-          <p:cNvPr id="7" name="Segnaposto testo 6"/>
-          <p:cNvSpPr>
-            <a:spLocks noGrp="1"/>
-          </p:cNvSpPr>
-          <p:nvPr>
-            <p:ph type="body" idx="1"/>
-          </p:nvPr>
-        </p:nvSpPr>
-        <p:spPr/>
-        <p:txBody>
-          <a:bodyPr rtlCol="0"/>
-          <a:lstStyle/>
-          <a:p>
-            <a:pPr rtl="0"/>
-            <a:endParaRPr lang="it-IT" dirty="0"/>
-          </a:p>
-        </p:txBody>
-      </p:sp>
-      <p:sp>
-        <p:nvSpPr>
-          <p:cNvPr id="8" name="Segnaposto contenuto 7"/>
-          <p:cNvSpPr>
-            <a:spLocks noGrp="1"/>
-          </p:cNvSpPr>
-          <p:nvPr>
-            <p:ph sz="half" idx="2"/>
-          </p:nvPr>
-        </p:nvSpPr>
-        <p:spPr/>
-        <p:txBody>
-          <a:bodyPr rtlCol="0"/>
-          <a:lstStyle/>
-          <a:p>
-            <a:pPr rtl="0"/>
-            <a:endParaRPr lang="it-IT" dirty="0"/>
-          </a:p>
-        </p:txBody>
-      </p:sp>
-      <p:sp>
-        <p:nvSpPr>
-          <p:cNvPr id="9" name="Segnaposto testo 8"/>
-          <p:cNvSpPr>
-            <a:spLocks noGrp="1"/>
-          </p:cNvSpPr>
-          <p:nvPr>
-            <p:ph type="body" sz="quarter" idx="3"/>
-          </p:nvPr>
-        </p:nvSpPr>
-        <p:spPr/>
-        <p:txBody>
-          <a:bodyPr rtlCol="0"/>
-          <a:lstStyle/>
-          <a:p>
-            <a:pPr rtl="0"/>
-            <a:endParaRPr lang="it-IT" dirty="0"/>
-          </a:p>
-        </p:txBody>
-      </p:sp>
-      <p:sp>
-        <p:nvSpPr>
-          <p:cNvPr id="10" name="Segnaposto contenuto 9"/>
-          <p:cNvSpPr>
-            <a:spLocks noGrp="1"/>
-          </p:cNvSpPr>
-          <p:nvPr>
-            <p:ph sz="quarter" idx="4"/>
-          </p:nvPr>
-        </p:nvSpPr>
-        <p:spPr/>
-        <p:txBody>
-          <a:bodyPr rtlCol="0"/>
-          <a:lstStyle/>
-          <a:p>
-            <a:pPr rtl="0"/>
-            <a:endParaRPr lang="it-IT" dirty="0"/>
+              <a:t>Il settore che ha ricevuto più finanziamenti nel corso degli anni dal 2014 al 2020 è </a:t>
+            </a:r>
+            <a:r>
+              <a:rPr lang="it-IT" i="1" dirty="0"/>
+              <a:t>Servizi per la P.A. e per la collettività</a:t>
+            </a:r>
+            <a:r>
+              <a:rPr lang="it-IT" dirty="0"/>
+              <a:t> con un totale di 223 progetti.</a:t>
+            </a:r>
           </a:p>
         </p:txBody>
       </p:sp>
     </p:spTree>
     <p:extLst>
       <p:ext uri="{BB962C8B-B14F-4D97-AF65-F5344CB8AC3E}">
-        <p14:creationId xmlns:p14="http://schemas.microsoft.com/office/powerpoint/2010/main" val="3817187371"/>
+        <p14:creationId xmlns:p14="http://schemas.microsoft.com/office/powerpoint/2010/main" val="166705722"/>
       </p:ext>
     </p:extLst>
   </p:cSld>
   <p:clrMapOvr>
     <a:masterClrMapping/>
   </p:clrMapOvr>
-  <mc:AlternateContent xmlns:mc="http://schemas.openxmlformats.org/markup-compatibility/2006" xmlns:p14="http://schemas.microsoft.com/office/powerpoint/2010/main">
-    <mc:Choice Requires="p14">
+  <mc:AlternateContent xmlns:mc="http://schemas.openxmlformats.org/markup-compatibility/2006">
+    <mc:Choice xmlns:p14="http://schemas.microsoft.com/office/powerpoint/2010/main" Requires="p14">
       <p:transition spd="med" p14:dur="700">
         <p:fade/>
       </p:transition>
     </mc:Choice>
-    <mc:Fallback xmlns="">
+    <mc:Fallback>
       <p:transition spd="med">
         <p:fade/>
       </p:transition>
@@ -7470,15 +7723,35 @@
             <a:pPr rtl="0"/>
             <a:r>
               <a:rPr lang="it-IT" dirty="0"/>
-              <a:t>Aggiungere un titolo di diapositiva - 3</a:t>
-            </a:r>
+              <a:t>Analisi per distribuzione geografica</a:t>
+            </a:r>
+          </a:p>
+        </p:txBody>
+      </p:sp>
+      <p:sp>
+        <p:nvSpPr>
+          <p:cNvPr id="4" name="Segnaposto testo 3"/>
+          <p:cNvSpPr>
+            <a:spLocks noGrp="1"/>
+          </p:cNvSpPr>
+          <p:nvPr>
+            <p:ph type="body" idx="1"/>
+          </p:nvPr>
+        </p:nvSpPr>
+        <p:spPr/>
+        <p:txBody>
+          <a:bodyPr rtlCol="0"/>
+          <a:lstStyle/>
+          <a:p>
+            <a:pPr rtl="0"/>
+            <a:endParaRPr lang="it-IT" dirty="0"/>
           </a:p>
         </p:txBody>
       </p:sp>
     </p:spTree>
     <p:extLst>
       <p:ext uri="{BB962C8B-B14F-4D97-AF65-F5344CB8AC3E}">
-        <p14:creationId xmlns:p14="http://schemas.microsoft.com/office/powerpoint/2010/main" val="102866038"/>
+        <p14:creationId xmlns:p14="http://schemas.microsoft.com/office/powerpoint/2010/main" val="3278623244"/>
       </p:ext>
     </p:extLst>
   </p:cSld>
@@ -7519,13 +7792,7 @@
       </p:grpSpPr>
       <p:sp>
         <p:nvSpPr>
-          <p:cNvPr id="2" name="Titolo 1">
-            <a:extLst>
-              <a:ext uri="{FF2B5EF4-FFF2-40B4-BE49-F238E27FC236}">
-                <a16:creationId xmlns:a16="http://schemas.microsoft.com/office/drawing/2014/main" id="{02712C57-E01E-4019-9D5A-E3194D99F785}"/>
-              </a:ext>
-            </a:extLst>
-          </p:cNvPr>
+          <p:cNvPr id="2" name="Titolo 1"/>
           <p:cNvSpPr>
             <a:spLocks noGrp="1"/>
           </p:cNvSpPr>
@@ -7535,67 +7802,41 @@
         </p:nvSpPr>
         <p:spPr/>
         <p:txBody>
-          <a:bodyPr/>
+          <a:bodyPr rtlCol="0"/>
           <a:lstStyle/>
           <a:p>
-            <a:endParaRPr lang="it-IT"/>
-          </a:p>
-        </p:txBody>
-      </p:sp>
-      <p:sp>
-        <p:nvSpPr>
-          <p:cNvPr id="3" name="Segnaposto contenuto 2">
-            <a:extLst>
-              <a:ext uri="{FF2B5EF4-FFF2-40B4-BE49-F238E27FC236}">
-                <a16:creationId xmlns:a16="http://schemas.microsoft.com/office/drawing/2014/main" id="{1C901181-BD7C-4D14-8540-4C06632FEA11}"/>
-              </a:ext>
-            </a:extLst>
-          </p:cNvPr>
-          <p:cNvSpPr>
-            <a:spLocks noGrp="1"/>
-          </p:cNvSpPr>
-          <p:nvPr>
-            <p:ph idx="1"/>
-          </p:nvPr>
-        </p:nvSpPr>
-        <p:spPr/>
-        <p:txBody>
-          <a:bodyPr/>
+            <a:pPr rtl="0"/>
+            <a:r>
+              <a:rPr lang="it-IT" dirty="0"/>
+              <a:t>Analisi per soggetti</a:t>
+            </a:r>
+          </a:p>
+        </p:txBody>
+      </p:sp>
+      <p:sp>
+        <p:nvSpPr>
+          <p:cNvPr id="4" name="Segnaposto testo 3"/>
+          <p:cNvSpPr>
+            <a:spLocks noGrp="1"/>
+          </p:cNvSpPr>
+          <p:nvPr>
+            <p:ph type="body" idx="1"/>
+          </p:nvPr>
+        </p:nvSpPr>
+        <p:spPr/>
+        <p:txBody>
+          <a:bodyPr rtlCol="0"/>
           <a:lstStyle/>
           <a:p>
-            <a:endParaRPr lang="it-IT"/>
-          </a:p>
-        </p:txBody>
-      </p:sp>
-      <p:sp>
-        <p:nvSpPr>
-          <p:cNvPr id="4" name="Segnaposto testo 3">
-            <a:extLst>
-              <a:ext uri="{FF2B5EF4-FFF2-40B4-BE49-F238E27FC236}">
-                <a16:creationId xmlns:a16="http://schemas.microsoft.com/office/drawing/2014/main" id="{09DDB2DD-13B8-4C8D-B973-3498C69589CD}"/>
-              </a:ext>
-            </a:extLst>
-          </p:cNvPr>
-          <p:cNvSpPr>
-            <a:spLocks noGrp="1"/>
-          </p:cNvSpPr>
-          <p:nvPr>
-            <p:ph type="body" sz="half" idx="2"/>
-          </p:nvPr>
-        </p:nvSpPr>
-        <p:spPr/>
-        <p:txBody>
-          <a:bodyPr/>
-          <a:lstStyle/>
-          <a:p>
-            <a:endParaRPr lang="it-IT"/>
+            <a:pPr rtl="0"/>
+            <a:endParaRPr lang="it-IT" dirty="0"/>
           </a:p>
         </p:txBody>
       </p:sp>
     </p:spTree>
     <p:extLst>
       <p:ext uri="{BB962C8B-B14F-4D97-AF65-F5344CB8AC3E}">
-        <p14:creationId xmlns:p14="http://schemas.microsoft.com/office/powerpoint/2010/main" val="3216253470"/>
+        <p14:creationId xmlns:p14="http://schemas.microsoft.com/office/powerpoint/2010/main" val="2395117775"/>
       </p:ext>
     </p:extLst>
   </p:cSld>
@@ -7652,19 +7893,19 @@
             <a:pPr rtl="0"/>
             <a:r>
               <a:rPr lang="it-IT" dirty="0"/>
-              <a:t>Aggiungere un titolo di diapositiva - 4</a:t>
-            </a:r>
-          </a:p>
-        </p:txBody>
-      </p:sp>
-      <p:sp>
-        <p:nvSpPr>
-          <p:cNvPr id="5" name="Segnaposto contenuto 4"/>
-          <p:cNvSpPr>
-            <a:spLocks noGrp="1"/>
-          </p:cNvSpPr>
-          <p:nvPr>
-            <p:ph idx="1"/>
+              <a:t>Aggiungere un titolo di diapositiva - 2</a:t>
+            </a:r>
+          </a:p>
+        </p:txBody>
+      </p:sp>
+      <p:sp>
+        <p:nvSpPr>
+          <p:cNvPr id="7" name="Segnaposto testo 6"/>
+          <p:cNvSpPr>
+            <a:spLocks noGrp="1"/>
+          </p:cNvSpPr>
+          <p:nvPr>
+            <p:ph type="body" idx="1"/>
           </p:nvPr>
         </p:nvSpPr>
         <p:spPr/>
@@ -7679,12 +7920,52 @@
       </p:sp>
       <p:sp>
         <p:nvSpPr>
-          <p:cNvPr id="6" name="Segnaposto testo 5"/>
-          <p:cNvSpPr>
-            <a:spLocks noGrp="1"/>
-          </p:cNvSpPr>
-          <p:nvPr>
-            <p:ph type="body" sz="half" idx="2"/>
+          <p:cNvPr id="8" name="Segnaposto contenuto 7"/>
+          <p:cNvSpPr>
+            <a:spLocks noGrp="1"/>
+          </p:cNvSpPr>
+          <p:nvPr>
+            <p:ph sz="half" idx="2"/>
+          </p:nvPr>
+        </p:nvSpPr>
+        <p:spPr/>
+        <p:txBody>
+          <a:bodyPr rtlCol="0"/>
+          <a:lstStyle/>
+          <a:p>
+            <a:pPr rtl="0"/>
+            <a:endParaRPr lang="it-IT" dirty="0"/>
+          </a:p>
+        </p:txBody>
+      </p:sp>
+      <p:sp>
+        <p:nvSpPr>
+          <p:cNvPr id="9" name="Segnaposto testo 8"/>
+          <p:cNvSpPr>
+            <a:spLocks noGrp="1"/>
+          </p:cNvSpPr>
+          <p:nvPr>
+            <p:ph type="body" sz="quarter" idx="3"/>
+          </p:nvPr>
+        </p:nvSpPr>
+        <p:spPr/>
+        <p:txBody>
+          <a:bodyPr rtlCol="0"/>
+          <a:lstStyle/>
+          <a:p>
+            <a:pPr rtl="0"/>
+            <a:endParaRPr lang="it-IT" dirty="0"/>
+          </a:p>
+        </p:txBody>
+      </p:sp>
+      <p:sp>
+        <p:nvSpPr>
+          <p:cNvPr id="10" name="Segnaposto contenuto 9"/>
+          <p:cNvSpPr>
+            <a:spLocks noGrp="1"/>
+          </p:cNvSpPr>
+          <p:nvPr>
+            <p:ph sz="quarter" idx="4"/>
           </p:nvPr>
         </p:nvSpPr>
         <p:spPr/>
@@ -7700,7 +7981,7 @@
     </p:spTree>
     <p:extLst>
       <p:ext uri="{BB962C8B-B14F-4D97-AF65-F5344CB8AC3E}">
-        <p14:creationId xmlns:p14="http://schemas.microsoft.com/office/powerpoint/2010/main" val="2551545397"/>
+        <p14:creationId xmlns:p14="http://schemas.microsoft.com/office/powerpoint/2010/main" val="3817187371"/>
       </p:ext>
     </p:extLst>
   </p:cSld>
@@ -7741,7 +8022,7 @@
       </p:grpSpPr>
       <p:sp>
         <p:nvSpPr>
-          <p:cNvPr id="3" name="Titolo 2"/>
+          <p:cNvPr id="2" name="Titolo 1"/>
           <p:cNvSpPr>
             <a:spLocks noGrp="1"/>
           </p:cNvSpPr>
@@ -7757,47 +8038,15 @@
             <a:pPr rtl="0"/>
             <a:r>
               <a:rPr lang="it-IT" dirty="0"/>
-              <a:t>Aggiungere un titolo di diapositiva - 5</a:t>
-            </a:r>
-          </a:p>
-        </p:txBody>
-      </p:sp>
-      <p:sp>
-        <p:nvSpPr>
-          <p:cNvPr id="5" name="Segnaposto immagine 4" descr="Segnaposto vuoto per aggiungere un'immagine. Fare clic sul segnaposto e selezionare l'immagine che si vuole aggiungere"/>
-          <p:cNvSpPr>
-            <a:spLocks noGrp="1"/>
-          </p:cNvSpPr>
-          <p:nvPr>
-            <p:ph type="pic" idx="1"/>
-          </p:nvPr>
-        </p:nvSpPr>
-        <p:spPr/>
-      </p:sp>
-      <p:sp>
-        <p:nvSpPr>
-          <p:cNvPr id="6" name="Segnaposto testo 5"/>
-          <p:cNvSpPr>
-            <a:spLocks noGrp="1"/>
-          </p:cNvSpPr>
-          <p:nvPr>
-            <p:ph type="body" sz="half" idx="2"/>
-          </p:nvPr>
-        </p:nvSpPr>
-        <p:spPr/>
-        <p:txBody>
-          <a:bodyPr rtlCol="0"/>
-          <a:lstStyle/>
-          <a:p>
-            <a:pPr rtl="0"/>
-            <a:endParaRPr lang="it-IT" dirty="0"/>
+              <a:t>Aggiungere un titolo di diapositiva - 3</a:t>
+            </a:r>
           </a:p>
         </p:txBody>
       </p:sp>
     </p:spTree>
     <p:extLst>
       <p:ext uri="{BB962C8B-B14F-4D97-AF65-F5344CB8AC3E}">
-        <p14:creationId xmlns:p14="http://schemas.microsoft.com/office/powerpoint/2010/main" val="577046454"/>
+        <p14:creationId xmlns:p14="http://schemas.microsoft.com/office/powerpoint/2010/main" val="102866038"/>
       </p:ext>
     </p:extLst>
   </p:cSld>
@@ -7841,7 +8090,7 @@
           <p:cNvPr id="2" name="Titolo 1">
             <a:extLst>
               <a:ext uri="{FF2B5EF4-FFF2-40B4-BE49-F238E27FC236}">
-                <a16:creationId xmlns:a16="http://schemas.microsoft.com/office/drawing/2014/main" id="{3FAFB550-3886-4C0A-A4FD-DFA0BB1FB633}"/>
+                <a16:creationId xmlns:a16="http://schemas.microsoft.com/office/drawing/2014/main" id="{02712C57-E01E-4019-9D5A-E3194D99F785}"/>
               </a:ext>
             </a:extLst>
           </p:cNvPr>
@@ -7857,20 +8106,16 @@
           <a:bodyPr/>
           <a:lstStyle/>
           <a:p>
-            <a:pPr algn="ctr"/>
-            <a:r>
-              <a:rPr lang="it-IT" dirty="0"/>
-              <a:t>BIBLIOGRAFIA</a:t>
-            </a:r>
-          </a:p>
-        </p:txBody>
-      </p:sp>
-      <p:sp>
-        <p:nvSpPr>
-          <p:cNvPr id="5" name="Segnaposto contenuto 4">
+            <a:endParaRPr lang="it-IT"/>
+          </a:p>
+        </p:txBody>
+      </p:sp>
+      <p:sp>
+        <p:nvSpPr>
+          <p:cNvPr id="3" name="Segnaposto contenuto 2">
             <a:extLst>
               <a:ext uri="{FF2B5EF4-FFF2-40B4-BE49-F238E27FC236}">
-                <a16:creationId xmlns:a16="http://schemas.microsoft.com/office/drawing/2014/main" id="{88225803-058A-4C76-AECC-86C5BEA08E22}"/>
+                <a16:creationId xmlns:a16="http://schemas.microsoft.com/office/drawing/2014/main" id="{1C901181-BD7C-4D14-8540-4C06632FEA11}"/>
               </a:ext>
             </a:extLst>
           </p:cNvPr>
@@ -7886,14 +8131,39 @@
           <a:bodyPr/>
           <a:lstStyle/>
           <a:p>
-            <a:endParaRPr lang="it-IT" dirty="0"/>
+            <a:endParaRPr lang="it-IT"/>
+          </a:p>
+        </p:txBody>
+      </p:sp>
+      <p:sp>
+        <p:nvSpPr>
+          <p:cNvPr id="4" name="Segnaposto testo 3">
+            <a:extLst>
+              <a:ext uri="{FF2B5EF4-FFF2-40B4-BE49-F238E27FC236}">
+                <a16:creationId xmlns:a16="http://schemas.microsoft.com/office/drawing/2014/main" id="{09DDB2DD-13B8-4C8D-B973-3498C69589CD}"/>
+              </a:ext>
+            </a:extLst>
+          </p:cNvPr>
+          <p:cNvSpPr>
+            <a:spLocks noGrp="1"/>
+          </p:cNvSpPr>
+          <p:nvPr>
+            <p:ph type="body" sz="half" idx="2"/>
+          </p:nvPr>
+        </p:nvSpPr>
+        <p:spPr/>
+        <p:txBody>
+          <a:bodyPr/>
+          <a:lstStyle/>
+          <a:p>
+            <a:endParaRPr lang="it-IT"/>
           </a:p>
         </p:txBody>
       </p:sp>
     </p:spTree>
     <p:extLst>
       <p:ext uri="{BB962C8B-B14F-4D97-AF65-F5344CB8AC3E}">
-        <p14:creationId xmlns:p14="http://schemas.microsoft.com/office/powerpoint/2010/main" val="519085128"/>
+        <p14:creationId xmlns:p14="http://schemas.microsoft.com/office/powerpoint/2010/main" val="3216253470"/>
       </p:ext>
     </p:extLst>
   </p:cSld>
@@ -8011,6 +8281,304 @@
 </file>
 
 <file path=ppt/slides/slide20.xml><?xml version="1.0" encoding="utf-8"?>
+<p:sld xmlns:a="http://schemas.openxmlformats.org/drawingml/2006/main" xmlns:r="http://schemas.openxmlformats.org/officeDocument/2006/relationships" xmlns:p="http://schemas.openxmlformats.org/presentationml/2006/main">
+  <p:cSld>
+    <p:spTree>
+      <p:nvGrpSpPr>
+        <p:cNvPr id="1" name=""/>
+        <p:cNvGrpSpPr/>
+        <p:nvPr/>
+      </p:nvGrpSpPr>
+      <p:grpSpPr>
+        <a:xfrm>
+          <a:off x="0" y="0"/>
+          <a:ext cx="0" cy="0"/>
+          <a:chOff x="0" y="0"/>
+          <a:chExt cx="0" cy="0"/>
+        </a:xfrm>
+      </p:grpSpPr>
+      <p:sp>
+        <p:nvSpPr>
+          <p:cNvPr id="2" name="Titolo 1"/>
+          <p:cNvSpPr>
+            <a:spLocks noGrp="1"/>
+          </p:cNvSpPr>
+          <p:nvPr>
+            <p:ph type="title"/>
+          </p:nvPr>
+        </p:nvSpPr>
+        <p:spPr/>
+        <p:txBody>
+          <a:bodyPr rtlCol="0"/>
+          <a:lstStyle/>
+          <a:p>
+            <a:pPr rtl="0"/>
+            <a:r>
+              <a:rPr lang="it-IT" dirty="0"/>
+              <a:t>Aggiungere un titolo di diapositiva - 4</a:t>
+            </a:r>
+          </a:p>
+        </p:txBody>
+      </p:sp>
+      <p:sp>
+        <p:nvSpPr>
+          <p:cNvPr id="5" name="Segnaposto contenuto 4"/>
+          <p:cNvSpPr>
+            <a:spLocks noGrp="1"/>
+          </p:cNvSpPr>
+          <p:nvPr>
+            <p:ph idx="1"/>
+          </p:nvPr>
+        </p:nvSpPr>
+        <p:spPr/>
+        <p:txBody>
+          <a:bodyPr rtlCol="0"/>
+          <a:lstStyle/>
+          <a:p>
+            <a:pPr rtl="0"/>
+            <a:endParaRPr lang="it-IT" dirty="0"/>
+          </a:p>
+        </p:txBody>
+      </p:sp>
+      <p:sp>
+        <p:nvSpPr>
+          <p:cNvPr id="6" name="Segnaposto testo 5"/>
+          <p:cNvSpPr>
+            <a:spLocks noGrp="1"/>
+          </p:cNvSpPr>
+          <p:nvPr>
+            <p:ph type="body" sz="half" idx="2"/>
+          </p:nvPr>
+        </p:nvSpPr>
+        <p:spPr/>
+        <p:txBody>
+          <a:bodyPr rtlCol="0"/>
+          <a:lstStyle/>
+          <a:p>
+            <a:pPr rtl="0"/>
+            <a:endParaRPr lang="it-IT" dirty="0"/>
+          </a:p>
+        </p:txBody>
+      </p:sp>
+    </p:spTree>
+    <p:extLst>
+      <p:ext uri="{BB962C8B-B14F-4D97-AF65-F5344CB8AC3E}">
+        <p14:creationId xmlns:p14="http://schemas.microsoft.com/office/powerpoint/2010/main" val="2551545397"/>
+      </p:ext>
+    </p:extLst>
+  </p:cSld>
+  <p:clrMapOvr>
+    <a:masterClrMapping/>
+  </p:clrMapOvr>
+  <mc:AlternateContent xmlns:mc="http://schemas.openxmlformats.org/markup-compatibility/2006" xmlns:p14="http://schemas.microsoft.com/office/powerpoint/2010/main">
+    <mc:Choice Requires="p14">
+      <p:transition spd="med" p14:dur="700">
+        <p:fade/>
+      </p:transition>
+    </mc:Choice>
+    <mc:Fallback xmlns="">
+      <p:transition spd="med">
+        <p:fade/>
+      </p:transition>
+    </mc:Fallback>
+  </mc:AlternateContent>
+</p:sld>
+</file>
+
+<file path=ppt/slides/slide21.xml><?xml version="1.0" encoding="utf-8"?>
+<p:sld xmlns:a="http://schemas.openxmlformats.org/drawingml/2006/main" xmlns:r="http://schemas.openxmlformats.org/officeDocument/2006/relationships" xmlns:p="http://schemas.openxmlformats.org/presentationml/2006/main">
+  <p:cSld>
+    <p:spTree>
+      <p:nvGrpSpPr>
+        <p:cNvPr id="1" name=""/>
+        <p:cNvGrpSpPr/>
+        <p:nvPr/>
+      </p:nvGrpSpPr>
+      <p:grpSpPr>
+        <a:xfrm>
+          <a:off x="0" y="0"/>
+          <a:ext cx="0" cy="0"/>
+          <a:chOff x="0" y="0"/>
+          <a:chExt cx="0" cy="0"/>
+        </a:xfrm>
+      </p:grpSpPr>
+      <p:sp>
+        <p:nvSpPr>
+          <p:cNvPr id="3" name="Titolo 2"/>
+          <p:cNvSpPr>
+            <a:spLocks noGrp="1"/>
+          </p:cNvSpPr>
+          <p:nvPr>
+            <p:ph type="title"/>
+          </p:nvPr>
+        </p:nvSpPr>
+        <p:spPr/>
+        <p:txBody>
+          <a:bodyPr rtlCol="0"/>
+          <a:lstStyle/>
+          <a:p>
+            <a:pPr rtl="0"/>
+            <a:r>
+              <a:rPr lang="it-IT" dirty="0"/>
+              <a:t>Aggiungere un titolo di diapositiva - 5</a:t>
+            </a:r>
+          </a:p>
+        </p:txBody>
+      </p:sp>
+      <p:sp>
+        <p:nvSpPr>
+          <p:cNvPr id="5" name="Segnaposto immagine 4" descr="Segnaposto vuoto per aggiungere un'immagine. Fare clic sul segnaposto e selezionare l'immagine che si vuole aggiungere"/>
+          <p:cNvSpPr>
+            <a:spLocks noGrp="1"/>
+          </p:cNvSpPr>
+          <p:nvPr>
+            <p:ph type="pic" idx="1"/>
+          </p:nvPr>
+        </p:nvSpPr>
+        <p:spPr/>
+      </p:sp>
+      <p:sp>
+        <p:nvSpPr>
+          <p:cNvPr id="6" name="Segnaposto testo 5"/>
+          <p:cNvSpPr>
+            <a:spLocks noGrp="1"/>
+          </p:cNvSpPr>
+          <p:nvPr>
+            <p:ph type="body" sz="half" idx="2"/>
+          </p:nvPr>
+        </p:nvSpPr>
+        <p:spPr/>
+        <p:txBody>
+          <a:bodyPr rtlCol="0"/>
+          <a:lstStyle/>
+          <a:p>
+            <a:pPr rtl="0"/>
+            <a:endParaRPr lang="it-IT" dirty="0"/>
+          </a:p>
+        </p:txBody>
+      </p:sp>
+    </p:spTree>
+    <p:extLst>
+      <p:ext uri="{BB962C8B-B14F-4D97-AF65-F5344CB8AC3E}">
+        <p14:creationId xmlns:p14="http://schemas.microsoft.com/office/powerpoint/2010/main" val="577046454"/>
+      </p:ext>
+    </p:extLst>
+  </p:cSld>
+  <p:clrMapOvr>
+    <a:masterClrMapping/>
+  </p:clrMapOvr>
+  <mc:AlternateContent xmlns:mc="http://schemas.openxmlformats.org/markup-compatibility/2006" xmlns:p14="http://schemas.microsoft.com/office/powerpoint/2010/main">
+    <mc:Choice Requires="p14">
+      <p:transition spd="med" p14:dur="700">
+        <p:fade/>
+      </p:transition>
+    </mc:Choice>
+    <mc:Fallback xmlns="">
+      <p:transition spd="med">
+        <p:fade/>
+      </p:transition>
+    </mc:Fallback>
+  </mc:AlternateContent>
+</p:sld>
+</file>
+
+<file path=ppt/slides/slide22.xml><?xml version="1.0" encoding="utf-8"?>
+<p:sld xmlns:a="http://schemas.openxmlformats.org/drawingml/2006/main" xmlns:r="http://schemas.openxmlformats.org/officeDocument/2006/relationships" xmlns:p="http://schemas.openxmlformats.org/presentationml/2006/main">
+  <p:cSld>
+    <p:spTree>
+      <p:nvGrpSpPr>
+        <p:cNvPr id="1" name=""/>
+        <p:cNvGrpSpPr/>
+        <p:nvPr/>
+      </p:nvGrpSpPr>
+      <p:grpSpPr>
+        <a:xfrm>
+          <a:off x="0" y="0"/>
+          <a:ext cx="0" cy="0"/>
+          <a:chOff x="0" y="0"/>
+          <a:chExt cx="0" cy="0"/>
+        </a:xfrm>
+      </p:grpSpPr>
+      <p:sp>
+        <p:nvSpPr>
+          <p:cNvPr id="2" name="Titolo 1">
+            <a:extLst>
+              <a:ext uri="{FF2B5EF4-FFF2-40B4-BE49-F238E27FC236}">
+                <a16:creationId xmlns:a16="http://schemas.microsoft.com/office/drawing/2014/main" id="{3FAFB550-3886-4C0A-A4FD-DFA0BB1FB633}"/>
+              </a:ext>
+            </a:extLst>
+          </p:cNvPr>
+          <p:cNvSpPr>
+            <a:spLocks noGrp="1"/>
+          </p:cNvSpPr>
+          <p:nvPr>
+            <p:ph type="title"/>
+          </p:nvPr>
+        </p:nvSpPr>
+        <p:spPr/>
+        <p:txBody>
+          <a:bodyPr/>
+          <a:lstStyle/>
+          <a:p>
+            <a:pPr algn="ctr"/>
+            <a:r>
+              <a:rPr lang="it-IT" dirty="0"/>
+              <a:t>BIBLIOGRAFIA</a:t>
+            </a:r>
+          </a:p>
+        </p:txBody>
+      </p:sp>
+      <p:sp>
+        <p:nvSpPr>
+          <p:cNvPr id="5" name="Segnaposto contenuto 4">
+            <a:extLst>
+              <a:ext uri="{FF2B5EF4-FFF2-40B4-BE49-F238E27FC236}">
+                <a16:creationId xmlns:a16="http://schemas.microsoft.com/office/drawing/2014/main" id="{88225803-058A-4C76-AECC-86C5BEA08E22}"/>
+              </a:ext>
+            </a:extLst>
+          </p:cNvPr>
+          <p:cNvSpPr>
+            <a:spLocks noGrp="1"/>
+          </p:cNvSpPr>
+          <p:nvPr>
+            <p:ph idx="1"/>
+          </p:nvPr>
+        </p:nvSpPr>
+        <p:spPr/>
+        <p:txBody>
+          <a:bodyPr/>
+          <a:lstStyle/>
+          <a:p>
+            <a:endParaRPr lang="it-IT" dirty="0"/>
+          </a:p>
+        </p:txBody>
+      </p:sp>
+    </p:spTree>
+    <p:extLst>
+      <p:ext uri="{BB962C8B-B14F-4D97-AF65-F5344CB8AC3E}">
+        <p14:creationId xmlns:p14="http://schemas.microsoft.com/office/powerpoint/2010/main" val="519085128"/>
+      </p:ext>
+    </p:extLst>
+  </p:cSld>
+  <p:clrMapOvr>
+    <a:masterClrMapping/>
+  </p:clrMapOvr>
+  <mc:AlternateContent xmlns:mc="http://schemas.openxmlformats.org/markup-compatibility/2006" xmlns:p14="http://schemas.microsoft.com/office/powerpoint/2010/main">
+    <mc:Choice Requires="p14">
+      <p:transition spd="med" p14:dur="700">
+        <p:fade/>
+      </p:transition>
+    </mc:Choice>
+    <mc:Fallback xmlns="">
+      <p:transition spd="med">
+        <p:fade/>
+      </p:transition>
+    </mc:Fallback>
+  </mc:AlternateContent>
+</p:sld>
+</file>
+
+<file path=ppt/slides/slide23.xml><?xml version="1.0" encoding="utf-8"?>
 <p:sld xmlns:a="http://schemas.openxmlformats.org/drawingml/2006/main" xmlns:r="http://schemas.openxmlformats.org/officeDocument/2006/relationships" xmlns:p="http://schemas.openxmlformats.org/presentationml/2006/main">
   <p:cSld>
     <p:spTree>

--- a/REPORT.pptx
+++ b/REPORT.pptx
@@ -5,10 +5,10 @@
     <p:sldMasterId id="2147483648" r:id="rId1"/>
   </p:sldMasterIdLst>
   <p:notesMasterIdLst>
-    <p:notesMasterId r:id="rId25"/>
+    <p:notesMasterId r:id="rId29"/>
   </p:notesMasterIdLst>
   <p:handoutMasterIdLst>
-    <p:handoutMasterId r:id="rId26"/>
+    <p:handoutMasterId r:id="rId30"/>
   </p:handoutMasterIdLst>
   <p:sldIdLst>
     <p:sldId id="318" r:id="rId2"/>
@@ -26,19 +26,23 @@
     <p:sldId id="351" r:id="rId14"/>
     <p:sldId id="350" r:id="rId15"/>
     <p:sldId id="340" r:id="rId16"/>
-    <p:sldId id="339" r:id="rId17"/>
-    <p:sldId id="334" r:id="rId18"/>
-    <p:sldId id="335" r:id="rId19"/>
-    <p:sldId id="336" r:id="rId20"/>
-    <p:sldId id="337" r:id="rId21"/>
-    <p:sldId id="338" r:id="rId22"/>
-    <p:sldId id="343" r:id="rId23"/>
-    <p:sldId id="342" r:id="rId24"/>
+    <p:sldId id="355" r:id="rId17"/>
+    <p:sldId id="354" r:id="rId18"/>
+    <p:sldId id="353" r:id="rId19"/>
+    <p:sldId id="352" r:id="rId20"/>
+    <p:sldId id="339" r:id="rId21"/>
+    <p:sldId id="334" r:id="rId22"/>
+    <p:sldId id="335" r:id="rId23"/>
+    <p:sldId id="336" r:id="rId24"/>
+    <p:sldId id="337" r:id="rId25"/>
+    <p:sldId id="338" r:id="rId26"/>
+    <p:sldId id="343" r:id="rId27"/>
+    <p:sldId id="342" r:id="rId28"/>
   </p:sldIdLst>
   <p:sldSz cx="12188825" cy="6858000"/>
   <p:notesSz cx="6858000" cy="9144000"/>
   <p:custDataLst>
-    <p:tags r:id="rId27"/>
+    <p:tags r:id="rId31"/>
   </p:custDataLst>
   <p:defaultTextStyle>
     <a:defPPr rtl="0">
@@ -215,6 +219,14 @@
     </p:ext>
   </p:extLst>
 </p:presentation>
+</file>
+
+<file path=ppt/revisionInfo.xml><?xml version="1.0" encoding="utf-8"?>
+<p1510:revInfo xmlns:a="http://schemas.openxmlformats.org/drawingml/2006/main" xmlns:r="http://schemas.openxmlformats.org/officeDocument/2006/relationships" xmlns:p1510="http://schemas.microsoft.com/office/powerpoint/2015/10/main">
+  <p1510:revLst>
+    <p1510:client id="{2D155CDB-E9E4-4A07-AB62-0B55ABA877F8}" v="11" dt="2021-05-16T08:42:42.939"/>
+  </p1510:revLst>
+</p1510:revInfo>
 </file>
 
 <file path=ppt/charts/chart1.xml><?xml version="1.0" encoding="utf-8"?>
@@ -1276,7 +1288,7 @@
             <a:pPr rtl="0"/>
             <a:fld id="{B0F83D96-5C9C-4534-86B5-5649DB8A678D}" type="datetime1">
               <a:rPr lang="it-IT" smtClean="0"/>
-              <a:t>14/05/21</a:t>
+              <a:t>16/05/2021</a:t>
             </a:fld>
             <a:endParaRPr lang="it-IT" dirty="0"/>
           </a:p>
@@ -1445,7 +1457,7 @@
             <a:fld id="{9DCB9B24-3351-4DE4-82DB-35F58E80D7CC}" type="datetime1">
               <a:rPr lang="it-IT" smtClean="0"/>
               <a:pPr/>
-              <a:t>14/05/21</a:t>
+              <a:t>16/05/2021</a:t>
             </a:fld>
             <a:endParaRPr lang="it-IT" dirty="0"/>
           </a:p>
@@ -1866,7 +1878,7 @@
             <a:pPr rtl="0"/>
             <a:fld id="{F93199CD-3E1B-4AE6-990F-76F925F5EA9F}" type="slidenum">
               <a:rPr lang="it-IT" smtClean="0"/>
-              <a:t>17</a:t>
+              <a:t>21</a:t>
             </a:fld>
             <a:endParaRPr lang="it-IT" dirty="0"/>
           </a:p>
@@ -1951,7 +1963,7 @@
             <a:pPr rtl="0"/>
             <a:fld id="{F93199CD-3E1B-4AE6-990F-76F925F5EA9F}" type="slidenum">
               <a:rPr lang="it-IT" smtClean="0"/>
-              <a:t>18</a:t>
+              <a:t>22</a:t>
             </a:fld>
             <a:endParaRPr lang="it-IT" dirty="0"/>
           </a:p>
@@ -2036,7 +2048,7 @@
             <a:pPr rtl="0"/>
             <a:fld id="{F93199CD-3E1B-4AE6-990F-76F925F5EA9F}" type="slidenum">
               <a:rPr lang="it-IT" smtClean="0"/>
-              <a:t>19</a:t>
+              <a:t>23</a:t>
             </a:fld>
             <a:endParaRPr lang="it-IT" dirty="0"/>
           </a:p>
@@ -2121,7 +2133,7 @@
             <a:pPr rtl="0"/>
             <a:fld id="{F93199CD-3E1B-4AE6-990F-76F925F5EA9F}" type="slidenum">
               <a:rPr lang="it-IT" smtClean="0"/>
-              <a:t>20</a:t>
+              <a:t>24</a:t>
             </a:fld>
             <a:endParaRPr lang="it-IT" dirty="0"/>
           </a:p>
@@ -2206,7 +2218,7 @@
             <a:pPr rtl="0"/>
             <a:fld id="{F93199CD-3E1B-4AE6-990F-76F925F5EA9F}" type="slidenum">
               <a:rPr lang="it-IT" smtClean="0"/>
-              <a:t>21</a:t>
+              <a:t>25</a:t>
             </a:fld>
             <a:endParaRPr lang="it-IT" dirty="0"/>
           </a:p>
@@ -2886,7 +2898,7 @@
             <a:pPr rtl="0"/>
             <a:fld id="{F93199CD-3E1B-4AE6-990F-76F925F5EA9F}" type="slidenum">
               <a:rPr lang="it-IT" smtClean="0"/>
-              <a:t>16</a:t>
+              <a:t>20</a:t>
             </a:fld>
             <a:endParaRPr lang="it-IT" dirty="0"/>
           </a:p>
@@ -3402,7 +3414,7 @@
             <a:fld id="{B47E2BE2-C2B3-4B55-8A92-AABDC382E8E6}" type="datetime1">
               <a:rPr lang="it-IT" smtClean="0"/>
               <a:pPr/>
-              <a:t>14/05/21</a:t>
+              <a:t>16/05/2021</a:t>
             </a:fld>
             <a:endParaRPr lang="it-IT" dirty="0"/>
           </a:p>
@@ -3615,7 +3627,7 @@
             <a:fld id="{13B0A373-E355-43F7-825A-91B793E35BAE}" type="datetime1">
               <a:rPr lang="it-IT" smtClean="0"/>
               <a:pPr/>
-              <a:t>14/05/21</a:t>
+              <a:t>16/05/2021</a:t>
             </a:fld>
             <a:endParaRPr lang="it-IT" dirty="0"/>
           </a:p>
@@ -3856,7 +3868,7 @@
             <a:fld id="{023992EC-44DB-4793-BACF-64A780A8628B}" type="datetime1">
               <a:rPr lang="it-IT" smtClean="0"/>
               <a:pPr/>
-              <a:t>14/05/21</a:t>
+              <a:t>16/05/2021</a:t>
             </a:fld>
             <a:endParaRPr lang="it-IT" dirty="0"/>
           </a:p>
@@ -4280,7 +4292,7 @@
             <a:fld id="{A47277E1-7621-4FF5-8428-BC5024298335}" type="datetime1">
               <a:rPr lang="it-IT" smtClean="0"/>
               <a:pPr/>
-              <a:t>14/05/21</a:t>
+              <a:t>16/05/2021</a:t>
             </a:fld>
             <a:endParaRPr lang="it-IT" dirty="0"/>
           </a:p>
@@ -4648,7 +4660,7 @@
             <a:fld id="{B79D17D8-68D2-446E-87A0-2D6562C8073F}" type="datetime1">
               <a:rPr lang="it-IT" smtClean="0"/>
               <a:pPr/>
-              <a:t>14/05/21</a:t>
+              <a:t>16/05/2021</a:t>
             </a:fld>
             <a:endParaRPr lang="it-IT" dirty="0"/>
           </a:p>
@@ -5164,7 +5176,7 @@
             <a:fld id="{2CC7AD1E-A15F-4D65-9E34-06DC5079DC1A}" type="datetime1">
               <a:rPr lang="it-IT" smtClean="0"/>
               <a:pPr/>
-              <a:t>14/05/21</a:t>
+              <a:t>16/05/2021</a:t>
             </a:fld>
             <a:endParaRPr lang="it-IT" dirty="0"/>
           </a:p>
@@ -5353,7 +5365,7 @@
             <a:fld id="{5DDD6FC7-94FB-49FD-9E96-34996EEF0D27}" type="datetime1">
               <a:rPr lang="it-IT" smtClean="0"/>
               <a:pPr/>
-              <a:t>14/05/21</a:t>
+              <a:t>16/05/2021</a:t>
             </a:fld>
             <a:endParaRPr lang="it-IT" dirty="0"/>
           </a:p>
@@ -5508,7 +5520,7 @@
             <a:fld id="{3D229277-2975-4D5A-9A7B-43F78A804847}" type="datetime1">
               <a:rPr lang="it-IT" smtClean="0"/>
               <a:pPr/>
-              <a:t>14/05/21</a:t>
+              <a:t>16/05/2021</a:t>
             </a:fld>
             <a:endParaRPr lang="it-IT" dirty="0"/>
           </a:p>
@@ -5829,7 +5841,7 @@
             <a:fld id="{278D3AD8-0B53-46CB-983C-0C8ACB1B11C7}" type="datetime1">
               <a:rPr lang="it-IT" smtClean="0"/>
               <a:pPr/>
-              <a:t>14/05/21</a:t>
+              <a:t>16/05/2021</a:t>
             </a:fld>
             <a:endParaRPr lang="it-IT" dirty="0"/>
           </a:p>
@@ -6383,7 +6395,7 @@
             <a:fld id="{C110D783-DB46-4E30-A2B2-B6F993D85061}" type="datetime1">
               <a:rPr lang="it-IT" smtClean="0"/>
               <a:pPr/>
-              <a:t>14/05/21</a:t>
+              <a:t>16/05/2021</a:t>
             </a:fld>
             <a:endParaRPr lang="it-IT" dirty="0"/>
           </a:p>
@@ -7673,13 +7685,13 @@
   <p:clrMapOvr>
     <a:masterClrMapping/>
   </p:clrMapOvr>
-  <mc:AlternateContent xmlns:mc="http://schemas.openxmlformats.org/markup-compatibility/2006">
-    <mc:Choice xmlns:p14="http://schemas.microsoft.com/office/powerpoint/2010/main" Requires="p14">
+  <mc:AlternateContent xmlns:mc="http://schemas.openxmlformats.org/markup-compatibility/2006" xmlns:p14="http://schemas.microsoft.com/office/powerpoint/2010/main">
+    <mc:Choice Requires="p14">
       <p:transition spd="med" p14:dur="700">
         <p:fade/>
       </p:transition>
     </mc:Choice>
-    <mc:Fallback>
+    <mc:Fallback xmlns="">
       <p:transition spd="med">
         <p:fade/>
       </p:transition>
@@ -7792,7 +7804,13 @@
       </p:grpSpPr>
       <p:sp>
         <p:nvSpPr>
-          <p:cNvPr id="2" name="Titolo 1"/>
+          <p:cNvPr id="4" name="Titolo 3">
+            <a:extLst>
+              <a:ext uri="{FF2B5EF4-FFF2-40B4-BE49-F238E27FC236}">
+                <a16:creationId xmlns:a16="http://schemas.microsoft.com/office/drawing/2014/main" id="{E59EE03A-E696-4D57-92A4-876B4C596B07}"/>
+              </a:ext>
+            </a:extLst>
+          </p:cNvPr>
           <p:cNvSpPr>
             <a:spLocks noGrp="1"/>
           </p:cNvSpPr>
@@ -7802,20 +7820,27 @@
         </p:nvSpPr>
         <p:spPr/>
         <p:txBody>
-          <a:bodyPr rtlCol="0"/>
-          <a:lstStyle/>
-          <a:p>
-            <a:pPr rtl="0"/>
+          <a:bodyPr>
+            <a:normAutofit fontScale="90000"/>
+          </a:bodyPr>
+          <a:lstStyle/>
+          <a:p>
             <a:r>
               <a:rPr lang="it-IT" dirty="0"/>
-              <a:t>Analisi per soggetti</a:t>
-            </a:r>
-          </a:p>
-        </p:txBody>
-      </p:sp>
-      <p:sp>
-        <p:nvSpPr>
-          <p:cNvPr id="4" name="Segnaposto testo 3"/>
+              <a:t>Analisi della distribuzione territoriale dei progetti relativi all’integrazione orizzontale/verticale</a:t>
+            </a:r>
+          </a:p>
+        </p:txBody>
+      </p:sp>
+      <p:sp>
+        <p:nvSpPr>
+          <p:cNvPr id="11" name="Segnaposto testo 10">
+            <a:extLst>
+              <a:ext uri="{FF2B5EF4-FFF2-40B4-BE49-F238E27FC236}">
+                <a16:creationId xmlns:a16="http://schemas.microsoft.com/office/drawing/2014/main" id="{8A4DB5C7-DDF2-4258-979C-C6B9F03FCDB3}"/>
+              </a:ext>
+            </a:extLst>
+          </p:cNvPr>
           <p:cNvSpPr>
             <a:spLocks noGrp="1"/>
           </p:cNvSpPr>
@@ -7825,18 +7850,120 @@
         </p:nvSpPr>
         <p:spPr/>
         <p:txBody>
-          <a:bodyPr rtlCol="0"/>
-          <a:lstStyle/>
-          <a:p>
-            <a:pPr rtl="0"/>
-            <a:endParaRPr lang="it-IT" dirty="0"/>
-          </a:p>
-        </p:txBody>
-      </p:sp>
+          <a:bodyPr/>
+          <a:lstStyle/>
+          <a:p>
+            <a:pPr algn="just"/>
+            <a:r>
+              <a:rPr lang="it-IT" dirty="0"/>
+              <a:t>Percentuale dei progetti limitati all’ambito nazionale o europeo rispetto al totale</a:t>
+            </a:r>
+          </a:p>
+        </p:txBody>
+      </p:sp>
+      <p:pic>
+        <p:nvPicPr>
+          <p:cNvPr id="8" name="Segnaposto contenuto 7">
+            <a:extLst>
+              <a:ext uri="{FF2B5EF4-FFF2-40B4-BE49-F238E27FC236}">
+                <a16:creationId xmlns:a16="http://schemas.microsoft.com/office/drawing/2014/main" id="{B2864C32-2002-4E2D-ACC6-F621C51094CD}"/>
+              </a:ext>
+            </a:extLst>
+          </p:cNvPr>
+          <p:cNvPicPr>
+            <a:picLocks noGrp="1" noChangeAspect="1"/>
+          </p:cNvPicPr>
+          <p:nvPr>
+            <p:ph sz="half" idx="2"/>
+          </p:nvPr>
+        </p:nvPicPr>
+        <p:blipFill>
+          <a:blip r:embed="rId2">
+            <a:extLst>
+              <a:ext uri="{28A0092B-C50C-407E-A947-70E740481C1C}">
+                <a14:useLocalDpi xmlns:a14="http://schemas.microsoft.com/office/drawing/2010/main" val="0"/>
+              </a:ext>
+            </a:extLst>
+          </a:blip>
+          <a:stretch>
+            <a:fillRect/>
+          </a:stretch>
+        </p:blipFill>
+        <p:spPr>
+          <a:xfrm>
+            <a:off x="1522413" y="2823255"/>
+            <a:ext cx="4800600" cy="3265714"/>
+          </a:xfrm>
+        </p:spPr>
+      </p:pic>
+      <p:sp>
+        <p:nvSpPr>
+          <p:cNvPr id="12" name="Segnaposto testo 11">
+            <a:extLst>
+              <a:ext uri="{FF2B5EF4-FFF2-40B4-BE49-F238E27FC236}">
+                <a16:creationId xmlns:a16="http://schemas.microsoft.com/office/drawing/2014/main" id="{5AF85350-EA14-4F23-BB29-B01DFC8E5C43}"/>
+              </a:ext>
+            </a:extLst>
+          </p:cNvPr>
+          <p:cNvSpPr>
+            <a:spLocks noGrp="1"/>
+          </p:cNvSpPr>
+          <p:nvPr>
+            <p:ph type="body" sz="quarter" idx="3"/>
+          </p:nvPr>
+        </p:nvSpPr>
+        <p:spPr/>
+        <p:txBody>
+          <a:bodyPr/>
+          <a:lstStyle/>
+          <a:p>
+            <a:pPr algn="just"/>
+            <a:r>
+              <a:rPr lang="it-IT" dirty="0"/>
+              <a:t>Confronto tra regioni italiane per progetti iniziati</a:t>
+            </a:r>
+          </a:p>
+        </p:txBody>
+      </p:sp>
+      <p:pic>
+        <p:nvPicPr>
+          <p:cNvPr id="16" name="Segnaposto contenuto 15">
+            <a:extLst>
+              <a:ext uri="{FF2B5EF4-FFF2-40B4-BE49-F238E27FC236}">
+                <a16:creationId xmlns:a16="http://schemas.microsoft.com/office/drawing/2014/main" id="{D1DBD6B5-36C5-4603-B1BB-915387E94A3E}"/>
+              </a:ext>
+            </a:extLst>
+          </p:cNvPr>
+          <p:cNvPicPr>
+            <a:picLocks noGrp="1" noChangeAspect="1"/>
+          </p:cNvPicPr>
+          <p:nvPr>
+            <p:ph sz="quarter" idx="4"/>
+          </p:nvPr>
+        </p:nvPicPr>
+        <p:blipFill>
+          <a:blip r:embed="rId3">
+            <a:extLst>
+              <a:ext uri="{28A0092B-C50C-407E-A947-70E740481C1C}">
+                <a14:useLocalDpi xmlns:a14="http://schemas.microsoft.com/office/drawing/2010/main" val="0"/>
+              </a:ext>
+            </a:extLst>
+          </a:blip>
+          <a:stretch>
+            <a:fillRect/>
+          </a:stretch>
+        </p:blipFill>
+        <p:spPr>
+          <a:xfrm>
+            <a:off x="6551613" y="2817748"/>
+            <a:ext cx="4800600" cy="3276729"/>
+          </a:xfrm>
+        </p:spPr>
+      </p:pic>
     </p:spTree>
     <p:extLst>
       <p:ext uri="{BB962C8B-B14F-4D97-AF65-F5344CB8AC3E}">
-        <p14:creationId xmlns:p14="http://schemas.microsoft.com/office/powerpoint/2010/main" val="2395117775"/>
+        <p14:creationId xmlns:p14="http://schemas.microsoft.com/office/powerpoint/2010/main" val="2601072384"/>
       </p:ext>
     </p:extLst>
   </p:cSld>
@@ -7877,7 +8004,13 @@
       </p:grpSpPr>
       <p:sp>
         <p:nvSpPr>
-          <p:cNvPr id="2" name="Titolo 1"/>
+          <p:cNvPr id="8" name="Title 1">
+            <a:extLst>
+              <a:ext uri="{FF2B5EF4-FFF2-40B4-BE49-F238E27FC236}">
+                <a16:creationId xmlns:a16="http://schemas.microsoft.com/office/drawing/2014/main" id="{A33C9268-F6D8-44F4-93E5-B9F9A1C276B4}"/>
+              </a:ext>
+            </a:extLst>
+          </p:cNvPr>
           <p:cNvSpPr>
             <a:spLocks noGrp="1"/>
           </p:cNvSpPr>
@@ -7885,103 +8018,100 @@
             <p:ph type="title"/>
           </p:nvPr>
         </p:nvSpPr>
-        <p:spPr/>
-        <p:txBody>
-          <a:bodyPr rtlCol="0"/>
-          <a:lstStyle/>
-          <a:p>
-            <a:pPr rtl="0"/>
+        <p:spPr>
+          <a:xfrm>
+            <a:off x="1522413" y="685800"/>
+            <a:ext cx="4114800" cy="1925637"/>
+          </a:xfrm>
+        </p:spPr>
+        <p:txBody>
+          <a:bodyPr anchor="b">
+            <a:normAutofit/>
+          </a:bodyPr>
+          <a:lstStyle/>
+          <a:p>
+            <a:r>
+              <a:rPr lang="it-IT" sz="2800" dirty="0"/>
+              <a:t>Analisi dei finanziamenti erogati dalle regioni a progetti relativi all’integrazione orizzontale/verticale</a:t>
+            </a:r>
+            <a:endParaRPr lang="en-US" sz="2800" dirty="0"/>
+          </a:p>
+        </p:txBody>
+      </p:sp>
+      <p:pic>
+        <p:nvPicPr>
+          <p:cNvPr id="11" name="Segnaposto immagine 10">
+            <a:extLst>
+              <a:ext uri="{FF2B5EF4-FFF2-40B4-BE49-F238E27FC236}">
+                <a16:creationId xmlns:a16="http://schemas.microsoft.com/office/drawing/2014/main" id="{DDD599B6-D745-4FA7-9618-7C5AEC2CE572}"/>
+              </a:ext>
+            </a:extLst>
+          </p:cNvPr>
+          <p:cNvPicPr>
+            <a:picLocks noGrp="1" noChangeAspect="1"/>
+          </p:cNvPicPr>
+          <p:nvPr>
+            <p:ph idx="1"/>
+          </p:nvPr>
+        </p:nvPicPr>
+        <p:blipFill>
+          <a:blip r:embed="rId2">
+            <a:extLst>
+              <a:ext uri="{28A0092B-C50C-407E-A947-70E740481C1C}">
+                <a14:useLocalDpi xmlns:a14="http://schemas.microsoft.com/office/drawing/2010/main" val="0"/>
+              </a:ext>
+            </a:extLst>
+          </a:blip>
+          <a:stretch>
+            <a:fillRect/>
+          </a:stretch>
+        </p:blipFill>
+        <p:spPr>
+          <a:xfrm>
+            <a:off x="6094414" y="1632560"/>
+            <a:ext cx="5257799" cy="3592879"/>
+          </a:xfrm>
+          <a:noFill/>
+        </p:spPr>
+      </p:pic>
+      <p:sp>
+        <p:nvSpPr>
+          <p:cNvPr id="17" name="Text Placeholder 3">
+            <a:extLst>
+              <a:ext uri="{FF2B5EF4-FFF2-40B4-BE49-F238E27FC236}">
+                <a16:creationId xmlns:a16="http://schemas.microsoft.com/office/drawing/2014/main" id="{14C6E85D-BAC6-445E-8F19-78837A665D1E}"/>
+              </a:ext>
+            </a:extLst>
+          </p:cNvPr>
+          <p:cNvSpPr>
+            <a:spLocks noGrp="1"/>
+          </p:cNvSpPr>
+          <p:nvPr>
+            <p:ph type="body" sz="half" idx="2"/>
+          </p:nvPr>
+        </p:nvSpPr>
+        <p:spPr>
+          <a:xfrm>
+            <a:off x="1522413" y="2895599"/>
+            <a:ext cx="4114800" cy="2590800"/>
+          </a:xfrm>
+        </p:spPr>
+        <p:txBody>
+          <a:bodyPr/>
+          <a:lstStyle/>
+          <a:p>
+            <a:pPr algn="just"/>
             <a:r>
               <a:rPr lang="it-IT" dirty="0"/>
-              <a:t>Aggiungere un titolo di diapositiva - 2</a:t>
-            </a:r>
-          </a:p>
-        </p:txBody>
-      </p:sp>
-      <p:sp>
-        <p:nvSpPr>
-          <p:cNvPr id="7" name="Segnaposto testo 6"/>
-          <p:cNvSpPr>
-            <a:spLocks noGrp="1"/>
-          </p:cNvSpPr>
-          <p:nvPr>
-            <p:ph type="body" idx="1"/>
-          </p:nvPr>
-        </p:nvSpPr>
-        <p:spPr/>
-        <p:txBody>
-          <a:bodyPr rtlCol="0"/>
-          <a:lstStyle/>
-          <a:p>
-            <a:pPr rtl="0"/>
-            <a:endParaRPr lang="it-IT" dirty="0"/>
-          </a:p>
-        </p:txBody>
-      </p:sp>
-      <p:sp>
-        <p:nvSpPr>
-          <p:cNvPr id="8" name="Segnaposto contenuto 7"/>
-          <p:cNvSpPr>
-            <a:spLocks noGrp="1"/>
-          </p:cNvSpPr>
-          <p:nvPr>
-            <p:ph sz="half" idx="2"/>
-          </p:nvPr>
-        </p:nvSpPr>
-        <p:spPr/>
-        <p:txBody>
-          <a:bodyPr rtlCol="0"/>
-          <a:lstStyle/>
-          <a:p>
-            <a:pPr rtl="0"/>
-            <a:endParaRPr lang="it-IT" dirty="0"/>
-          </a:p>
-        </p:txBody>
-      </p:sp>
-      <p:sp>
-        <p:nvSpPr>
-          <p:cNvPr id="9" name="Segnaposto testo 8"/>
-          <p:cNvSpPr>
-            <a:spLocks noGrp="1"/>
-          </p:cNvSpPr>
-          <p:nvPr>
-            <p:ph type="body" sz="quarter" idx="3"/>
-          </p:nvPr>
-        </p:nvSpPr>
-        <p:spPr/>
-        <p:txBody>
-          <a:bodyPr rtlCol="0"/>
-          <a:lstStyle/>
-          <a:p>
-            <a:pPr rtl="0"/>
-            <a:endParaRPr lang="it-IT" dirty="0"/>
-          </a:p>
-        </p:txBody>
-      </p:sp>
-      <p:sp>
-        <p:nvSpPr>
-          <p:cNvPr id="10" name="Segnaposto contenuto 9"/>
-          <p:cNvSpPr>
-            <a:spLocks noGrp="1"/>
-          </p:cNvSpPr>
-          <p:nvPr>
-            <p:ph sz="quarter" idx="4"/>
-          </p:nvPr>
-        </p:nvSpPr>
-        <p:spPr/>
-        <p:txBody>
-          <a:bodyPr rtlCol="0"/>
-          <a:lstStyle/>
-          <a:p>
-            <a:pPr rtl="0"/>
-            <a:endParaRPr lang="it-IT" dirty="0"/>
+              <a:t>Come risultante dall’istogramma, la Toscana è la regione che più di tutte ha investito in progetti inerenti all’integrazione orizzontale/verticale mentre circa la metà delle restanti regioni italiane non ne ha supportato nessuno. </a:t>
+            </a:r>
           </a:p>
         </p:txBody>
       </p:sp>
     </p:spTree>
     <p:extLst>
       <p:ext uri="{BB962C8B-B14F-4D97-AF65-F5344CB8AC3E}">
-        <p14:creationId xmlns:p14="http://schemas.microsoft.com/office/powerpoint/2010/main" val="3817187371"/>
+        <p14:creationId xmlns:p14="http://schemas.microsoft.com/office/powerpoint/2010/main" val="1568843234"/>
       </p:ext>
     </p:extLst>
   </p:cSld>
@@ -8022,7 +8152,13 @@
       </p:grpSpPr>
       <p:sp>
         <p:nvSpPr>
-          <p:cNvPr id="2" name="Titolo 1"/>
+          <p:cNvPr id="15" name="Title 1">
+            <a:extLst>
+              <a:ext uri="{FF2B5EF4-FFF2-40B4-BE49-F238E27FC236}">
+                <a16:creationId xmlns:a16="http://schemas.microsoft.com/office/drawing/2014/main" id="{8D6C3CF8-1556-49B9-B912-1AB9CA9160FE}"/>
+              </a:ext>
+            </a:extLst>
+          </p:cNvPr>
           <p:cNvSpPr>
             <a:spLocks noGrp="1"/>
           </p:cNvSpPr>
@@ -8030,23 +8166,176 @@
             <p:ph type="title"/>
           </p:nvPr>
         </p:nvSpPr>
-        <p:spPr/>
-        <p:txBody>
-          <a:bodyPr rtlCol="0"/>
-          <a:lstStyle/>
-          <a:p>
-            <a:pPr rtl="0"/>
+        <p:spPr>
+          <a:xfrm>
+            <a:off x="1522413" y="381000"/>
+            <a:ext cx="9829798" cy="1219200"/>
+          </a:xfrm>
+        </p:spPr>
+        <p:txBody>
+          <a:bodyPr>
+            <a:normAutofit/>
+          </a:bodyPr>
+          <a:lstStyle/>
+          <a:p>
             <a:r>
               <a:rPr lang="it-IT" dirty="0"/>
-              <a:t>Aggiungere un titolo di diapositiva - 3</a:t>
-            </a:r>
-          </a:p>
-        </p:txBody>
-      </p:sp>
+              <a:t>Analisi della distribuzione territoriale dei progetti relativi all’IoT (Internet of </a:t>
+            </a:r>
+            <a:r>
+              <a:rPr lang="it-IT" dirty="0" err="1"/>
+              <a:t>Things</a:t>
+            </a:r>
+            <a:r>
+              <a:rPr lang="it-IT" dirty="0"/>
+              <a:t>)</a:t>
+            </a:r>
+            <a:endParaRPr lang="en-US" dirty="0"/>
+          </a:p>
+        </p:txBody>
+      </p:sp>
+      <p:sp>
+        <p:nvSpPr>
+          <p:cNvPr id="17" name="Text Placeholder 2">
+            <a:extLst>
+              <a:ext uri="{FF2B5EF4-FFF2-40B4-BE49-F238E27FC236}">
+                <a16:creationId xmlns:a16="http://schemas.microsoft.com/office/drawing/2014/main" id="{E98473B8-3010-41B9-8C55-7A6B8AB7E909}"/>
+              </a:ext>
+            </a:extLst>
+          </p:cNvPr>
+          <p:cNvSpPr>
+            <a:spLocks noGrp="1"/>
+          </p:cNvSpPr>
+          <p:nvPr>
+            <p:ph type="body" idx="1"/>
+          </p:nvPr>
+        </p:nvSpPr>
+        <p:spPr>
+          <a:xfrm>
+            <a:off x="1522413" y="1828800"/>
+            <a:ext cx="4800600" cy="838200"/>
+          </a:xfrm>
+        </p:spPr>
+        <p:txBody>
+          <a:bodyPr/>
+          <a:lstStyle/>
+          <a:p>
+            <a:pPr algn="just"/>
+            <a:r>
+              <a:rPr lang="it-IT" dirty="0"/>
+              <a:t>Percentuale dei progetti limitati all’ambito nazionale o europeo rispetto al totale</a:t>
+            </a:r>
+          </a:p>
+        </p:txBody>
+      </p:sp>
+      <p:pic>
+        <p:nvPicPr>
+          <p:cNvPr id="5" name="Segnaposto contenuto 4">
+            <a:extLst>
+              <a:ext uri="{FF2B5EF4-FFF2-40B4-BE49-F238E27FC236}">
+                <a16:creationId xmlns:a16="http://schemas.microsoft.com/office/drawing/2014/main" id="{E4D3C7D3-C7D2-40E5-AFB5-E679B0D9BB33}"/>
+              </a:ext>
+            </a:extLst>
+          </p:cNvPr>
+          <p:cNvPicPr>
+            <a:picLocks noGrp="1" noChangeAspect="1"/>
+          </p:cNvPicPr>
+          <p:nvPr>
+            <p:ph sz="half" idx="2"/>
+          </p:nvPr>
+        </p:nvPicPr>
+        <p:blipFill>
+          <a:blip r:embed="rId2">
+            <a:extLst>
+              <a:ext uri="{28A0092B-C50C-407E-A947-70E740481C1C}">
+                <a14:useLocalDpi xmlns:a14="http://schemas.microsoft.com/office/drawing/2010/main" val="0"/>
+              </a:ext>
+            </a:extLst>
+          </a:blip>
+          <a:stretch>
+            <a:fillRect/>
+          </a:stretch>
+        </p:blipFill>
+        <p:spPr>
+          <a:xfrm>
+            <a:off x="1522413" y="2819483"/>
+            <a:ext cx="4800600" cy="3273259"/>
+          </a:xfrm>
+        </p:spPr>
+      </p:pic>
+      <p:sp>
+        <p:nvSpPr>
+          <p:cNvPr id="14" name="Text Placeholder 4">
+            <a:extLst>
+              <a:ext uri="{FF2B5EF4-FFF2-40B4-BE49-F238E27FC236}">
+                <a16:creationId xmlns:a16="http://schemas.microsoft.com/office/drawing/2014/main" id="{CED5E6C0-B110-44B9-9F2B-605986151821}"/>
+              </a:ext>
+            </a:extLst>
+          </p:cNvPr>
+          <p:cNvSpPr>
+            <a:spLocks noGrp="1"/>
+          </p:cNvSpPr>
+          <p:nvPr>
+            <p:ph type="body" sz="quarter" idx="3"/>
+          </p:nvPr>
+        </p:nvSpPr>
+        <p:spPr>
+          <a:xfrm>
+            <a:off x="6551613" y="1828800"/>
+            <a:ext cx="4800600" cy="838200"/>
+          </a:xfrm>
+        </p:spPr>
+        <p:txBody>
+          <a:bodyPr/>
+          <a:lstStyle/>
+          <a:p>
+            <a:pPr algn="just"/>
+            <a:r>
+              <a:rPr lang="it-IT" dirty="0"/>
+              <a:t>Confronto tra regioni italiane per progetti iniziati</a:t>
+            </a:r>
+          </a:p>
+        </p:txBody>
+      </p:sp>
+      <p:pic>
+        <p:nvPicPr>
+          <p:cNvPr id="19" name="Segnaposto contenuto 18">
+            <a:extLst>
+              <a:ext uri="{FF2B5EF4-FFF2-40B4-BE49-F238E27FC236}">
+                <a16:creationId xmlns:a16="http://schemas.microsoft.com/office/drawing/2014/main" id="{6D39F6EA-912B-4FCC-9679-5075D361746A}"/>
+              </a:ext>
+            </a:extLst>
+          </p:cNvPr>
+          <p:cNvPicPr>
+            <a:picLocks noGrp="1" noChangeAspect="1"/>
+          </p:cNvPicPr>
+          <p:nvPr>
+            <p:ph sz="quarter" idx="4"/>
+          </p:nvPr>
+        </p:nvPicPr>
+        <p:blipFill>
+          <a:blip r:embed="rId3">
+            <a:extLst>
+              <a:ext uri="{28A0092B-C50C-407E-A947-70E740481C1C}">
+                <a14:useLocalDpi xmlns:a14="http://schemas.microsoft.com/office/drawing/2010/main" val="0"/>
+              </a:ext>
+            </a:extLst>
+          </a:blip>
+          <a:stretch>
+            <a:fillRect/>
+          </a:stretch>
+        </p:blipFill>
+        <p:spPr>
+          <a:xfrm>
+            <a:off x="6551613" y="2821027"/>
+            <a:ext cx="4800600" cy="3270170"/>
+          </a:xfrm>
+        </p:spPr>
+      </p:pic>
     </p:spTree>
     <p:extLst>
       <p:ext uri="{BB962C8B-B14F-4D97-AF65-F5344CB8AC3E}">
-        <p14:creationId xmlns:p14="http://schemas.microsoft.com/office/powerpoint/2010/main" val="102866038"/>
+        <p14:creationId xmlns:p14="http://schemas.microsoft.com/office/powerpoint/2010/main" val="2428021166"/>
       </p:ext>
     </p:extLst>
   </p:cSld>
@@ -8087,10 +8376,10 @@
       </p:grpSpPr>
       <p:sp>
         <p:nvSpPr>
-          <p:cNvPr id="2" name="Titolo 1">
+          <p:cNvPr id="8" name="Title 1">
             <a:extLst>
               <a:ext uri="{FF2B5EF4-FFF2-40B4-BE49-F238E27FC236}">
-                <a16:creationId xmlns:a16="http://schemas.microsoft.com/office/drawing/2014/main" id="{02712C57-E01E-4019-9D5A-E3194D99F785}"/>
+                <a16:creationId xmlns:a16="http://schemas.microsoft.com/office/drawing/2014/main" id="{3039C7A2-C729-49D7-BE6E-52DDF4F856D5}"/>
               </a:ext>
             </a:extLst>
           </p:cNvPr>
@@ -8101,21 +8390,48 @@
             <p:ph type="title"/>
           </p:nvPr>
         </p:nvSpPr>
-        <p:spPr/>
-        <p:txBody>
-          <a:bodyPr/>
-          <a:lstStyle/>
-          <a:p>
-            <a:endParaRPr lang="it-IT"/>
-          </a:p>
-        </p:txBody>
-      </p:sp>
-      <p:sp>
-        <p:nvSpPr>
-          <p:cNvPr id="3" name="Segnaposto contenuto 2">
+        <p:spPr>
+          <a:xfrm>
+            <a:off x="1522413" y="685800"/>
+            <a:ext cx="4114800" cy="1925637"/>
+          </a:xfrm>
+        </p:spPr>
+        <p:txBody>
+          <a:bodyPr anchor="b">
+            <a:normAutofit/>
+          </a:bodyPr>
+          <a:lstStyle/>
+          <a:p>
+            <a:r>
+              <a:rPr lang="it-IT" sz="2800" dirty="0"/>
+              <a:t>Analisi dei finanziamenti erogati dalle regioni a progetti relativi all’</a:t>
+            </a:r>
+            <a:r>
+              <a:rPr lang="it-IT" sz="2800" dirty="0" err="1"/>
+              <a:t>Iot</a:t>
+            </a:r>
+            <a:r>
+              <a:rPr lang="it-IT" sz="2800" dirty="0"/>
+              <a:t> (Internet of </a:t>
+            </a:r>
+            <a:r>
+              <a:rPr lang="it-IT" sz="2800" dirty="0" err="1"/>
+              <a:t>Things</a:t>
+            </a:r>
+            <a:r>
+              <a:rPr lang="it-IT" sz="2800" dirty="0"/>
+              <a:t>)</a:t>
+            </a:r>
+            <a:endParaRPr lang="en-US" sz="2800" dirty="0"/>
+          </a:p>
+        </p:txBody>
+      </p:sp>
+      <p:sp>
+        <p:nvSpPr>
+          <p:cNvPr id="26" name="Text Placeholder 3">
             <a:extLst>
               <a:ext uri="{FF2B5EF4-FFF2-40B4-BE49-F238E27FC236}">
-                <a16:creationId xmlns:a16="http://schemas.microsoft.com/office/drawing/2014/main" id="{1C901181-BD7C-4D14-8540-4C06632FEA11}"/>
+                <a16:creationId xmlns:a16="http://schemas.microsoft.com/office/drawing/2014/main" id="{F221D00B-B172-40A2-A8E2-8866E6D62795}"/>
               </a:ext>
             </a:extLst>
           </p:cNvPr>
@@ -8123,47 +8439,66 @@
             <a:spLocks noGrp="1"/>
           </p:cNvSpPr>
           <p:nvPr>
-            <p:ph idx="1"/>
-          </p:nvPr>
-        </p:nvSpPr>
-        <p:spPr/>
+            <p:ph type="body" sz="half" idx="2"/>
+          </p:nvPr>
+        </p:nvSpPr>
+        <p:spPr>
+          <a:xfrm>
+            <a:off x="1522413" y="2895599"/>
+            <a:ext cx="4114800" cy="2590800"/>
+          </a:xfrm>
+        </p:spPr>
         <p:txBody>
           <a:bodyPr/>
           <a:lstStyle/>
           <a:p>
-            <a:endParaRPr lang="it-IT"/>
-          </a:p>
-        </p:txBody>
-      </p:sp>
-      <p:sp>
-        <p:nvSpPr>
-          <p:cNvPr id="4" name="Segnaposto testo 3">
+            <a:pPr algn="just"/>
+            <a:r>
+              <a:rPr lang="it-IT" dirty="0"/>
+              <a:t>Come era prevedibile, l’andamento dei finanziamenti per regione rispetto ai soli progetti che si occupano di IoT è sovrapponibile a quello ottenuto considerando tutti i progetti dell’area dell’integrazione orizzontale/verticale.</a:t>
+            </a:r>
+          </a:p>
+        </p:txBody>
+      </p:sp>
+      <p:pic>
+        <p:nvPicPr>
+          <p:cNvPr id="17" name="Segnaposto contenuto 16">
             <a:extLst>
               <a:ext uri="{FF2B5EF4-FFF2-40B4-BE49-F238E27FC236}">
-                <a16:creationId xmlns:a16="http://schemas.microsoft.com/office/drawing/2014/main" id="{09DDB2DD-13B8-4C8D-B973-3498C69589CD}"/>
+                <a16:creationId xmlns:a16="http://schemas.microsoft.com/office/drawing/2014/main" id="{BC8DFA3E-4CF2-461B-9C93-4C9A0AE2148E}"/>
               </a:ext>
             </a:extLst>
           </p:cNvPr>
-          <p:cNvSpPr>
-            <a:spLocks noGrp="1"/>
-          </p:cNvSpPr>
-          <p:nvPr>
-            <p:ph type="body" sz="half" idx="2"/>
-          </p:nvPr>
-        </p:nvSpPr>
-        <p:spPr/>
-        <p:txBody>
-          <a:bodyPr/>
-          <a:lstStyle/>
-          <a:p>
-            <a:endParaRPr lang="it-IT"/>
-          </a:p>
-        </p:txBody>
-      </p:sp>
+          <p:cNvPicPr>
+            <a:picLocks noGrp="1" noChangeAspect="1"/>
+          </p:cNvPicPr>
+          <p:nvPr>
+            <p:ph idx="1"/>
+          </p:nvPr>
+        </p:nvPicPr>
+        <p:blipFill>
+          <a:blip r:embed="rId2">
+            <a:extLst>
+              <a:ext uri="{28A0092B-C50C-407E-A947-70E740481C1C}">
+                <a14:useLocalDpi xmlns:a14="http://schemas.microsoft.com/office/drawing/2010/main" val="0"/>
+              </a:ext>
+            </a:extLst>
+          </a:blip>
+          <a:stretch>
+            <a:fillRect/>
+          </a:stretch>
+        </p:blipFill>
+        <p:spPr>
+          <a:xfrm>
+            <a:off x="6282118" y="1767824"/>
+            <a:ext cx="4882389" cy="3322352"/>
+          </a:xfrm>
+        </p:spPr>
+      </p:pic>
     </p:spTree>
     <p:extLst>
       <p:ext uri="{BB962C8B-B14F-4D97-AF65-F5344CB8AC3E}">
-        <p14:creationId xmlns:p14="http://schemas.microsoft.com/office/powerpoint/2010/main" val="3216253470"/>
+        <p14:creationId xmlns:p14="http://schemas.microsoft.com/office/powerpoint/2010/main" val="2280467472"/>
       </p:ext>
     </p:extLst>
   </p:cSld>
@@ -8315,39 +8650,19 @@
             <a:pPr rtl="0"/>
             <a:r>
               <a:rPr lang="it-IT" dirty="0"/>
-              <a:t>Aggiungere un titolo di diapositiva - 4</a:t>
-            </a:r>
-          </a:p>
-        </p:txBody>
-      </p:sp>
-      <p:sp>
-        <p:nvSpPr>
-          <p:cNvPr id="5" name="Segnaposto contenuto 4"/>
-          <p:cNvSpPr>
-            <a:spLocks noGrp="1"/>
-          </p:cNvSpPr>
-          <p:nvPr>
-            <p:ph idx="1"/>
-          </p:nvPr>
-        </p:nvSpPr>
-        <p:spPr/>
-        <p:txBody>
-          <a:bodyPr rtlCol="0"/>
-          <a:lstStyle/>
-          <a:p>
-            <a:pPr rtl="0"/>
-            <a:endParaRPr lang="it-IT" dirty="0"/>
-          </a:p>
-        </p:txBody>
-      </p:sp>
-      <p:sp>
-        <p:nvSpPr>
-          <p:cNvPr id="6" name="Segnaposto testo 5"/>
-          <p:cNvSpPr>
-            <a:spLocks noGrp="1"/>
-          </p:cNvSpPr>
-          <p:nvPr>
-            <p:ph type="body" sz="half" idx="2"/>
+              <a:t>Analisi per soggetti</a:t>
+            </a:r>
+          </a:p>
+        </p:txBody>
+      </p:sp>
+      <p:sp>
+        <p:nvSpPr>
+          <p:cNvPr id="4" name="Segnaposto testo 3"/>
+          <p:cNvSpPr>
+            <a:spLocks noGrp="1"/>
+          </p:cNvSpPr>
+          <p:nvPr>
+            <p:ph type="body" idx="1"/>
           </p:nvPr>
         </p:nvSpPr>
         <p:spPr/>
@@ -8363,7 +8678,7 @@
     </p:spTree>
     <p:extLst>
       <p:ext uri="{BB962C8B-B14F-4D97-AF65-F5344CB8AC3E}">
-        <p14:creationId xmlns:p14="http://schemas.microsoft.com/office/powerpoint/2010/main" val="2551545397"/>
+        <p14:creationId xmlns:p14="http://schemas.microsoft.com/office/powerpoint/2010/main" val="2395117775"/>
       </p:ext>
     </p:extLst>
   </p:cSld>
@@ -8404,7 +8719,7 @@
       </p:grpSpPr>
       <p:sp>
         <p:nvSpPr>
-          <p:cNvPr id="3" name="Titolo 2"/>
+          <p:cNvPr id="2" name="Titolo 1"/>
           <p:cNvSpPr>
             <a:spLocks noGrp="1"/>
           </p:cNvSpPr>
@@ -8420,31 +8735,79 @@
             <a:pPr rtl="0"/>
             <a:r>
               <a:rPr lang="it-IT" dirty="0"/>
-              <a:t>Aggiungere un titolo di diapositiva - 5</a:t>
-            </a:r>
-          </a:p>
-        </p:txBody>
-      </p:sp>
-      <p:sp>
-        <p:nvSpPr>
-          <p:cNvPr id="5" name="Segnaposto immagine 4" descr="Segnaposto vuoto per aggiungere un'immagine. Fare clic sul segnaposto e selezionare l'immagine che si vuole aggiungere"/>
-          <p:cNvSpPr>
-            <a:spLocks noGrp="1"/>
-          </p:cNvSpPr>
-          <p:nvPr>
-            <p:ph type="pic" idx="1"/>
-          </p:nvPr>
-        </p:nvSpPr>
-        <p:spPr/>
-      </p:sp>
-      <p:sp>
-        <p:nvSpPr>
-          <p:cNvPr id="6" name="Segnaposto testo 5"/>
-          <p:cNvSpPr>
-            <a:spLocks noGrp="1"/>
-          </p:cNvSpPr>
-          <p:nvPr>
-            <p:ph type="body" sz="half" idx="2"/>
+              <a:t>Aggiungere un titolo di diapositiva - 2</a:t>
+            </a:r>
+          </a:p>
+        </p:txBody>
+      </p:sp>
+      <p:sp>
+        <p:nvSpPr>
+          <p:cNvPr id="7" name="Segnaposto testo 6"/>
+          <p:cNvSpPr>
+            <a:spLocks noGrp="1"/>
+          </p:cNvSpPr>
+          <p:nvPr>
+            <p:ph type="body" idx="1"/>
+          </p:nvPr>
+        </p:nvSpPr>
+        <p:spPr/>
+        <p:txBody>
+          <a:bodyPr rtlCol="0"/>
+          <a:lstStyle/>
+          <a:p>
+            <a:pPr rtl="0"/>
+            <a:endParaRPr lang="it-IT" dirty="0"/>
+          </a:p>
+        </p:txBody>
+      </p:sp>
+      <p:sp>
+        <p:nvSpPr>
+          <p:cNvPr id="8" name="Segnaposto contenuto 7"/>
+          <p:cNvSpPr>
+            <a:spLocks noGrp="1"/>
+          </p:cNvSpPr>
+          <p:nvPr>
+            <p:ph sz="half" idx="2"/>
+          </p:nvPr>
+        </p:nvSpPr>
+        <p:spPr/>
+        <p:txBody>
+          <a:bodyPr rtlCol="0"/>
+          <a:lstStyle/>
+          <a:p>
+            <a:pPr rtl="0"/>
+            <a:endParaRPr lang="it-IT" dirty="0"/>
+          </a:p>
+        </p:txBody>
+      </p:sp>
+      <p:sp>
+        <p:nvSpPr>
+          <p:cNvPr id="9" name="Segnaposto testo 8"/>
+          <p:cNvSpPr>
+            <a:spLocks noGrp="1"/>
+          </p:cNvSpPr>
+          <p:nvPr>
+            <p:ph type="body" sz="quarter" idx="3"/>
+          </p:nvPr>
+        </p:nvSpPr>
+        <p:spPr/>
+        <p:txBody>
+          <a:bodyPr rtlCol="0"/>
+          <a:lstStyle/>
+          <a:p>
+            <a:pPr rtl="0"/>
+            <a:endParaRPr lang="it-IT" dirty="0"/>
+          </a:p>
+        </p:txBody>
+      </p:sp>
+      <p:sp>
+        <p:nvSpPr>
+          <p:cNvPr id="10" name="Segnaposto contenuto 9"/>
+          <p:cNvSpPr>
+            <a:spLocks noGrp="1"/>
+          </p:cNvSpPr>
+          <p:nvPr>
+            <p:ph sz="quarter" idx="4"/>
           </p:nvPr>
         </p:nvSpPr>
         <p:spPr/>
@@ -8460,7 +8823,7 @@
     </p:spTree>
     <p:extLst>
       <p:ext uri="{BB962C8B-B14F-4D97-AF65-F5344CB8AC3E}">
-        <p14:creationId xmlns:p14="http://schemas.microsoft.com/office/powerpoint/2010/main" val="577046454"/>
+        <p14:creationId xmlns:p14="http://schemas.microsoft.com/office/powerpoint/2010/main" val="3817187371"/>
       </p:ext>
     </p:extLst>
   </p:cSld>
@@ -8501,6 +8864,390 @@
       </p:grpSpPr>
       <p:sp>
         <p:nvSpPr>
+          <p:cNvPr id="2" name="Titolo 1"/>
+          <p:cNvSpPr>
+            <a:spLocks noGrp="1"/>
+          </p:cNvSpPr>
+          <p:nvPr>
+            <p:ph type="title"/>
+          </p:nvPr>
+        </p:nvSpPr>
+        <p:spPr/>
+        <p:txBody>
+          <a:bodyPr rtlCol="0"/>
+          <a:lstStyle/>
+          <a:p>
+            <a:pPr rtl="0"/>
+            <a:r>
+              <a:rPr lang="it-IT" dirty="0"/>
+              <a:t>Aggiungere un titolo di diapositiva - 3</a:t>
+            </a:r>
+          </a:p>
+        </p:txBody>
+      </p:sp>
+    </p:spTree>
+    <p:extLst>
+      <p:ext uri="{BB962C8B-B14F-4D97-AF65-F5344CB8AC3E}">
+        <p14:creationId xmlns:p14="http://schemas.microsoft.com/office/powerpoint/2010/main" val="102866038"/>
+      </p:ext>
+    </p:extLst>
+  </p:cSld>
+  <p:clrMapOvr>
+    <a:masterClrMapping/>
+  </p:clrMapOvr>
+  <mc:AlternateContent xmlns:mc="http://schemas.openxmlformats.org/markup-compatibility/2006" xmlns:p14="http://schemas.microsoft.com/office/powerpoint/2010/main">
+    <mc:Choice Requires="p14">
+      <p:transition spd="med" p14:dur="700">
+        <p:fade/>
+      </p:transition>
+    </mc:Choice>
+    <mc:Fallback xmlns="">
+      <p:transition spd="med">
+        <p:fade/>
+      </p:transition>
+    </mc:Fallback>
+  </mc:AlternateContent>
+</p:sld>
+</file>
+
+<file path=ppt/slides/slide23.xml><?xml version="1.0" encoding="utf-8"?>
+<p:sld xmlns:a="http://schemas.openxmlformats.org/drawingml/2006/main" xmlns:r="http://schemas.openxmlformats.org/officeDocument/2006/relationships" xmlns:p="http://schemas.openxmlformats.org/presentationml/2006/main">
+  <p:cSld>
+    <p:spTree>
+      <p:nvGrpSpPr>
+        <p:cNvPr id="1" name=""/>
+        <p:cNvGrpSpPr/>
+        <p:nvPr/>
+      </p:nvGrpSpPr>
+      <p:grpSpPr>
+        <a:xfrm>
+          <a:off x="0" y="0"/>
+          <a:ext cx="0" cy="0"/>
+          <a:chOff x="0" y="0"/>
+          <a:chExt cx="0" cy="0"/>
+        </a:xfrm>
+      </p:grpSpPr>
+      <p:sp>
+        <p:nvSpPr>
+          <p:cNvPr id="2" name="Titolo 1">
+            <a:extLst>
+              <a:ext uri="{FF2B5EF4-FFF2-40B4-BE49-F238E27FC236}">
+                <a16:creationId xmlns:a16="http://schemas.microsoft.com/office/drawing/2014/main" id="{02712C57-E01E-4019-9D5A-E3194D99F785}"/>
+              </a:ext>
+            </a:extLst>
+          </p:cNvPr>
+          <p:cNvSpPr>
+            <a:spLocks noGrp="1"/>
+          </p:cNvSpPr>
+          <p:nvPr>
+            <p:ph type="title"/>
+          </p:nvPr>
+        </p:nvSpPr>
+        <p:spPr/>
+        <p:txBody>
+          <a:bodyPr/>
+          <a:lstStyle/>
+          <a:p>
+            <a:endParaRPr lang="it-IT"/>
+          </a:p>
+        </p:txBody>
+      </p:sp>
+      <p:sp>
+        <p:nvSpPr>
+          <p:cNvPr id="3" name="Segnaposto contenuto 2">
+            <a:extLst>
+              <a:ext uri="{FF2B5EF4-FFF2-40B4-BE49-F238E27FC236}">
+                <a16:creationId xmlns:a16="http://schemas.microsoft.com/office/drawing/2014/main" id="{1C901181-BD7C-4D14-8540-4C06632FEA11}"/>
+              </a:ext>
+            </a:extLst>
+          </p:cNvPr>
+          <p:cNvSpPr>
+            <a:spLocks noGrp="1"/>
+          </p:cNvSpPr>
+          <p:nvPr>
+            <p:ph idx="1"/>
+          </p:nvPr>
+        </p:nvSpPr>
+        <p:spPr/>
+        <p:txBody>
+          <a:bodyPr/>
+          <a:lstStyle/>
+          <a:p>
+            <a:endParaRPr lang="it-IT"/>
+          </a:p>
+        </p:txBody>
+      </p:sp>
+      <p:sp>
+        <p:nvSpPr>
+          <p:cNvPr id="4" name="Segnaposto testo 3">
+            <a:extLst>
+              <a:ext uri="{FF2B5EF4-FFF2-40B4-BE49-F238E27FC236}">
+                <a16:creationId xmlns:a16="http://schemas.microsoft.com/office/drawing/2014/main" id="{09DDB2DD-13B8-4C8D-B973-3498C69589CD}"/>
+              </a:ext>
+            </a:extLst>
+          </p:cNvPr>
+          <p:cNvSpPr>
+            <a:spLocks noGrp="1"/>
+          </p:cNvSpPr>
+          <p:nvPr>
+            <p:ph type="body" sz="half" idx="2"/>
+          </p:nvPr>
+        </p:nvSpPr>
+        <p:spPr/>
+        <p:txBody>
+          <a:bodyPr/>
+          <a:lstStyle/>
+          <a:p>
+            <a:endParaRPr lang="it-IT"/>
+          </a:p>
+        </p:txBody>
+      </p:sp>
+    </p:spTree>
+    <p:extLst>
+      <p:ext uri="{BB962C8B-B14F-4D97-AF65-F5344CB8AC3E}">
+        <p14:creationId xmlns:p14="http://schemas.microsoft.com/office/powerpoint/2010/main" val="3216253470"/>
+      </p:ext>
+    </p:extLst>
+  </p:cSld>
+  <p:clrMapOvr>
+    <a:masterClrMapping/>
+  </p:clrMapOvr>
+  <mc:AlternateContent xmlns:mc="http://schemas.openxmlformats.org/markup-compatibility/2006" xmlns:p14="http://schemas.microsoft.com/office/powerpoint/2010/main">
+    <mc:Choice Requires="p14">
+      <p:transition spd="med" p14:dur="700">
+        <p:fade/>
+      </p:transition>
+    </mc:Choice>
+    <mc:Fallback xmlns="">
+      <p:transition spd="med">
+        <p:fade/>
+      </p:transition>
+    </mc:Fallback>
+  </mc:AlternateContent>
+</p:sld>
+</file>
+
+<file path=ppt/slides/slide24.xml><?xml version="1.0" encoding="utf-8"?>
+<p:sld xmlns:a="http://schemas.openxmlformats.org/drawingml/2006/main" xmlns:r="http://schemas.openxmlformats.org/officeDocument/2006/relationships" xmlns:p="http://schemas.openxmlformats.org/presentationml/2006/main">
+  <p:cSld>
+    <p:spTree>
+      <p:nvGrpSpPr>
+        <p:cNvPr id="1" name=""/>
+        <p:cNvGrpSpPr/>
+        <p:nvPr/>
+      </p:nvGrpSpPr>
+      <p:grpSpPr>
+        <a:xfrm>
+          <a:off x="0" y="0"/>
+          <a:ext cx="0" cy="0"/>
+          <a:chOff x="0" y="0"/>
+          <a:chExt cx="0" cy="0"/>
+        </a:xfrm>
+      </p:grpSpPr>
+      <p:sp>
+        <p:nvSpPr>
+          <p:cNvPr id="2" name="Titolo 1"/>
+          <p:cNvSpPr>
+            <a:spLocks noGrp="1"/>
+          </p:cNvSpPr>
+          <p:nvPr>
+            <p:ph type="title"/>
+          </p:nvPr>
+        </p:nvSpPr>
+        <p:spPr/>
+        <p:txBody>
+          <a:bodyPr rtlCol="0"/>
+          <a:lstStyle/>
+          <a:p>
+            <a:pPr rtl="0"/>
+            <a:r>
+              <a:rPr lang="it-IT" dirty="0"/>
+              <a:t>Aggiungere un titolo di diapositiva - 4</a:t>
+            </a:r>
+          </a:p>
+        </p:txBody>
+      </p:sp>
+      <p:sp>
+        <p:nvSpPr>
+          <p:cNvPr id="5" name="Segnaposto contenuto 4"/>
+          <p:cNvSpPr>
+            <a:spLocks noGrp="1"/>
+          </p:cNvSpPr>
+          <p:nvPr>
+            <p:ph idx="1"/>
+          </p:nvPr>
+        </p:nvSpPr>
+        <p:spPr/>
+        <p:txBody>
+          <a:bodyPr rtlCol="0"/>
+          <a:lstStyle/>
+          <a:p>
+            <a:pPr rtl="0"/>
+            <a:endParaRPr lang="it-IT" dirty="0"/>
+          </a:p>
+        </p:txBody>
+      </p:sp>
+      <p:sp>
+        <p:nvSpPr>
+          <p:cNvPr id="6" name="Segnaposto testo 5"/>
+          <p:cNvSpPr>
+            <a:spLocks noGrp="1"/>
+          </p:cNvSpPr>
+          <p:nvPr>
+            <p:ph type="body" sz="half" idx="2"/>
+          </p:nvPr>
+        </p:nvSpPr>
+        <p:spPr/>
+        <p:txBody>
+          <a:bodyPr rtlCol="0"/>
+          <a:lstStyle/>
+          <a:p>
+            <a:pPr rtl="0"/>
+            <a:endParaRPr lang="it-IT" dirty="0"/>
+          </a:p>
+        </p:txBody>
+      </p:sp>
+    </p:spTree>
+    <p:extLst>
+      <p:ext uri="{BB962C8B-B14F-4D97-AF65-F5344CB8AC3E}">
+        <p14:creationId xmlns:p14="http://schemas.microsoft.com/office/powerpoint/2010/main" val="2551545397"/>
+      </p:ext>
+    </p:extLst>
+  </p:cSld>
+  <p:clrMapOvr>
+    <a:masterClrMapping/>
+  </p:clrMapOvr>
+  <mc:AlternateContent xmlns:mc="http://schemas.openxmlformats.org/markup-compatibility/2006" xmlns:p14="http://schemas.microsoft.com/office/powerpoint/2010/main">
+    <mc:Choice Requires="p14">
+      <p:transition spd="med" p14:dur="700">
+        <p:fade/>
+      </p:transition>
+    </mc:Choice>
+    <mc:Fallback xmlns="">
+      <p:transition spd="med">
+        <p:fade/>
+      </p:transition>
+    </mc:Fallback>
+  </mc:AlternateContent>
+</p:sld>
+</file>
+
+<file path=ppt/slides/slide25.xml><?xml version="1.0" encoding="utf-8"?>
+<p:sld xmlns:a="http://schemas.openxmlformats.org/drawingml/2006/main" xmlns:r="http://schemas.openxmlformats.org/officeDocument/2006/relationships" xmlns:p="http://schemas.openxmlformats.org/presentationml/2006/main">
+  <p:cSld>
+    <p:spTree>
+      <p:nvGrpSpPr>
+        <p:cNvPr id="1" name=""/>
+        <p:cNvGrpSpPr/>
+        <p:nvPr/>
+      </p:nvGrpSpPr>
+      <p:grpSpPr>
+        <a:xfrm>
+          <a:off x="0" y="0"/>
+          <a:ext cx="0" cy="0"/>
+          <a:chOff x="0" y="0"/>
+          <a:chExt cx="0" cy="0"/>
+        </a:xfrm>
+      </p:grpSpPr>
+      <p:sp>
+        <p:nvSpPr>
+          <p:cNvPr id="3" name="Titolo 2"/>
+          <p:cNvSpPr>
+            <a:spLocks noGrp="1"/>
+          </p:cNvSpPr>
+          <p:nvPr>
+            <p:ph type="title"/>
+          </p:nvPr>
+        </p:nvSpPr>
+        <p:spPr/>
+        <p:txBody>
+          <a:bodyPr rtlCol="0"/>
+          <a:lstStyle/>
+          <a:p>
+            <a:pPr rtl="0"/>
+            <a:r>
+              <a:rPr lang="it-IT" dirty="0"/>
+              <a:t>Aggiungere un titolo di diapositiva - 5</a:t>
+            </a:r>
+          </a:p>
+        </p:txBody>
+      </p:sp>
+      <p:sp>
+        <p:nvSpPr>
+          <p:cNvPr id="5" name="Segnaposto immagine 4" descr="Segnaposto vuoto per aggiungere un'immagine. Fare clic sul segnaposto e selezionare l'immagine che si vuole aggiungere"/>
+          <p:cNvSpPr>
+            <a:spLocks noGrp="1"/>
+          </p:cNvSpPr>
+          <p:nvPr>
+            <p:ph type="pic" idx="1"/>
+          </p:nvPr>
+        </p:nvSpPr>
+        <p:spPr/>
+      </p:sp>
+      <p:sp>
+        <p:nvSpPr>
+          <p:cNvPr id="6" name="Segnaposto testo 5"/>
+          <p:cNvSpPr>
+            <a:spLocks noGrp="1"/>
+          </p:cNvSpPr>
+          <p:nvPr>
+            <p:ph type="body" sz="half" idx="2"/>
+          </p:nvPr>
+        </p:nvSpPr>
+        <p:spPr/>
+        <p:txBody>
+          <a:bodyPr rtlCol="0"/>
+          <a:lstStyle/>
+          <a:p>
+            <a:pPr rtl="0"/>
+            <a:endParaRPr lang="it-IT" dirty="0"/>
+          </a:p>
+        </p:txBody>
+      </p:sp>
+    </p:spTree>
+    <p:extLst>
+      <p:ext uri="{BB962C8B-B14F-4D97-AF65-F5344CB8AC3E}">
+        <p14:creationId xmlns:p14="http://schemas.microsoft.com/office/powerpoint/2010/main" val="577046454"/>
+      </p:ext>
+    </p:extLst>
+  </p:cSld>
+  <p:clrMapOvr>
+    <a:masterClrMapping/>
+  </p:clrMapOvr>
+  <mc:AlternateContent xmlns:mc="http://schemas.openxmlformats.org/markup-compatibility/2006" xmlns:p14="http://schemas.microsoft.com/office/powerpoint/2010/main">
+    <mc:Choice Requires="p14">
+      <p:transition spd="med" p14:dur="700">
+        <p:fade/>
+      </p:transition>
+    </mc:Choice>
+    <mc:Fallback xmlns="">
+      <p:transition spd="med">
+        <p:fade/>
+      </p:transition>
+    </mc:Fallback>
+  </mc:AlternateContent>
+</p:sld>
+</file>
+
+<file path=ppt/slides/slide26.xml><?xml version="1.0" encoding="utf-8"?>
+<p:sld xmlns:a="http://schemas.openxmlformats.org/drawingml/2006/main" xmlns:r="http://schemas.openxmlformats.org/officeDocument/2006/relationships" xmlns:p="http://schemas.openxmlformats.org/presentationml/2006/main">
+  <p:cSld>
+    <p:spTree>
+      <p:nvGrpSpPr>
+        <p:cNvPr id="1" name=""/>
+        <p:cNvGrpSpPr/>
+        <p:nvPr/>
+      </p:nvGrpSpPr>
+      <p:grpSpPr>
+        <a:xfrm>
+          <a:off x="0" y="0"/>
+          <a:ext cx="0" cy="0"/>
+          <a:chOff x="0" y="0"/>
+          <a:chExt cx="0" cy="0"/>
+        </a:xfrm>
+      </p:grpSpPr>
+      <p:sp>
+        <p:nvSpPr>
           <p:cNvPr id="2" name="Titolo 1">
             <a:extLst>
               <a:ext uri="{FF2B5EF4-FFF2-40B4-BE49-F238E27FC236}">
@@ -8578,7 +9325,7 @@
 </p:sld>
 </file>
 
-<file path=ppt/slides/slide23.xml><?xml version="1.0" encoding="utf-8"?>
+<file path=ppt/slides/slide27.xml><?xml version="1.0" encoding="utf-8"?>
 <p:sld xmlns:a="http://schemas.openxmlformats.org/drawingml/2006/main" xmlns:r="http://schemas.openxmlformats.org/officeDocument/2006/relationships" xmlns:p="http://schemas.openxmlformats.org/presentationml/2006/main">
   <p:cSld>
     <p:spTree>

--- a/REPORT.pptx
+++ b/REPORT.pptx
@@ -837,7 +837,17 @@
     </c:title>
     <c:autoTitleDeleted val="0"/>
     <c:plotArea>
-      <c:layout/>
+      <c:layout>
+        <c:manualLayout>
+          <c:layoutTarget val="inner"/>
+          <c:xMode val="edge"/>
+          <c:yMode val="edge"/>
+          <c:x val="8.7067912761710803E-2"/>
+          <c:y val="0.11274060770314388"/>
+          <c:w val="0.88522360270991751"/>
+          <c:h val="0.82636221118756492"/>
+        </c:manualLayout>
+      </c:layout>
       <c:barChart>
         <c:barDir val="col"/>
         <c:grouping val="clustered"/>
@@ -14335,7 +14345,7 @@
         </p:nvSpPr>
         <p:spPr>
           <a:xfrm>
-            <a:off x="1522415" y="476672"/>
+            <a:off x="1522415" y="908720"/>
             <a:ext cx="9829798" cy="683612"/>
           </a:xfrm>
         </p:spPr>
@@ -14375,25 +14385,27 @@
           </a:xfrm>
         </p:spPr>
         <p:txBody>
-          <a:bodyPr/>
+          <a:bodyPr>
+            <a:normAutofit/>
+          </a:bodyPr>
           <a:lstStyle/>
           <a:p>
             <a:r>
-              <a:rPr lang="it-IT" dirty="0"/>
+              <a:rPr lang="it-IT" sz="2000" dirty="0"/>
               <a:t>Dai dati ricavati si può riscontrare un generale trend di crescita del numero di progetti avviati, con un picco evidente nel biennio 2017-2018</a:t>
             </a:r>
           </a:p>
           <a:p>
-            <a:endParaRPr lang="it-IT" dirty="0"/>
+            <a:endParaRPr lang="it-IT" sz="2000" dirty="0"/>
           </a:p>
           <a:p>
             <a:r>
-              <a:rPr lang="it-IT" dirty="0"/>
-              <a:t>(fornire spiegazione)</a:t>
+              <a:rPr lang="it-IT" sz="2000" dirty="0"/>
+              <a:t>(fornire spiegazione per il picco)</a:t>
             </a:r>
           </a:p>
           <a:p>
-            <a:endParaRPr lang="it-IT" dirty="0"/>
+            <a:endParaRPr lang="it-IT" sz="2000" dirty="0"/>
           </a:p>
         </p:txBody>
       </p:sp>
@@ -14413,14 +14425,14 @@
             <p:ph sz="half" idx="2"/>
             <p:extLst>
               <p:ext uri="{D42A27DB-BD31-4B8C-83A1-F6EECF244321}">
-                <p14:modId xmlns:p14="http://schemas.microsoft.com/office/powerpoint/2010/main" val="2413058515"/>
+                <p14:modId xmlns:p14="http://schemas.microsoft.com/office/powerpoint/2010/main" val="668355586"/>
               </p:ext>
             </p:extLst>
           </p:nvPr>
         </p:nvGraphicFramePr>
         <p:xfrm>
-          <a:off x="6551613" y="1984375"/>
-          <a:ext cx="4800600" cy="4187825"/>
+          <a:off x="6310436" y="1844825"/>
+          <a:ext cx="5041777" cy="4327376"/>
         </p:xfrm>
         <a:graphic>
           <a:graphicData uri="http://schemas.openxmlformats.org/drawingml/2006/chart">
@@ -14488,7 +14500,7 @@
         </p:nvSpPr>
         <p:spPr>
           <a:xfrm>
-            <a:off x="1522413" y="349468"/>
+            <a:off x="1488168" y="692696"/>
             <a:ext cx="9829798" cy="775276"/>
           </a:xfrm>
         </p:spPr>
@@ -14529,19 +14541,19 @@
         </p:spPr>
         <p:txBody>
           <a:bodyPr>
-            <a:normAutofit fontScale="92500" lnSpcReduction="20000"/>
+            <a:normAutofit/>
           </a:bodyPr>
           <a:lstStyle/>
           <a:p>
             <a:r>
-              <a:rPr lang="it-IT" dirty="0"/>
+              <a:rPr lang="it-IT" sz="2000" dirty="0"/>
               <a:t>E’ interessante notare come la durata media prevista all’avvio dei progetti cala nel corso degli anni, più che dimezzatasi tra il 2014 e il 2020</a:t>
             </a:r>
           </a:p>
           <a:p>
             <a:r>
-              <a:rPr lang="it-IT" dirty="0"/>
-              <a:t>Emerge dunque una tendenza allo sviluppo di progetti con durata sempre minore; è questo legato alla capacità dei progetti più brevi di avere un tasso di conclusione superiore? Ovvero, al diminuire della durata media dei progetti, entro la data di rilevamento (2020) ci si aspetta che i progetti lunghi, avviati prima, e i progetti brevi, avviati successivamente, in generale abbiano una percentuale di conclusione simile</a:t>
+              <a:rPr lang="it-IT" sz="2000" dirty="0"/>
+              <a:t>Emerge dunque una tendenza allo sviluppo di progetti con durata sempre minore; è questo legato alla capacità dei progetti più brevi di avere un tasso di conclusione superiore? 	   Ovvero, al diminuire della durata media dei progetti, entro la data di rilevamento (2020) ci si aspetta che i progetti lunghi, avviati prima, e i progetti brevi, avviati successivamente, in generale abbiano una percentuale di conclusione simile</a:t>
             </a:r>
           </a:p>
         </p:txBody>
@@ -14637,15 +14649,20 @@
         </p:nvSpPr>
         <p:spPr>
           <a:xfrm>
-            <a:off x="1488168" y="404664"/>
-            <a:ext cx="9829798" cy="1219200"/>
+            <a:off x="1486977" y="980728"/>
+            <a:ext cx="9829798" cy="571128"/>
           </a:xfrm>
         </p:spPr>
         <p:txBody>
-          <a:bodyPr/>
+          <a:bodyPr anchor="t" anchorCtr="0">
+            <a:normAutofit/>
+          </a:bodyPr>
           <a:lstStyle/>
           <a:p>
-            <a:endParaRPr lang="it-IT" dirty="0"/>
+            <a:r>
+              <a:rPr lang="it-IT" sz="2800" dirty="0"/>
+              <a:t>Andamento dello stato medio di completamento</a:t>
+            </a:r>
           </a:p>
         </p:txBody>
       </p:sp>
@@ -14667,8 +14684,8 @@
         </p:nvSpPr>
         <p:spPr>
           <a:xfrm>
-            <a:off x="1488168" y="1984248"/>
-            <a:ext cx="4102188" cy="4756992"/>
+            <a:off x="1488168" y="1806460"/>
+            <a:ext cx="4102188" cy="5112568"/>
           </a:xfrm>
         </p:spPr>
         <p:txBody>
@@ -14779,12 +14796,22 @@
             <p:ph type="title"/>
           </p:nvPr>
         </p:nvSpPr>
-        <p:spPr/>
+        <p:spPr>
+          <a:xfrm>
+            <a:off x="1488168" y="908720"/>
+            <a:ext cx="9829798" cy="619472"/>
+          </a:xfrm>
+        </p:spPr>
         <p:txBody>
-          <a:bodyPr/>
+          <a:bodyPr>
+            <a:normAutofit/>
+          </a:bodyPr>
           <a:lstStyle/>
           <a:p>
-            <a:endParaRPr lang="it-IT"/>
+            <a:r>
+              <a:rPr lang="it-IT" sz="2800" dirty="0"/>
+              <a:t>Comparazione tra durata media e completamento</a:t>
+            </a:r>
           </a:p>
         </p:txBody>
       </p:sp>
@@ -14807,18 +14834,18 @@
         <p:spPr/>
         <p:txBody>
           <a:bodyPr>
-            <a:normAutofit lnSpcReduction="10000"/>
+            <a:normAutofit/>
           </a:bodyPr>
           <a:lstStyle/>
           <a:p>
             <a:r>
-              <a:rPr lang="it-IT" dirty="0"/>
+              <a:rPr lang="it-IT" sz="2000" dirty="0"/>
               <a:t>Escludendo il dato particolare del 2014, risulta che il tasso di successo non rimane constante, ma cala con il tempo, rendendo evidente che i progetti più «efficienti» sono quelli avviati nel biennio 2015-2016</a:t>
             </a:r>
           </a:p>
           <a:p>
             <a:r>
-              <a:rPr lang="it-IT" dirty="0"/>
+              <a:rPr lang="it-IT" sz="2000" dirty="0"/>
               <a:t>Dunque in genere non vi è una proporzionalità tra la diminuzione della durata dei progetti, il tempo a disposizione e il tasso di conclusione</a:t>
             </a:r>
           </a:p>
@@ -14920,11 +14947,13 @@
           </a:xfrm>
         </p:spPr>
         <p:txBody>
-          <a:bodyPr/>
+          <a:bodyPr>
+            <a:normAutofit/>
+          </a:bodyPr>
           <a:lstStyle/>
           <a:p>
             <a:r>
-              <a:rPr lang="it-IT" dirty="0"/>
+              <a:rPr lang="it-IT" sz="2800" dirty="0"/>
               <a:t>Evoluzione temporale dei finanziamenti ai progetti</a:t>
             </a:r>
           </a:p>
@@ -14948,23 +14977,25 @@
         </p:nvSpPr>
         <p:spPr/>
         <p:txBody>
-          <a:bodyPr/>
+          <a:bodyPr>
+            <a:normAutofit/>
+          </a:bodyPr>
           <a:lstStyle/>
           <a:p>
             <a:r>
-              <a:rPr lang="it-IT" dirty="0"/>
+              <a:rPr lang="it-IT" sz="2000" dirty="0"/>
               <a:t>Studiando la distribuzione dei finanziamenti nel corso del tempo, emerge un picco in corrispondenza del biennio 2017-2018 </a:t>
             </a:r>
           </a:p>
           <a:p>
             <a:r>
-              <a:rPr lang="it-IT" dirty="0"/>
-              <a:t>Ci si potrebbe chiedere se questo dato è correlato all’aumento del numero dei progetti avviati in quel periodo</a:t>
+              <a:rPr lang="it-IT" sz="2000" dirty="0"/>
+              <a:t>Ci si potrebbe chiedere se questo dato è dovuto all’aumento del numero dei progetti avviati in quel periodo</a:t>
             </a:r>
           </a:p>
           <a:p>
             <a:r>
-              <a:rPr lang="it-IT" dirty="0"/>
+              <a:rPr lang="it-IT" sz="2000" dirty="0"/>
               <a:t>In prima battuta in effetti emerge un legame tra i due set di dati</a:t>
             </a:r>
           </a:p>
@@ -15061,11 +15092,13 @@
         </p:nvSpPr>
         <p:spPr/>
         <p:txBody>
-          <a:bodyPr/>
+          <a:bodyPr>
+            <a:normAutofit/>
+          </a:bodyPr>
           <a:lstStyle/>
           <a:p>
             <a:r>
-              <a:rPr lang="it-IT" dirty="0"/>
+              <a:rPr lang="it-IT" sz="2800" dirty="0"/>
               <a:t>(inserire anomalia 2014)</a:t>
             </a:r>
           </a:p>
@@ -15089,30 +15122,30 @@
         </p:nvSpPr>
         <p:spPr>
           <a:xfrm>
-            <a:off x="1488168" y="1984248"/>
+            <a:off x="1522413" y="1772816"/>
             <a:ext cx="4800600" cy="4829128"/>
           </a:xfrm>
         </p:spPr>
         <p:txBody>
           <a:bodyPr>
-            <a:normAutofit fontScale="77500" lnSpcReduction="20000"/>
+            <a:noAutofit/>
           </a:bodyPr>
           <a:lstStyle/>
           <a:p>
             <a:r>
-              <a:rPr lang="it-IT" dirty="0"/>
+              <a:rPr lang="it-IT" sz="1750" dirty="0"/>
               <a:t>Se il finanziamento totale in un anno è legato prevalentemente al numero dei progetti avviati, ci si aspetterebbe di avere un finanziamento medio per progetto costante, cosa che effettivamente emerge dai dati</a:t>
             </a:r>
           </a:p>
           <a:p>
             <a:r>
-              <a:rPr lang="it-IT" dirty="0"/>
+              <a:rPr lang="it-IT" sz="1750" dirty="0"/>
               <a:t>Una ulteriore domanda spontanea che può sorgere è la relazione tra la durata dei progetti e il finanziamento medio: al diminuire della durata, diminuisce anche il finanziamento?</a:t>
             </a:r>
           </a:p>
           <a:p>
             <a:r>
-              <a:rPr lang="it-IT" dirty="0"/>
+              <a:rPr lang="it-IT" sz="1750" dirty="0"/>
               <a:t>Dai dati ricavati risulta che nel corso del tempo in media i progetti hanno ricevuto un finanziamento superiore a quello che sarebbe derivato della mera durata, suggerendo che vi siano altri fattori che si sono aggiunti nel corso degli anni per giustificare la discrepanza tra durata e finanziamento, come per esempio il grado tecnologico richiesto e le competenze necessarie</a:t>
             </a:r>
           </a:p>
@@ -17726,28 +17759,973 @@
           </a:p>
         </p:txBody>
       </p:sp>
-      <p:sp>
-        <p:nvSpPr>
-          <p:cNvPr id="3" name="Segnaposto contenuto 2">
+      <p:graphicFrame>
+        <p:nvGraphicFramePr>
+          <p:cNvPr id="4" name="Segnaposto contenuto 3">
             <a:extLst>
               <a:ext uri="{FF2B5EF4-FFF2-40B4-BE49-F238E27FC236}">
-                <a16:creationId xmlns:a16="http://schemas.microsoft.com/office/drawing/2014/main" id="{39633833-6E6D-4DCD-8BBB-8ABDC2402841}"/>
+                <a16:creationId xmlns:a16="http://schemas.microsoft.com/office/drawing/2014/main" id="{78507C2E-4FC7-492C-B01A-C1CC30E16B8B}"/>
               </a:ext>
             </a:extLst>
           </p:cNvPr>
-          <p:cNvSpPr>
-            <a:spLocks noGrp="1"/>
-          </p:cNvSpPr>
+          <p:cNvGraphicFramePr>
+            <a:graphicFrameLocks noGrp="1"/>
+          </p:cNvGraphicFramePr>
           <p:nvPr>
-            <p:ph idx="1"/>
+            <p:ph sz="half" idx="2"/>
+            <p:extLst>
+              <p:ext uri="{D42A27DB-BD31-4B8C-83A1-F6EECF244321}">
+                <p14:modId xmlns:p14="http://schemas.microsoft.com/office/powerpoint/2010/main" val="2847169107"/>
+              </p:ext>
+            </p:extLst>
           </p:nvPr>
+        </p:nvGraphicFramePr>
+        <p:xfrm>
+          <a:off x="4840560" y="1828800"/>
+          <a:ext cx="1524743" cy="4552524"/>
+        </p:xfrm>
+        <a:graphic>
+          <a:graphicData uri="http://schemas.openxmlformats.org/drawingml/2006/table">
+            <a:tbl>
+              <a:tblPr>
+                <a:tableStyleId>{69CF1AB2-1976-4502-BF36-3FF5EA218861}</a:tableStyleId>
+              </a:tblPr>
+              <a:tblGrid>
+                <a:gridCol w="1524743">
+                  <a:extLst>
+                    <a:ext uri="{9D8B030D-6E8A-4147-A177-3AD203B41FA5}">
+                      <a16:colId xmlns:a16="http://schemas.microsoft.com/office/drawing/2014/main" val="249537938"/>
+                    </a:ext>
+                  </a:extLst>
+                </a:gridCol>
+              </a:tblGrid>
+              <a:tr h="208246">
+                <a:tc>
+                  <a:txBody>
+                    <a:bodyPr/>
+                    <a:lstStyle/>
+                    <a:p>
+                      <a:pPr algn="l" fontAlgn="b"/>
+                      <a:r>
+                        <a:rPr lang="it-IT" sz="1100" u="none" strike="noStrike">
+                          <a:effectLst/>
+                        </a:rPr>
+                        <a:t>INTERNET</a:t>
+                      </a:r>
+                      <a:endParaRPr lang="it-IT" sz="1100" b="0" i="0" u="none" strike="noStrike">
+                        <a:solidFill>
+                          <a:srgbClr val="000000"/>
+                        </a:solidFill>
+                        <a:effectLst/>
+                        <a:latin typeface="Calibri" panose="020F0502020204030204" pitchFamily="34" charset="0"/>
+                      </a:endParaRPr>
+                    </a:p>
+                  </a:txBody>
+                  <a:tcPr marL="6350" marR="6350" marT="6350" marB="0" anchor="b"/>
+                </a:tc>
+                <a:extLst>
+                  <a:ext uri="{0D108BD9-81ED-4DB2-BD59-A6C34878D82A}">
+                    <a16:rowId xmlns:a16="http://schemas.microsoft.com/office/drawing/2014/main" val="394825453"/>
+                  </a:ext>
+                </a:extLst>
+              </a:tr>
+              <a:tr h="220406">
+                <a:tc>
+                  <a:txBody>
+                    <a:bodyPr/>
+                    <a:lstStyle/>
+                    <a:p>
+                      <a:pPr algn="l" fontAlgn="b"/>
+                      <a:r>
+                        <a:rPr lang="it-IT" sz="1100" u="none" strike="noStrike">
+                          <a:effectLst/>
+                        </a:rPr>
+                        <a:t>WEB</a:t>
+                      </a:r>
+                      <a:endParaRPr lang="it-IT" sz="1100" b="0" i="0" u="none" strike="noStrike">
+                        <a:solidFill>
+                          <a:srgbClr val="000000"/>
+                        </a:solidFill>
+                        <a:effectLst/>
+                        <a:latin typeface="Calibri" panose="020F0502020204030204" pitchFamily="34" charset="0"/>
+                      </a:endParaRPr>
+                    </a:p>
+                  </a:txBody>
+                  <a:tcPr marL="6350" marR="6350" marT="6350" marB="0" anchor="b"/>
+                </a:tc>
+                <a:extLst>
+                  <a:ext uri="{0D108BD9-81ED-4DB2-BD59-A6C34878D82A}">
+                    <a16:rowId xmlns:a16="http://schemas.microsoft.com/office/drawing/2014/main" val="528301109"/>
+                  </a:ext>
+                </a:extLst>
+              </a:tr>
+              <a:tr h="220406">
+                <a:tc>
+                  <a:txBody>
+                    <a:bodyPr/>
+                    <a:lstStyle/>
+                    <a:p>
+                      <a:pPr algn="l" fontAlgn="b"/>
+                      <a:r>
+                        <a:rPr lang="it-IT" sz="1100" u="none" strike="noStrike">
+                          <a:effectLst/>
+                        </a:rPr>
+                        <a:t>IOT</a:t>
+                      </a:r>
+                      <a:endParaRPr lang="it-IT" sz="1100" b="0" i="0" u="none" strike="noStrike">
+                        <a:solidFill>
+                          <a:srgbClr val="000000"/>
+                        </a:solidFill>
+                        <a:effectLst/>
+                        <a:latin typeface="Calibri" panose="020F0502020204030204" pitchFamily="34" charset="0"/>
+                      </a:endParaRPr>
+                    </a:p>
+                  </a:txBody>
+                  <a:tcPr marL="6350" marR="6350" marT="6350" marB="0" anchor="b"/>
+                </a:tc>
+                <a:extLst>
+                  <a:ext uri="{0D108BD9-81ED-4DB2-BD59-A6C34878D82A}">
+                    <a16:rowId xmlns:a16="http://schemas.microsoft.com/office/drawing/2014/main" val="638393727"/>
+                  </a:ext>
+                </a:extLst>
+              </a:tr>
+              <a:tr h="220406">
+                <a:tc>
+                  <a:txBody>
+                    <a:bodyPr/>
+                    <a:lstStyle/>
+                    <a:p>
+                      <a:pPr algn="l" fontAlgn="b"/>
+                      <a:r>
+                        <a:rPr lang="it-IT" sz="1100" u="none" strike="noStrike">
+                          <a:effectLst/>
+                        </a:rPr>
+                        <a:t>DIGITAL</a:t>
+                      </a:r>
+                      <a:endParaRPr lang="it-IT" sz="1100" b="0" i="0" u="none" strike="noStrike">
+                        <a:solidFill>
+                          <a:srgbClr val="000000"/>
+                        </a:solidFill>
+                        <a:effectLst/>
+                        <a:latin typeface="Calibri" panose="020F0502020204030204" pitchFamily="34" charset="0"/>
+                      </a:endParaRPr>
+                    </a:p>
+                  </a:txBody>
+                  <a:tcPr marL="6350" marR="6350" marT="6350" marB="0" anchor="b"/>
+                </a:tc>
+                <a:extLst>
+                  <a:ext uri="{0D108BD9-81ED-4DB2-BD59-A6C34878D82A}">
+                    <a16:rowId xmlns:a16="http://schemas.microsoft.com/office/drawing/2014/main" val="942979899"/>
+                  </a:ext>
+                </a:extLst>
+              </a:tr>
+              <a:tr h="220406">
+                <a:tc>
+                  <a:txBody>
+                    <a:bodyPr/>
+                    <a:lstStyle/>
+                    <a:p>
+                      <a:pPr algn="l" fontAlgn="b"/>
+                      <a:r>
+                        <a:rPr lang="it-IT" sz="1100" u="none" strike="noStrike" dirty="0">
+                          <a:effectLst/>
+                        </a:rPr>
+                        <a:t>DIGITAL PROCESSES</a:t>
+                      </a:r>
+                      <a:endParaRPr lang="it-IT" sz="1100" b="0" i="0" u="none" strike="noStrike" dirty="0">
+                        <a:solidFill>
+                          <a:srgbClr val="000000"/>
+                        </a:solidFill>
+                        <a:effectLst/>
+                        <a:latin typeface="Calibri" panose="020F0502020204030204" pitchFamily="34" charset="0"/>
+                      </a:endParaRPr>
+                    </a:p>
+                  </a:txBody>
+                  <a:tcPr marL="6350" marR="6350" marT="6350" marB="0" anchor="b"/>
+                </a:tc>
+                <a:extLst>
+                  <a:ext uri="{0D108BD9-81ED-4DB2-BD59-A6C34878D82A}">
+                    <a16:rowId xmlns:a16="http://schemas.microsoft.com/office/drawing/2014/main" val="273062283"/>
+                  </a:ext>
+                </a:extLst>
+              </a:tr>
+              <a:tr h="220406">
+                <a:tc>
+                  <a:txBody>
+                    <a:bodyPr/>
+                    <a:lstStyle/>
+                    <a:p>
+                      <a:pPr algn="l" fontAlgn="b"/>
+                      <a:r>
+                        <a:rPr lang="it-IT" sz="1100" u="none" strike="noStrike" dirty="0">
+                          <a:effectLst/>
+                        </a:rPr>
+                        <a:t>SMART FACTORY</a:t>
+                      </a:r>
+                      <a:endParaRPr lang="it-IT" sz="1100" b="0" i="0" u="none" strike="noStrike" dirty="0">
+                        <a:solidFill>
+                          <a:srgbClr val="000000"/>
+                        </a:solidFill>
+                        <a:effectLst/>
+                        <a:latin typeface="Calibri" panose="020F0502020204030204" pitchFamily="34" charset="0"/>
+                      </a:endParaRPr>
+                    </a:p>
+                  </a:txBody>
+                  <a:tcPr marL="6350" marR="6350" marT="6350" marB="0" anchor="b"/>
+                </a:tc>
+                <a:extLst>
+                  <a:ext uri="{0D108BD9-81ED-4DB2-BD59-A6C34878D82A}">
+                    <a16:rowId xmlns:a16="http://schemas.microsoft.com/office/drawing/2014/main" val="3179148480"/>
+                  </a:ext>
+                </a:extLst>
+              </a:tr>
+              <a:tr h="408891">
+                <a:tc>
+                  <a:txBody>
+                    <a:bodyPr/>
+                    <a:lstStyle/>
+                    <a:p>
+                      <a:pPr algn="l" fontAlgn="b"/>
+                      <a:r>
+                        <a:rPr lang="it-IT" sz="1100" u="none" strike="noStrike">
+                          <a:effectLst/>
+                        </a:rPr>
+                        <a:t>SVILUPPO TECNOLOGICO</a:t>
+                      </a:r>
+                      <a:endParaRPr lang="it-IT" sz="1100" b="0" i="0" u="none" strike="noStrike">
+                        <a:solidFill>
+                          <a:srgbClr val="000000"/>
+                        </a:solidFill>
+                        <a:effectLst/>
+                        <a:latin typeface="Calibri" panose="020F0502020204030204" pitchFamily="34" charset="0"/>
+                      </a:endParaRPr>
+                    </a:p>
+                  </a:txBody>
+                  <a:tcPr marL="6350" marR="6350" marT="6350" marB="0" anchor="b"/>
+                </a:tc>
+                <a:extLst>
+                  <a:ext uri="{0D108BD9-81ED-4DB2-BD59-A6C34878D82A}">
+                    <a16:rowId xmlns:a16="http://schemas.microsoft.com/office/drawing/2014/main" val="2110923139"/>
+                  </a:ext>
+                </a:extLst>
+              </a:tr>
+              <a:tr h="220406">
+                <a:tc>
+                  <a:txBody>
+                    <a:bodyPr/>
+                    <a:lstStyle/>
+                    <a:p>
+                      <a:pPr algn="l" fontAlgn="b"/>
+                      <a:r>
+                        <a:rPr lang="it-IT" sz="1100" u="none" strike="noStrike">
+                          <a:effectLst/>
+                        </a:rPr>
+                        <a:t>SMART</a:t>
+                      </a:r>
+                      <a:endParaRPr lang="it-IT" sz="1100" b="0" i="0" u="none" strike="noStrike">
+                        <a:solidFill>
+                          <a:srgbClr val="000000"/>
+                        </a:solidFill>
+                        <a:effectLst/>
+                        <a:latin typeface="Calibri" panose="020F0502020204030204" pitchFamily="34" charset="0"/>
+                      </a:endParaRPr>
+                    </a:p>
+                  </a:txBody>
+                  <a:tcPr marL="6350" marR="6350" marT="6350" marB="0" anchor="b"/>
+                </a:tc>
+                <a:extLst>
+                  <a:ext uri="{0D108BD9-81ED-4DB2-BD59-A6C34878D82A}">
+                    <a16:rowId xmlns:a16="http://schemas.microsoft.com/office/drawing/2014/main" val="872811052"/>
+                  </a:ext>
+                </a:extLst>
+              </a:tr>
+              <a:tr h="220406">
+                <a:tc>
+                  <a:txBody>
+                    <a:bodyPr/>
+                    <a:lstStyle/>
+                    <a:p>
+                      <a:pPr algn="l" fontAlgn="b"/>
+                      <a:r>
+                        <a:rPr lang="it-IT" sz="1100" u="none" strike="noStrike">
+                          <a:effectLst/>
+                        </a:rPr>
+                        <a:t>CONNECTIVITY</a:t>
+                      </a:r>
+                      <a:endParaRPr lang="it-IT" sz="1100" b="0" i="0" u="none" strike="noStrike">
+                        <a:solidFill>
+                          <a:srgbClr val="000000"/>
+                        </a:solidFill>
+                        <a:effectLst/>
+                        <a:latin typeface="Calibri" panose="020F0502020204030204" pitchFamily="34" charset="0"/>
+                      </a:endParaRPr>
+                    </a:p>
+                  </a:txBody>
+                  <a:tcPr marL="6350" marR="6350" marT="6350" marB="0" anchor="b"/>
+                </a:tc>
+                <a:extLst>
+                  <a:ext uri="{0D108BD9-81ED-4DB2-BD59-A6C34878D82A}">
+                    <a16:rowId xmlns:a16="http://schemas.microsoft.com/office/drawing/2014/main" val="4174394685"/>
+                  </a:ext>
+                </a:extLst>
+              </a:tr>
+              <a:tr h="220406">
+                <a:tc>
+                  <a:txBody>
+                    <a:bodyPr/>
+                    <a:lstStyle/>
+                    <a:p>
+                      <a:pPr algn="l" fontAlgn="b"/>
+                      <a:r>
+                        <a:rPr lang="it-IT" sz="1100" u="none" strike="noStrike">
+                          <a:effectLst/>
+                        </a:rPr>
+                        <a:t>CYBERSECURITY</a:t>
+                      </a:r>
+                      <a:endParaRPr lang="it-IT" sz="1100" b="0" i="0" u="none" strike="noStrike">
+                        <a:solidFill>
+                          <a:srgbClr val="000000"/>
+                        </a:solidFill>
+                        <a:effectLst/>
+                        <a:latin typeface="Calibri" panose="020F0502020204030204" pitchFamily="34" charset="0"/>
+                      </a:endParaRPr>
+                    </a:p>
+                  </a:txBody>
+                  <a:tcPr marL="6350" marR="6350" marT="6350" marB="0" anchor="b"/>
+                </a:tc>
+                <a:extLst>
+                  <a:ext uri="{0D108BD9-81ED-4DB2-BD59-A6C34878D82A}">
+                    <a16:rowId xmlns:a16="http://schemas.microsoft.com/office/drawing/2014/main" val="1445396927"/>
+                  </a:ext>
+                </a:extLst>
+              </a:tr>
+              <a:tr h="220406">
+                <a:tc>
+                  <a:txBody>
+                    <a:bodyPr/>
+                    <a:lstStyle/>
+                    <a:p>
+                      <a:pPr algn="l" fontAlgn="b"/>
+                      <a:r>
+                        <a:rPr lang="it-IT" sz="1100" u="none" strike="noStrike">
+                          <a:effectLst/>
+                        </a:rPr>
+                        <a:t>ROBOTICS</a:t>
+                      </a:r>
+                      <a:endParaRPr lang="it-IT" sz="1100" b="0" i="0" u="none" strike="noStrike">
+                        <a:solidFill>
+                          <a:srgbClr val="000000"/>
+                        </a:solidFill>
+                        <a:effectLst/>
+                        <a:latin typeface="Calibri" panose="020F0502020204030204" pitchFamily="34" charset="0"/>
+                      </a:endParaRPr>
+                    </a:p>
+                  </a:txBody>
+                  <a:tcPr marL="6350" marR="6350" marT="6350" marB="0" anchor="b"/>
+                </a:tc>
+                <a:extLst>
+                  <a:ext uri="{0D108BD9-81ED-4DB2-BD59-A6C34878D82A}">
+                    <a16:rowId xmlns:a16="http://schemas.microsoft.com/office/drawing/2014/main" val="3244986159"/>
+                  </a:ext>
+                </a:extLst>
+              </a:tr>
+              <a:tr h="220406">
+                <a:tc>
+                  <a:txBody>
+                    <a:bodyPr/>
+                    <a:lstStyle/>
+                    <a:p>
+                      <a:pPr algn="l" fontAlgn="b"/>
+                      <a:r>
+                        <a:rPr lang="it-IT" sz="1100" u="none" strike="noStrike">
+                          <a:effectLst/>
+                        </a:rPr>
+                        <a:t>AUGMENTED REALITY</a:t>
+                      </a:r>
+                      <a:endParaRPr lang="it-IT" sz="1100" b="0" i="0" u="none" strike="noStrike">
+                        <a:solidFill>
+                          <a:srgbClr val="000000"/>
+                        </a:solidFill>
+                        <a:effectLst/>
+                        <a:latin typeface="Calibri" panose="020F0502020204030204" pitchFamily="34" charset="0"/>
+                      </a:endParaRPr>
+                    </a:p>
+                  </a:txBody>
+                  <a:tcPr marL="6350" marR="6350" marT="6350" marB="0" anchor="b"/>
+                </a:tc>
+                <a:extLst>
+                  <a:ext uri="{0D108BD9-81ED-4DB2-BD59-A6C34878D82A}">
+                    <a16:rowId xmlns:a16="http://schemas.microsoft.com/office/drawing/2014/main" val="3240295817"/>
+                  </a:ext>
+                </a:extLst>
+              </a:tr>
+              <a:tr h="220406">
+                <a:tc>
+                  <a:txBody>
+                    <a:bodyPr/>
+                    <a:lstStyle/>
+                    <a:p>
+                      <a:pPr algn="l" fontAlgn="b"/>
+                      <a:r>
+                        <a:rPr lang="it-IT" sz="1100" u="none" strike="noStrike">
+                          <a:effectLst/>
+                        </a:rPr>
+                        <a:t>SIMULATION</a:t>
+                      </a:r>
+                      <a:endParaRPr lang="it-IT" sz="1100" b="0" i="0" u="none" strike="noStrike">
+                        <a:solidFill>
+                          <a:srgbClr val="000000"/>
+                        </a:solidFill>
+                        <a:effectLst/>
+                        <a:latin typeface="Calibri" panose="020F0502020204030204" pitchFamily="34" charset="0"/>
+                      </a:endParaRPr>
+                    </a:p>
+                  </a:txBody>
+                  <a:tcPr marL="6350" marR="6350" marT="6350" marB="0" anchor="b"/>
+                </a:tc>
+                <a:extLst>
+                  <a:ext uri="{0D108BD9-81ED-4DB2-BD59-A6C34878D82A}">
+                    <a16:rowId xmlns:a16="http://schemas.microsoft.com/office/drawing/2014/main" val="3698272510"/>
+                  </a:ext>
+                </a:extLst>
+              </a:tr>
+              <a:tr h="220406">
+                <a:tc>
+                  <a:txBody>
+                    <a:bodyPr/>
+                    <a:lstStyle/>
+                    <a:p>
+                      <a:pPr algn="l" fontAlgn="b"/>
+                      <a:r>
+                        <a:rPr lang="it-IT" sz="1100" u="none" strike="noStrike">
+                          <a:effectLst/>
+                        </a:rPr>
+                        <a:t>CLOUD COMPUTING</a:t>
+                      </a:r>
+                      <a:endParaRPr lang="it-IT" sz="1100" b="0" i="0" u="none" strike="noStrike">
+                        <a:solidFill>
+                          <a:srgbClr val="000000"/>
+                        </a:solidFill>
+                        <a:effectLst/>
+                        <a:latin typeface="Calibri" panose="020F0502020204030204" pitchFamily="34" charset="0"/>
+                      </a:endParaRPr>
+                    </a:p>
+                  </a:txBody>
+                  <a:tcPr marL="6350" marR="6350" marT="6350" marB="0" anchor="b"/>
+                </a:tc>
+                <a:extLst>
+                  <a:ext uri="{0D108BD9-81ED-4DB2-BD59-A6C34878D82A}">
+                    <a16:rowId xmlns:a16="http://schemas.microsoft.com/office/drawing/2014/main" val="410707033"/>
+                  </a:ext>
+                </a:extLst>
+              </a:tr>
+              <a:tr h="408891">
+                <a:tc>
+                  <a:txBody>
+                    <a:bodyPr/>
+                    <a:lstStyle/>
+                    <a:p>
+                      <a:pPr algn="l" fontAlgn="b"/>
+                      <a:r>
+                        <a:rPr lang="it-IT" sz="1100" u="none" strike="noStrike" dirty="0">
+                          <a:effectLst/>
+                        </a:rPr>
+                        <a:t>ADDITIVE MANUFACTORING</a:t>
+                      </a:r>
+                      <a:endParaRPr lang="it-IT" sz="1100" b="0" i="0" u="none" strike="noStrike" dirty="0">
+                        <a:solidFill>
+                          <a:srgbClr val="000000"/>
+                        </a:solidFill>
+                        <a:effectLst/>
+                        <a:latin typeface="Calibri" panose="020F0502020204030204" pitchFamily="34" charset="0"/>
+                      </a:endParaRPr>
+                    </a:p>
+                  </a:txBody>
+                  <a:tcPr marL="6350" marR="6350" marT="6350" marB="0" anchor="b"/>
+                </a:tc>
+                <a:extLst>
+                  <a:ext uri="{0D108BD9-81ED-4DB2-BD59-A6C34878D82A}">
+                    <a16:rowId xmlns:a16="http://schemas.microsoft.com/office/drawing/2014/main" val="1194258367"/>
+                  </a:ext>
+                </a:extLst>
+              </a:tr>
+              <a:tr h="220406">
+                <a:tc>
+                  <a:txBody>
+                    <a:bodyPr/>
+                    <a:lstStyle/>
+                    <a:p>
+                      <a:pPr algn="l" fontAlgn="b"/>
+                      <a:r>
+                        <a:rPr lang="it-IT" sz="1100" u="none" strike="noStrike">
+                          <a:effectLst/>
+                        </a:rPr>
+                        <a:t>BIG DATA</a:t>
+                      </a:r>
+                      <a:endParaRPr lang="it-IT" sz="1100" b="0" i="0" u="none" strike="noStrike">
+                        <a:solidFill>
+                          <a:srgbClr val="000000"/>
+                        </a:solidFill>
+                        <a:effectLst/>
+                        <a:latin typeface="Calibri" panose="020F0502020204030204" pitchFamily="34" charset="0"/>
+                      </a:endParaRPr>
+                    </a:p>
+                  </a:txBody>
+                  <a:tcPr marL="6350" marR="6350" marT="6350" marB="0" anchor="b"/>
+                </a:tc>
+                <a:extLst>
+                  <a:ext uri="{0D108BD9-81ED-4DB2-BD59-A6C34878D82A}">
+                    <a16:rowId xmlns:a16="http://schemas.microsoft.com/office/drawing/2014/main" val="3731026348"/>
+                  </a:ext>
+                </a:extLst>
+              </a:tr>
+              <a:tr h="220406">
+                <a:tc>
+                  <a:txBody>
+                    <a:bodyPr/>
+                    <a:lstStyle/>
+                    <a:p>
+                      <a:pPr algn="l" fontAlgn="b"/>
+                      <a:r>
+                        <a:rPr lang="it-IT" sz="1100" u="none" strike="noStrike">
+                          <a:effectLst/>
+                        </a:rPr>
+                        <a:t>ANALYTICS</a:t>
+                      </a:r>
+                      <a:endParaRPr lang="it-IT" sz="1100" b="0" i="0" u="none" strike="noStrike">
+                        <a:solidFill>
+                          <a:srgbClr val="000000"/>
+                        </a:solidFill>
+                        <a:effectLst/>
+                        <a:latin typeface="Calibri" panose="020F0502020204030204" pitchFamily="34" charset="0"/>
+                      </a:endParaRPr>
+                    </a:p>
+                  </a:txBody>
+                  <a:tcPr marL="6350" marR="6350" marT="6350" marB="0" anchor="b"/>
+                </a:tc>
+                <a:extLst>
+                  <a:ext uri="{0D108BD9-81ED-4DB2-BD59-A6C34878D82A}">
+                    <a16:rowId xmlns:a16="http://schemas.microsoft.com/office/drawing/2014/main" val="2385281164"/>
+                  </a:ext>
+                </a:extLst>
+              </a:tr>
+              <a:tr h="220406">
+                <a:tc>
+                  <a:txBody>
+                    <a:bodyPr/>
+                    <a:lstStyle/>
+                    <a:p>
+                      <a:pPr algn="l" fontAlgn="b"/>
+                      <a:r>
+                        <a:rPr lang="it-IT" sz="1100" u="none" strike="noStrike">
+                          <a:effectLst/>
+                        </a:rPr>
+                        <a:t>CLOUD</a:t>
+                      </a:r>
+                      <a:endParaRPr lang="it-IT" sz="1100" b="0" i="0" u="none" strike="noStrike">
+                        <a:solidFill>
+                          <a:srgbClr val="000000"/>
+                        </a:solidFill>
+                        <a:effectLst/>
+                        <a:latin typeface="Calibri" panose="020F0502020204030204" pitchFamily="34" charset="0"/>
+                      </a:endParaRPr>
+                    </a:p>
+                  </a:txBody>
+                  <a:tcPr marL="6350" marR="6350" marT="6350" marB="0" anchor="b"/>
+                </a:tc>
+                <a:extLst>
+                  <a:ext uri="{0D108BD9-81ED-4DB2-BD59-A6C34878D82A}">
+                    <a16:rowId xmlns:a16="http://schemas.microsoft.com/office/drawing/2014/main" val="797522401"/>
+                  </a:ext>
+                </a:extLst>
+              </a:tr>
+              <a:tr h="220406">
+                <a:tc>
+                  <a:txBody>
+                    <a:bodyPr/>
+                    <a:lstStyle/>
+                    <a:p>
+                      <a:pPr algn="l" fontAlgn="b"/>
+                      <a:r>
+                        <a:rPr lang="it-IT" sz="1100" u="none" strike="noStrike" dirty="0">
+                          <a:effectLst/>
+                        </a:rPr>
+                        <a:t>DIGITAL</a:t>
+                      </a:r>
+                      <a:endParaRPr lang="it-IT" sz="1100" b="0" i="0" u="none" strike="noStrike" dirty="0">
+                        <a:solidFill>
+                          <a:srgbClr val="000000"/>
+                        </a:solidFill>
+                        <a:effectLst/>
+                        <a:latin typeface="Calibri" panose="020F0502020204030204" pitchFamily="34" charset="0"/>
+                      </a:endParaRPr>
+                    </a:p>
+                  </a:txBody>
+                  <a:tcPr marL="6350" marR="6350" marT="6350" marB="0" anchor="b"/>
+                </a:tc>
+                <a:extLst>
+                  <a:ext uri="{0D108BD9-81ED-4DB2-BD59-A6C34878D82A}">
+                    <a16:rowId xmlns:a16="http://schemas.microsoft.com/office/drawing/2014/main" val="3190103437"/>
+                  </a:ext>
+                </a:extLst>
+              </a:tr>
+            </a:tbl>
+          </a:graphicData>
+        </a:graphic>
+      </p:graphicFrame>
+      <p:graphicFrame>
+        <p:nvGraphicFramePr>
+          <p:cNvPr id="5" name="Tabella 4">
+            <a:extLst>
+              <a:ext uri="{FF2B5EF4-FFF2-40B4-BE49-F238E27FC236}">
+                <a16:creationId xmlns:a16="http://schemas.microsoft.com/office/drawing/2014/main" id="{CED29499-703C-4DA2-8FD4-18113352341D}"/>
+              </a:ext>
+            </a:extLst>
+          </p:cNvPr>
+          <p:cNvGraphicFramePr>
+            <a:graphicFrameLocks noGrp="1"/>
+          </p:cNvGraphicFramePr>
+          <p:nvPr>
+            <p:extLst>
+              <p:ext uri="{D42A27DB-BD31-4B8C-83A1-F6EECF244321}">
+                <p14:modId xmlns:p14="http://schemas.microsoft.com/office/powerpoint/2010/main" val="399765584"/>
+              </p:ext>
+            </p:extLst>
+          </p:nvPr>
+        </p:nvGraphicFramePr>
+        <p:xfrm>
+          <a:off x="9869762" y="1828800"/>
+          <a:ext cx="1299973" cy="1888233"/>
+        </p:xfrm>
+        <a:graphic>
+          <a:graphicData uri="http://schemas.openxmlformats.org/drawingml/2006/table">
+            <a:tbl>
+              <a:tblPr>
+                <a:tableStyleId>{69CF1AB2-1976-4502-BF36-3FF5EA218861}</a:tableStyleId>
+              </a:tblPr>
+              <a:tblGrid>
+                <a:gridCol w="1299973">
+                  <a:extLst>
+                    <a:ext uri="{9D8B030D-6E8A-4147-A177-3AD203B41FA5}">
+                      <a16:colId xmlns:a16="http://schemas.microsoft.com/office/drawing/2014/main" val="221446533"/>
+                    </a:ext>
+                  </a:extLst>
+                </a:gridCol>
+              </a:tblGrid>
+              <a:tr h="213235">
+                <a:tc>
+                  <a:txBody>
+                    <a:bodyPr/>
+                    <a:lstStyle/>
+                    <a:p>
+                      <a:pPr algn="l" fontAlgn="b"/>
+                      <a:r>
+                        <a:rPr lang="it-IT" sz="1100" u="none" strike="noStrike" dirty="0">
+                          <a:effectLst/>
+                        </a:rPr>
+                        <a:t>INTERNET</a:t>
+                      </a:r>
+                      <a:endParaRPr lang="it-IT" sz="1100" b="0" i="0" u="none" strike="noStrike" dirty="0">
+                        <a:solidFill>
+                          <a:srgbClr val="000000"/>
+                        </a:solidFill>
+                        <a:effectLst/>
+                        <a:latin typeface="Calibri" panose="020F0502020204030204" pitchFamily="34" charset="0"/>
+                      </a:endParaRPr>
+                    </a:p>
+                  </a:txBody>
+                  <a:tcPr marL="6350" marR="6350" marT="6350" marB="0" anchor="b"/>
+                </a:tc>
+                <a:extLst>
+                  <a:ext uri="{0D108BD9-81ED-4DB2-BD59-A6C34878D82A}">
+                    <a16:rowId xmlns:a16="http://schemas.microsoft.com/office/drawing/2014/main" val="3323029037"/>
+                  </a:ext>
+                </a:extLst>
+              </a:tr>
+              <a:tr h="213235">
+                <a:tc>
+                  <a:txBody>
+                    <a:bodyPr/>
+                    <a:lstStyle/>
+                    <a:p>
+                      <a:pPr algn="l" fontAlgn="b"/>
+                      <a:r>
+                        <a:rPr lang="it-IT" sz="1100" u="none" strike="noStrike">
+                          <a:effectLst/>
+                        </a:rPr>
+                        <a:t>WEB</a:t>
+                      </a:r>
+                      <a:endParaRPr lang="it-IT" sz="1100" b="0" i="0" u="none" strike="noStrike">
+                        <a:solidFill>
+                          <a:srgbClr val="000000"/>
+                        </a:solidFill>
+                        <a:effectLst/>
+                        <a:latin typeface="Calibri" panose="020F0502020204030204" pitchFamily="34" charset="0"/>
+                      </a:endParaRPr>
+                    </a:p>
+                  </a:txBody>
+                  <a:tcPr marL="6350" marR="6350" marT="6350" marB="0" anchor="b"/>
+                </a:tc>
+                <a:extLst>
+                  <a:ext uri="{0D108BD9-81ED-4DB2-BD59-A6C34878D82A}">
+                    <a16:rowId xmlns:a16="http://schemas.microsoft.com/office/drawing/2014/main" val="2009802875"/>
+                  </a:ext>
+                </a:extLst>
+              </a:tr>
+              <a:tr h="213235">
+                <a:tc>
+                  <a:txBody>
+                    <a:bodyPr/>
+                    <a:lstStyle/>
+                    <a:p>
+                      <a:pPr algn="l" fontAlgn="b"/>
+                      <a:r>
+                        <a:rPr lang="it-IT" sz="1100" u="none" strike="noStrike" dirty="0">
+                          <a:effectLst/>
+                        </a:rPr>
+                        <a:t>IOT</a:t>
+                      </a:r>
+                      <a:endParaRPr lang="it-IT" sz="1100" b="0" i="0" u="none" strike="noStrike" dirty="0">
+                        <a:solidFill>
+                          <a:srgbClr val="000000"/>
+                        </a:solidFill>
+                        <a:effectLst/>
+                        <a:latin typeface="Calibri" panose="020F0502020204030204" pitchFamily="34" charset="0"/>
+                      </a:endParaRPr>
+                    </a:p>
+                  </a:txBody>
+                  <a:tcPr marL="6350" marR="6350" marT="6350" marB="0" anchor="b"/>
+                </a:tc>
+                <a:extLst>
+                  <a:ext uri="{0D108BD9-81ED-4DB2-BD59-A6C34878D82A}">
+                    <a16:rowId xmlns:a16="http://schemas.microsoft.com/office/drawing/2014/main" val="935301323"/>
+                  </a:ext>
+                </a:extLst>
+              </a:tr>
+              <a:tr h="213235">
+                <a:tc>
+                  <a:txBody>
+                    <a:bodyPr/>
+                    <a:lstStyle/>
+                    <a:p>
+                      <a:pPr algn="l" fontAlgn="b"/>
+                      <a:r>
+                        <a:rPr lang="it-IT" sz="1100" u="none" strike="noStrike" dirty="0">
+                          <a:effectLst/>
+                        </a:rPr>
+                        <a:t>DIGITAL</a:t>
+                      </a:r>
+                      <a:endParaRPr lang="it-IT" sz="1100" b="0" i="0" u="none" strike="noStrike" dirty="0">
+                        <a:solidFill>
+                          <a:srgbClr val="000000"/>
+                        </a:solidFill>
+                        <a:effectLst/>
+                        <a:latin typeface="Calibri" panose="020F0502020204030204" pitchFamily="34" charset="0"/>
+                      </a:endParaRPr>
+                    </a:p>
+                  </a:txBody>
+                  <a:tcPr marL="6350" marR="6350" marT="6350" marB="0" anchor="b"/>
+                </a:tc>
+                <a:extLst>
+                  <a:ext uri="{0D108BD9-81ED-4DB2-BD59-A6C34878D82A}">
+                    <a16:rowId xmlns:a16="http://schemas.microsoft.com/office/drawing/2014/main" val="1618483006"/>
+                  </a:ext>
+                </a:extLst>
+              </a:tr>
+              <a:tr h="213235">
+                <a:tc>
+                  <a:txBody>
+                    <a:bodyPr/>
+                    <a:lstStyle/>
+                    <a:p>
+                      <a:pPr algn="l" fontAlgn="b"/>
+                      <a:r>
+                        <a:rPr lang="it-IT" sz="1100" u="none" strike="noStrike">
+                          <a:effectLst/>
+                        </a:rPr>
+                        <a:t>DIGITAL PROCESSES</a:t>
+                      </a:r>
+                      <a:endParaRPr lang="it-IT" sz="1100" b="0" i="0" u="none" strike="noStrike">
+                        <a:solidFill>
+                          <a:srgbClr val="000000"/>
+                        </a:solidFill>
+                        <a:effectLst/>
+                        <a:latin typeface="Calibri" panose="020F0502020204030204" pitchFamily="34" charset="0"/>
+                      </a:endParaRPr>
+                    </a:p>
+                  </a:txBody>
+                  <a:tcPr marL="6350" marR="6350" marT="6350" marB="0" anchor="b"/>
+                </a:tc>
+                <a:extLst>
+                  <a:ext uri="{0D108BD9-81ED-4DB2-BD59-A6C34878D82A}">
+                    <a16:rowId xmlns:a16="http://schemas.microsoft.com/office/drawing/2014/main" val="2737713211"/>
+                  </a:ext>
+                </a:extLst>
+              </a:tr>
+              <a:tr h="213235">
+                <a:tc>
+                  <a:txBody>
+                    <a:bodyPr/>
+                    <a:lstStyle/>
+                    <a:p>
+                      <a:pPr algn="l" fontAlgn="b"/>
+                      <a:r>
+                        <a:rPr lang="it-IT" sz="1100" u="none" strike="noStrike">
+                          <a:effectLst/>
+                        </a:rPr>
+                        <a:t>SMART FACTORY</a:t>
+                      </a:r>
+                      <a:endParaRPr lang="it-IT" sz="1100" b="0" i="0" u="none" strike="noStrike">
+                        <a:solidFill>
+                          <a:srgbClr val="000000"/>
+                        </a:solidFill>
+                        <a:effectLst/>
+                        <a:latin typeface="Calibri" panose="020F0502020204030204" pitchFamily="34" charset="0"/>
+                      </a:endParaRPr>
+                    </a:p>
+                  </a:txBody>
+                  <a:tcPr marL="6350" marR="6350" marT="6350" marB="0" anchor="b"/>
+                </a:tc>
+                <a:extLst>
+                  <a:ext uri="{0D108BD9-81ED-4DB2-BD59-A6C34878D82A}">
+                    <a16:rowId xmlns:a16="http://schemas.microsoft.com/office/drawing/2014/main" val="982820819"/>
+                  </a:ext>
+                </a:extLst>
+              </a:tr>
+              <a:tr h="395588">
+                <a:tc>
+                  <a:txBody>
+                    <a:bodyPr/>
+                    <a:lstStyle/>
+                    <a:p>
+                      <a:pPr algn="l" fontAlgn="b"/>
+                      <a:r>
+                        <a:rPr lang="it-IT" sz="1100" u="none" strike="noStrike">
+                          <a:effectLst/>
+                        </a:rPr>
+                        <a:t>SVILUPPO TECNOLOGICO</a:t>
+                      </a:r>
+                      <a:endParaRPr lang="it-IT" sz="1100" b="0" i="0" u="none" strike="noStrike">
+                        <a:solidFill>
+                          <a:srgbClr val="000000"/>
+                        </a:solidFill>
+                        <a:effectLst/>
+                        <a:latin typeface="Calibri" panose="020F0502020204030204" pitchFamily="34" charset="0"/>
+                      </a:endParaRPr>
+                    </a:p>
+                  </a:txBody>
+                  <a:tcPr marL="6350" marR="6350" marT="6350" marB="0" anchor="b"/>
+                </a:tc>
+                <a:extLst>
+                  <a:ext uri="{0D108BD9-81ED-4DB2-BD59-A6C34878D82A}">
+                    <a16:rowId xmlns:a16="http://schemas.microsoft.com/office/drawing/2014/main" val="3480582160"/>
+                  </a:ext>
+                </a:extLst>
+              </a:tr>
+              <a:tr h="213235">
+                <a:tc>
+                  <a:txBody>
+                    <a:bodyPr/>
+                    <a:lstStyle/>
+                    <a:p>
+                      <a:pPr algn="l" fontAlgn="b"/>
+                      <a:r>
+                        <a:rPr lang="it-IT" sz="1100" u="none" strike="noStrike" dirty="0">
+                          <a:effectLst/>
+                        </a:rPr>
+                        <a:t>SMART</a:t>
+                      </a:r>
+                      <a:endParaRPr lang="it-IT" sz="1100" b="0" i="0" u="none" strike="noStrike" dirty="0">
+                        <a:solidFill>
+                          <a:srgbClr val="000000"/>
+                        </a:solidFill>
+                        <a:effectLst/>
+                        <a:latin typeface="Calibri" panose="020F0502020204030204" pitchFamily="34" charset="0"/>
+                      </a:endParaRPr>
+                    </a:p>
+                  </a:txBody>
+                  <a:tcPr marL="6350" marR="6350" marT="6350" marB="0" anchor="b"/>
+                </a:tc>
+                <a:extLst>
+                  <a:ext uri="{0D108BD9-81ED-4DB2-BD59-A6C34878D82A}">
+                    <a16:rowId xmlns:a16="http://schemas.microsoft.com/office/drawing/2014/main" val="179501700"/>
+                  </a:ext>
+                </a:extLst>
+              </a:tr>
+            </a:tbl>
+          </a:graphicData>
+        </a:graphic>
+      </p:graphicFrame>
+      <p:sp>
+        <p:nvSpPr>
+          <p:cNvPr id="13" name="CasellaDiTesto 12">
+            <a:extLst>
+              <a:ext uri="{FF2B5EF4-FFF2-40B4-BE49-F238E27FC236}">
+                <a16:creationId xmlns:a16="http://schemas.microsoft.com/office/drawing/2014/main" id="{26ACD173-9CE8-4162-BCBC-4436F5443812}"/>
+              </a:ext>
+            </a:extLst>
+          </p:cNvPr>
+          <p:cNvSpPr txBox="1"/>
+          <p:nvPr/>
         </p:nvSpPr>
-        <p:spPr/>
+        <p:spPr>
+          <a:xfrm>
+            <a:off x="1557908" y="1828800"/>
+            <a:ext cx="3024336" cy="646331"/>
+          </a:xfrm>
+          <a:prstGeom prst="rect">
+            <a:avLst/>
+          </a:prstGeom>
+          <a:noFill/>
+        </p:spPr>
         <p:txBody>
-          <a:bodyPr/>
+          <a:bodyPr wrap="square" rtlCol="0">
+            <a:spAutoFit/>
+          </a:bodyPr>
           <a:lstStyle/>
           <a:p>
+            <a:r>
+              <a:rPr lang="it-IT" dirty="0"/>
+              <a:t>Industria 4.0</a:t>
+            </a:r>
+          </a:p>
+          <a:p>
             <a:endParaRPr lang="it-IT" dirty="0"/>
+          </a:p>
+        </p:txBody>
+      </p:sp>
+      <p:sp>
+        <p:nvSpPr>
+          <p:cNvPr id="14" name="CasellaDiTesto 13">
+            <a:extLst>
+              <a:ext uri="{FF2B5EF4-FFF2-40B4-BE49-F238E27FC236}">
+                <a16:creationId xmlns:a16="http://schemas.microsoft.com/office/drawing/2014/main" id="{A64B1FF7-D59E-41CE-A418-E5701CFC84D2}"/>
+              </a:ext>
+            </a:extLst>
+          </p:cNvPr>
+          <p:cNvSpPr txBox="1"/>
+          <p:nvPr/>
+        </p:nvSpPr>
+        <p:spPr>
+          <a:xfrm>
+            <a:off x="6598468" y="1828800"/>
+            <a:ext cx="3024336" cy="369332"/>
+          </a:xfrm>
+          <a:prstGeom prst="rect">
+            <a:avLst/>
+          </a:prstGeom>
+          <a:noFill/>
+        </p:spPr>
+        <p:txBody>
+          <a:bodyPr wrap="square" rtlCol="0">
+            <a:spAutoFit/>
+          </a:bodyPr>
+          <a:lstStyle/>
+          <a:p>
+            <a:r>
+              <a:rPr lang="it-IT" dirty="0"/>
+              <a:t>IOT</a:t>
+            </a:r>
           </a:p>
         </p:txBody>
       </p:sp>

--- a/REPORT.pptx
+++ b/REPORT.pptx
@@ -8334,7 +8334,7 @@
             <a:pPr rtl="0"/>
             <a:fld id="{B0F83D96-5C9C-4534-86B5-5649DB8A678D}" type="datetime1">
               <a:rPr lang="it-IT" smtClean="0"/>
-              <a:t>16/05/2021</a:t>
+              <a:t>19/05/2021</a:t>
             </a:fld>
             <a:endParaRPr lang="it-IT" dirty="0"/>
           </a:p>
@@ -8503,7 +8503,7 @@
             <a:fld id="{9DCB9B24-3351-4DE4-82DB-35F58E80D7CC}" type="datetime1">
               <a:rPr lang="it-IT" smtClean="0"/>
               <a:pPr/>
-              <a:t>16/05/2021</a:t>
+              <a:t>19/05/2021</a:t>
             </a:fld>
             <a:endParaRPr lang="it-IT" dirty="0"/>
           </a:p>
@@ -10460,7 +10460,7 @@
             <a:fld id="{B47E2BE2-C2B3-4B55-8A92-AABDC382E8E6}" type="datetime1">
               <a:rPr lang="it-IT" smtClean="0"/>
               <a:pPr/>
-              <a:t>16/05/2021</a:t>
+              <a:t>19/05/2021</a:t>
             </a:fld>
             <a:endParaRPr lang="it-IT" dirty="0"/>
           </a:p>
@@ -10673,7 +10673,7 @@
             <a:fld id="{13B0A373-E355-43F7-825A-91B793E35BAE}" type="datetime1">
               <a:rPr lang="it-IT" smtClean="0"/>
               <a:pPr/>
-              <a:t>16/05/2021</a:t>
+              <a:t>19/05/2021</a:t>
             </a:fld>
             <a:endParaRPr lang="it-IT" dirty="0"/>
           </a:p>
@@ -10914,7 +10914,7 @@
             <a:fld id="{023992EC-44DB-4793-BACF-64A780A8628B}" type="datetime1">
               <a:rPr lang="it-IT" smtClean="0"/>
               <a:pPr/>
-              <a:t>16/05/2021</a:t>
+              <a:t>19/05/2021</a:t>
             </a:fld>
             <a:endParaRPr lang="it-IT" dirty="0"/>
           </a:p>
@@ -11338,7 +11338,7 @@
             <a:fld id="{A47277E1-7621-4FF5-8428-BC5024298335}" type="datetime1">
               <a:rPr lang="it-IT" smtClean="0"/>
               <a:pPr/>
-              <a:t>16/05/2021</a:t>
+              <a:t>19/05/2021</a:t>
             </a:fld>
             <a:endParaRPr lang="it-IT" dirty="0"/>
           </a:p>
@@ -11706,7 +11706,7 @@
             <a:fld id="{B79D17D8-68D2-446E-87A0-2D6562C8073F}" type="datetime1">
               <a:rPr lang="it-IT" smtClean="0"/>
               <a:pPr/>
-              <a:t>16/05/2021</a:t>
+              <a:t>19/05/2021</a:t>
             </a:fld>
             <a:endParaRPr lang="it-IT" dirty="0"/>
           </a:p>
@@ -12222,7 +12222,7 @@
             <a:fld id="{2CC7AD1E-A15F-4D65-9E34-06DC5079DC1A}" type="datetime1">
               <a:rPr lang="it-IT" smtClean="0"/>
               <a:pPr/>
-              <a:t>16/05/2021</a:t>
+              <a:t>19/05/2021</a:t>
             </a:fld>
             <a:endParaRPr lang="it-IT" dirty="0"/>
           </a:p>
@@ -12411,7 +12411,7 @@
             <a:fld id="{5DDD6FC7-94FB-49FD-9E96-34996EEF0D27}" type="datetime1">
               <a:rPr lang="it-IT" smtClean="0"/>
               <a:pPr/>
-              <a:t>16/05/2021</a:t>
+              <a:t>19/05/2021</a:t>
             </a:fld>
             <a:endParaRPr lang="it-IT" dirty="0"/>
           </a:p>
@@ -12566,7 +12566,7 @@
             <a:fld id="{3D229277-2975-4D5A-9A7B-43F78A804847}" type="datetime1">
               <a:rPr lang="it-IT" smtClean="0"/>
               <a:pPr/>
-              <a:t>16/05/2021</a:t>
+              <a:t>19/05/2021</a:t>
             </a:fld>
             <a:endParaRPr lang="it-IT" dirty="0"/>
           </a:p>
@@ -12887,7 +12887,7 @@
             <a:fld id="{278D3AD8-0B53-46CB-983C-0C8ACB1B11C7}" type="datetime1">
               <a:rPr lang="it-IT" smtClean="0"/>
               <a:pPr/>
-              <a:t>16/05/2021</a:t>
+              <a:t>19/05/2021</a:t>
             </a:fld>
             <a:endParaRPr lang="it-IT" dirty="0"/>
           </a:p>
@@ -13441,7 +13441,7 @@
             <a:fld id="{C110D783-DB46-4E30-A2B2-B6F993D85061}" type="datetime1">
               <a:rPr lang="it-IT" smtClean="0"/>
               <a:pPr/>
-              <a:t>16/05/2021</a:t>
+              <a:t>19/05/2021</a:t>
             </a:fld>
             <a:endParaRPr lang="it-IT" dirty="0"/>
           </a:p>
@@ -14500,7 +14500,7 @@
         </p:nvSpPr>
         <p:spPr>
           <a:xfrm>
-            <a:off x="1488168" y="692696"/>
+            <a:off x="1488168" y="764704"/>
             <a:ext cx="9829798" cy="775276"/>
           </a:xfrm>
         </p:spPr>

--- a/REPORT.pptx
+++ b/REPORT.pptx
@@ -8334,7 +8334,7 @@
             <a:pPr rtl="0"/>
             <a:fld id="{B0F83D96-5C9C-4534-86B5-5649DB8A678D}" type="datetime1">
               <a:rPr lang="it-IT" smtClean="0"/>
-              <a:t>19/05/2021</a:t>
+              <a:t>20/05/2021</a:t>
             </a:fld>
             <a:endParaRPr lang="it-IT" dirty="0"/>
           </a:p>
@@ -8503,7 +8503,7 @@
             <a:fld id="{9DCB9B24-3351-4DE4-82DB-35F58E80D7CC}" type="datetime1">
               <a:rPr lang="it-IT" smtClean="0"/>
               <a:pPr/>
-              <a:t>19/05/2021</a:t>
+              <a:t>20/05/2021</a:t>
             </a:fld>
             <a:endParaRPr lang="it-IT" dirty="0"/>
           </a:p>
@@ -10460,7 +10460,7 @@
             <a:fld id="{B47E2BE2-C2B3-4B55-8A92-AABDC382E8E6}" type="datetime1">
               <a:rPr lang="it-IT" smtClean="0"/>
               <a:pPr/>
-              <a:t>19/05/2021</a:t>
+              <a:t>20/05/2021</a:t>
             </a:fld>
             <a:endParaRPr lang="it-IT" dirty="0"/>
           </a:p>
@@ -10673,7 +10673,7 @@
             <a:fld id="{13B0A373-E355-43F7-825A-91B793E35BAE}" type="datetime1">
               <a:rPr lang="it-IT" smtClean="0"/>
               <a:pPr/>
-              <a:t>19/05/2021</a:t>
+              <a:t>20/05/2021</a:t>
             </a:fld>
             <a:endParaRPr lang="it-IT" dirty="0"/>
           </a:p>
@@ -10914,7 +10914,7 @@
             <a:fld id="{023992EC-44DB-4793-BACF-64A780A8628B}" type="datetime1">
               <a:rPr lang="it-IT" smtClean="0"/>
               <a:pPr/>
-              <a:t>19/05/2021</a:t>
+              <a:t>20/05/2021</a:t>
             </a:fld>
             <a:endParaRPr lang="it-IT" dirty="0"/>
           </a:p>
@@ -11338,7 +11338,7 @@
             <a:fld id="{A47277E1-7621-4FF5-8428-BC5024298335}" type="datetime1">
               <a:rPr lang="it-IT" smtClean="0"/>
               <a:pPr/>
-              <a:t>19/05/2021</a:t>
+              <a:t>20/05/2021</a:t>
             </a:fld>
             <a:endParaRPr lang="it-IT" dirty="0"/>
           </a:p>
@@ -11706,7 +11706,7 @@
             <a:fld id="{B79D17D8-68D2-446E-87A0-2D6562C8073F}" type="datetime1">
               <a:rPr lang="it-IT" smtClean="0"/>
               <a:pPr/>
-              <a:t>19/05/2021</a:t>
+              <a:t>20/05/2021</a:t>
             </a:fld>
             <a:endParaRPr lang="it-IT" dirty="0"/>
           </a:p>
@@ -12222,7 +12222,7 @@
             <a:fld id="{2CC7AD1E-A15F-4D65-9E34-06DC5079DC1A}" type="datetime1">
               <a:rPr lang="it-IT" smtClean="0"/>
               <a:pPr/>
-              <a:t>19/05/2021</a:t>
+              <a:t>20/05/2021</a:t>
             </a:fld>
             <a:endParaRPr lang="it-IT" dirty="0"/>
           </a:p>
@@ -12411,7 +12411,7 @@
             <a:fld id="{5DDD6FC7-94FB-49FD-9E96-34996EEF0D27}" type="datetime1">
               <a:rPr lang="it-IT" smtClean="0"/>
               <a:pPr/>
-              <a:t>19/05/2021</a:t>
+              <a:t>20/05/2021</a:t>
             </a:fld>
             <a:endParaRPr lang="it-IT" dirty="0"/>
           </a:p>
@@ -12566,7 +12566,7 @@
             <a:fld id="{3D229277-2975-4D5A-9A7B-43F78A804847}" type="datetime1">
               <a:rPr lang="it-IT" smtClean="0"/>
               <a:pPr/>
-              <a:t>19/05/2021</a:t>
+              <a:t>20/05/2021</a:t>
             </a:fld>
             <a:endParaRPr lang="it-IT" dirty="0"/>
           </a:p>
@@ -12887,7 +12887,7 @@
             <a:fld id="{278D3AD8-0B53-46CB-983C-0C8ACB1B11C7}" type="datetime1">
               <a:rPr lang="it-IT" smtClean="0"/>
               <a:pPr/>
-              <a:t>19/05/2021</a:t>
+              <a:t>20/05/2021</a:t>
             </a:fld>
             <a:endParaRPr lang="it-IT" dirty="0"/>
           </a:p>
@@ -13441,7 +13441,7 @@
             <a:fld id="{C110D783-DB46-4E30-A2B2-B6F993D85061}" type="datetime1">
               <a:rPr lang="it-IT" smtClean="0"/>
               <a:pPr/>
-              <a:t>19/05/2021</a:t>
+              <a:t>20/05/2021</a:t>
             </a:fld>
             <a:endParaRPr lang="it-IT" dirty="0"/>
           </a:p>
@@ -13997,7 +13997,7 @@
             </a:br>
             <a:r>
               <a:rPr lang="en-US" sz="4400" dirty="0"/>
-              <a:t>I_4.0_6 Internet of things + I_4.0_5 Horizontal/vertical integration</a:t>
+              <a:t>I_4.0_6 Internet of Things + I_4.0_5 Horizontal/Vertical Integration</a:t>
             </a:r>
             <a:endParaRPr lang="it-IT" sz="4400" dirty="0"/>
           </a:p>
@@ -15546,6 +15546,33 @@
           <a:bodyPr/>
           <a:lstStyle/>
           <a:p>
+            <a:pPr marL="0" indent="0">
+              <a:buNone/>
+            </a:pPr>
+            <a:r>
+              <a:rPr lang="it-IT" dirty="0"/>
+              <a:t>Lo scopo di questo lavoro è stato l’analizzare dei dati al fine di cercare, ottenere e visualizzare dei trend da noi ritenuti significativi. I dati in questione sono stati presi da … e gli ambiti che sono stati presi in considerazione sono stati quelli dell’Internet of </a:t>
+            </a:r>
+            <a:r>
+              <a:rPr lang="it-IT" dirty="0" err="1"/>
+              <a:t>Things</a:t>
+            </a:r>
+            <a:r>
+              <a:rPr lang="it-IT" dirty="0"/>
+              <a:t> e dell’</a:t>
+            </a:r>
+            <a:r>
+              <a:rPr lang="en-US" sz="2400" dirty="0"/>
+              <a:t> Horizontal/Vertical </a:t>
+            </a:r>
+            <a:r>
+              <a:rPr lang="en-US" dirty="0"/>
+              <a:t>I</a:t>
+            </a:r>
+            <a:r>
+              <a:rPr lang="en-US" sz="2400" dirty="0"/>
+              <a:t>ntegration. </a:t>
+            </a:r>
             <a:endParaRPr lang="it-IT" dirty="0"/>
           </a:p>
         </p:txBody>

--- a/REPORT.pptx
+++ b/REPORT.pptx
@@ -15573,6 +15573,11 @@
               <a:rPr lang="en-US" sz="2400" dirty="0"/>
               <a:t>ntegration. </a:t>
             </a:r>
+          </a:p>
+          <a:p>
+            <a:pPr marL="0" indent="0">
+              <a:buNone/>
+            </a:pPr>
             <a:endParaRPr lang="it-IT" dirty="0"/>
           </a:p>
         </p:txBody>
@@ -16291,13 +16296,22 @@
           </a:xfrm>
         </p:spPr>
         <p:txBody>
-          <a:bodyPr/>
+          <a:bodyPr>
+            <a:normAutofit fontScale="92500"/>
+          </a:bodyPr>
           <a:lstStyle/>
           <a:p>
             <a:pPr algn="just"/>
             <a:r>
               <a:rPr lang="it-IT" dirty="0"/>
               <a:t>Come risultante dall’istogramma, la Toscana è la regione che più di tutte ha investito in progetti inerenti all’integrazione orizzontale/verticale mentre circa la metà delle restanti regioni italiane non ne ha supportato nessuno. </a:t>
+            </a:r>
+          </a:p>
+          <a:p>
+            <a:pPr algn="just"/>
+            <a:r>
+              <a:rPr lang="it-IT" dirty="0"/>
+              <a:t>(cercare di dare spiegazione toscana)</a:t>
             </a:r>
           </a:p>
         </p:txBody>
@@ -17255,8 +17269,28 @@
           <a:p>
             <a:pPr rtl="0"/>
             <a:r>
+              <a:rPr lang="it-IT" dirty="0" err="1"/>
+              <a:t>Sofgetipbsofu</a:t>
+            </a:r>
+            <a:r>
               <a:rPr lang="it-IT" dirty="0"/>
-              <a:t>Aggiungere un titolo di diapositiva - 4</a:t>
+              <a:t> </a:t>
+            </a:r>
+            <a:r>
+              <a:rPr lang="it-IT" dirty="0" err="1"/>
+              <a:t>ywn</a:t>
+            </a:r>
+            <a:r>
+              <a:rPr lang="it-IT" dirty="0"/>
+              <a:t> </a:t>
+            </a:r>
+            <a:r>
+              <a:rPr lang="it-IT" dirty="0" err="1"/>
+              <a:t>pàq</a:t>
+            </a:r>
+            <a:r>
+              <a:rPr lang="it-IT" dirty="0"/>
+              <a:t>- 4</a:t>
             </a:r>
           </a:p>
         </p:txBody>
@@ -18044,12 +18078,12 @@
                     <a:p>
                       <a:pPr algn="l" fontAlgn="b"/>
                       <a:r>
-                        <a:rPr lang="it-IT" sz="1100" u="none" strike="noStrike">
+                        <a:rPr lang="it-IT" sz="1100" u="none" strike="noStrike" dirty="0">
                           <a:effectLst/>
                         </a:rPr>
                         <a:t>SMART</a:t>
                       </a:r>
-                      <a:endParaRPr lang="it-IT" sz="1100" b="0" i="0" u="none" strike="noStrike">
+                      <a:endParaRPr lang="it-IT" sz="1100" b="0" i="0" u="none" strike="noStrike" dirty="0">
                         <a:solidFill>
                           <a:srgbClr val="000000"/>
                         </a:solidFill>
@@ -18698,7 +18732,7 @@
         <p:spPr>
           <a:xfrm>
             <a:off x="1557908" y="1828800"/>
-            <a:ext cx="3024336" cy="646331"/>
+            <a:ext cx="3024336" cy="923330"/>
           </a:xfrm>
           <a:prstGeom prst="rect">
             <a:avLst/>
@@ -18713,7 +18747,7 @@
           <a:p>
             <a:r>
               <a:rPr lang="it-IT" dirty="0"/>
-              <a:t>Industria 4.0</a:t>
+              <a:t>Integrazione orizzontale e verticale</a:t>
             </a:r>
           </a:p>
           <a:p>

--- a/REPORT.pptx
+++ b/REPORT.pptx
@@ -5,10 +5,10 @@
     <p:sldMasterId id="2147483648" r:id="rId1"/>
   </p:sldMasterIdLst>
   <p:notesMasterIdLst>
-    <p:notesMasterId r:id="rId33"/>
+    <p:notesMasterId r:id="rId31"/>
   </p:notesMasterIdLst>
   <p:handoutMasterIdLst>
-    <p:handoutMasterId r:id="rId34"/>
+    <p:handoutMasterId r:id="rId32"/>
   </p:handoutMasterIdLst>
   <p:sldIdLst>
     <p:sldId id="318" r:id="rId2"/>
@@ -17,36 +17,34 @@
     <p:sldId id="364" r:id="rId5"/>
     <p:sldId id="345" r:id="rId6"/>
     <p:sldId id="329" r:id="rId7"/>
-    <p:sldId id="344" r:id="rId8"/>
-    <p:sldId id="348" r:id="rId9"/>
-    <p:sldId id="333" r:id="rId10"/>
-    <p:sldId id="356" r:id="rId11"/>
-    <p:sldId id="357" r:id="rId12"/>
-    <p:sldId id="358" r:id="rId13"/>
-    <p:sldId id="359" r:id="rId14"/>
-    <p:sldId id="360" r:id="rId15"/>
-    <p:sldId id="361" r:id="rId16"/>
-    <p:sldId id="362" r:id="rId17"/>
-    <p:sldId id="349" r:id="rId18"/>
-    <p:sldId id="341" r:id="rId19"/>
-    <p:sldId id="351" r:id="rId20"/>
-    <p:sldId id="350" r:id="rId21"/>
-    <p:sldId id="340" r:id="rId22"/>
-    <p:sldId id="355" r:id="rId23"/>
-    <p:sldId id="354" r:id="rId24"/>
-    <p:sldId id="353" r:id="rId25"/>
-    <p:sldId id="352" r:id="rId26"/>
-    <p:sldId id="339" r:id="rId27"/>
-    <p:sldId id="334" r:id="rId28"/>
-    <p:sldId id="335" r:id="rId29"/>
-    <p:sldId id="336" r:id="rId30"/>
-    <p:sldId id="337" r:id="rId31"/>
-    <p:sldId id="343" r:id="rId32"/>
+    <p:sldId id="333" r:id="rId8"/>
+    <p:sldId id="356" r:id="rId9"/>
+    <p:sldId id="357" r:id="rId10"/>
+    <p:sldId id="358" r:id="rId11"/>
+    <p:sldId id="359" r:id="rId12"/>
+    <p:sldId id="360" r:id="rId13"/>
+    <p:sldId id="361" r:id="rId14"/>
+    <p:sldId id="362" r:id="rId15"/>
+    <p:sldId id="365" r:id="rId16"/>
+    <p:sldId id="341" r:id="rId17"/>
+    <p:sldId id="351" r:id="rId18"/>
+    <p:sldId id="350" r:id="rId19"/>
+    <p:sldId id="340" r:id="rId20"/>
+    <p:sldId id="355" r:id="rId21"/>
+    <p:sldId id="354" r:id="rId22"/>
+    <p:sldId id="353" r:id="rId23"/>
+    <p:sldId id="352" r:id="rId24"/>
+    <p:sldId id="339" r:id="rId25"/>
+    <p:sldId id="334" r:id="rId26"/>
+    <p:sldId id="335" r:id="rId27"/>
+    <p:sldId id="336" r:id="rId28"/>
+    <p:sldId id="337" r:id="rId29"/>
+    <p:sldId id="366" r:id="rId30"/>
   </p:sldIdLst>
   <p:sldSz cx="12188825" cy="6858000"/>
   <p:notesSz cx="6858000" cy="9144000"/>
   <p:custDataLst>
-    <p:tags r:id="rId35"/>
+    <p:tags r:id="rId33"/>
   </p:custDataLst>
   <p:defaultTextStyle>
     <a:defPPr rtl="0">
@@ -154,8 +152,6 @@
             <p14:sldId id="364"/>
             <p14:sldId id="345"/>
             <p14:sldId id="329"/>
-            <p14:sldId id="344"/>
-            <p14:sldId id="348"/>
           </p14:sldIdLst>
         </p14:section>
         <p14:section name="Tempo" id="{4B3F19D2-C1DB-4EF2-B3FB-00C5B7057492}">
@@ -172,7 +168,7 @@
         </p14:section>
         <p14:section name="Settore" id="{0FE97014-DF54-4934-BD39-D1D684BA7DF5}">
           <p14:sldIdLst>
-            <p14:sldId id="349"/>
+            <p14:sldId id="365"/>
             <p14:sldId id="341"/>
             <p14:sldId id="351"/>
             <p14:sldId id="350"/>
@@ -194,7 +190,7 @@
             <p14:sldId id="335"/>
             <p14:sldId id="336"/>
             <p14:sldId id="337"/>
-            <p14:sldId id="343"/>
+            <p14:sldId id="366"/>
           </p14:sldIdLst>
         </p14:section>
       </p14:sectionLst>
@@ -3466,17 +3462,7 @@
     </c:title>
     <c:autoTitleDeleted val="0"/>
     <c:plotArea>
-      <c:layout>
-        <c:manualLayout>
-          <c:layoutTarget val="inner"/>
-          <c:xMode val="edge"/>
-          <c:yMode val="edge"/>
-          <c:x val="5.9671351117173067E-2"/>
-          <c:y val="0.15717968157695222"/>
-          <c:w val="0.80717289082700083"/>
-          <c:h val="0.7027311313151815"/>
-        </c:manualLayout>
-      </c:layout>
+      <c:layout/>
       <c:lineChart>
         <c:grouping val="standard"/>
         <c:varyColors val="0"/>
@@ -3520,7 +3506,7 @@
           </c:marker>
           <c:trendline>
             <c:spPr>
-              <a:ln w="28575" cap="rnd">
+              <a:ln w="19050" cap="rnd">
                 <a:solidFill>
                   <a:srgbClr val="F0932C"/>
                 </a:solidFill>
@@ -3534,26 +3520,29 @@
           </c:trendline>
           <c:cat>
             <c:numRef>
-              <c:f>'Analisi finanziamenti tempo'!$A$3:$A$8</c:f>
+              <c:f>'Analisi finanziamenti tempo'!$A$2:$A$8</c:f>
               <c:numCache>
                 <c:formatCode>General</c:formatCode>
-                <c:ptCount val="6"/>
+                <c:ptCount val="7"/>
                 <c:pt idx="0">
+                  <c:v>2014</c:v>
+                </c:pt>
+                <c:pt idx="1">
                   <c:v>2015</c:v>
                 </c:pt>
-                <c:pt idx="1">
+                <c:pt idx="2">
                   <c:v>2016</c:v>
                 </c:pt>
-                <c:pt idx="2">
+                <c:pt idx="3">
                   <c:v>2017</c:v>
                 </c:pt>
-                <c:pt idx="3">
+                <c:pt idx="4">
                   <c:v>2018</c:v>
                 </c:pt>
-                <c:pt idx="4">
+                <c:pt idx="5">
                   <c:v>2019</c:v>
                 </c:pt>
-                <c:pt idx="5">
+                <c:pt idx="6">
                   <c:v>2020</c:v>
                 </c:pt>
               </c:numCache>
@@ -3561,26 +3550,29 @@
           </c:cat>
           <c:val>
             <c:numRef>
-              <c:f>'Analisi finanziamenti tempo'!$F$3:$F$8</c:f>
+              <c:f>'Analisi finanziamenti tempo'!$F$2:$F$8</c:f>
               <c:numCache>
                 <c:formatCode>0</c:formatCode>
-                <c:ptCount val="6"/>
+                <c:ptCount val="7"/>
                 <c:pt idx="0">
+                  <c:v>46.318840579710148</c:v>
+                </c:pt>
+                <c:pt idx="1">
                   <c:v>43.157894736842103</c:v>
                 </c:pt>
-                <c:pt idx="1">
+                <c:pt idx="2">
                   <c:v>32.197820163487741</c:v>
                 </c:pt>
-                <c:pt idx="2">
+                <c:pt idx="3">
                   <c:v>29.325837320574163</c:v>
                 </c:pt>
-                <c:pt idx="3">
+                <c:pt idx="4">
                   <c:v>28.577954735959764</c:v>
                 </c:pt>
-                <c:pt idx="4">
+                <c:pt idx="5">
                   <c:v>26.501546619531595</c:v>
                 </c:pt>
-                <c:pt idx="5">
+                <c:pt idx="6">
                   <c:v>15.480038948393378</c:v>
                 </c:pt>
               </c:numCache>
@@ -3589,7 +3581,7 @@
           <c:smooth val="0"/>
           <c:extLst>
             <c:ext xmlns:c16="http://schemas.microsoft.com/office/drawing/2014/chart" uri="{C3380CC4-5D6E-409C-BE32-E72D297353CC}">
-              <c16:uniqueId val="{00000001-38AB-4610-86B1-26F8BE43122B}"/>
+              <c16:uniqueId val="{00000001-F8DA-4B2C-B90E-F6C8787F6D7E}"/>
             </c:ext>
           </c:extLst>
         </c:ser>
@@ -3649,7 +3641,7 @@
           </c:marker>
           <c:trendline>
             <c:spPr>
-              <a:ln w="28575" cap="rnd">
+              <a:ln w="19050" cap="rnd">
                 <a:solidFill>
                   <a:srgbClr val="0070C0"/>
                 </a:solidFill>
@@ -3718,7 +3710,7 @@
           <c:smooth val="0"/>
           <c:extLst>
             <c:ext xmlns:c16="http://schemas.microsoft.com/office/drawing/2014/chart" uri="{C3380CC4-5D6E-409C-BE32-E72D297353CC}">
-              <c16:uniqueId val="{00000003-38AB-4610-86B1-26F8BE43122B}"/>
+              <c16:uniqueId val="{00000003-F8DA-4B2C-B90E-F6C8787F6D7E}"/>
             </c:ext>
           </c:extLst>
         </c:ser>
@@ -7281,34 +7273,6 @@
 </cs:chartStyle>
 </file>
 
-<file path=ppt/comments/comment1.xml><?xml version="1.0" encoding="utf-8"?>
-<p:cmLst xmlns:a="http://schemas.openxmlformats.org/drawingml/2006/main" xmlns:r="http://schemas.openxmlformats.org/officeDocument/2006/relationships" xmlns:p="http://schemas.openxmlformats.org/presentationml/2006/main">
-  <p:cm authorId="1" dt="2021-05-22T10:25:36.994" idx="1">
-    <p:pos x="7228" y="2920"/>
-    <p:text>non ricordo quali campi</p:text>
-    <p:extLst>
-      <p:ext uri="{C676402C-5697-4E1C-873F-D02D1690AC5C}">
-        <p15:threadingInfo xmlns:p15="http://schemas.microsoft.com/office/powerpoint/2012/main" timeZoneBias="-120"/>
-      </p:ext>
-    </p:extLst>
-  </p:cm>
-</p:cmLst>
-</file>
-
-<file path=ppt/comments/comment2.xml><?xml version="1.0" encoding="utf-8"?>
-<p:cmLst xmlns:a="http://schemas.openxmlformats.org/drawingml/2006/main" xmlns:r="http://schemas.openxmlformats.org/officeDocument/2006/relationships" xmlns:p="http://schemas.openxmlformats.org/presentationml/2006/main">
-  <p:cm authorId="1" dt="2021-05-22T11:34:15.774" idx="3">
-    <p:pos x="1960" y="239"/>
-    <p:text>che ci andrebbe qui?</p:text>
-    <p:extLst>
-      <p:ext uri="{C676402C-5697-4E1C-873F-D02D1690AC5C}">
-        <p15:threadingInfo xmlns:p15="http://schemas.microsoft.com/office/powerpoint/2012/main" timeZoneBias="-120"/>
-      </p:ext>
-    </p:extLst>
-  </p:cm>
-</p:cmLst>
-</file>
-
 <file path=ppt/handoutMasters/handoutMaster1.xml><?xml version="1.0" encoding="utf-8"?>
 <p:handoutMaster xmlns:a="http://schemas.openxmlformats.org/drawingml/2006/main" xmlns:r="http://schemas.openxmlformats.org/officeDocument/2006/relationships" xmlns:p="http://schemas.openxmlformats.org/presentationml/2006/main">
   <p:cSld>
@@ -7393,7 +7357,7 @@
             <a:pPr rtl="0"/>
             <a:fld id="{B0F83D96-5C9C-4534-86B5-5649DB8A678D}" type="datetime1">
               <a:rPr lang="it-IT" smtClean="0"/>
-              <a:t>22/05/2021</a:t>
+              <a:t>23/05/2021</a:t>
             </a:fld>
             <a:endParaRPr lang="it-IT" dirty="0"/>
           </a:p>
@@ -7562,7 +7526,7 @@
             <a:fld id="{9DCB9B24-3351-4DE4-82DB-35F58E80D7CC}" type="datetime1">
               <a:rPr lang="it-IT" smtClean="0"/>
               <a:pPr/>
-              <a:t>22/05/2021</a:t>
+              <a:t>23/05/2021</a:t>
             </a:fld>
             <a:endParaRPr lang="it-IT" dirty="0"/>
           </a:p>
@@ -7983,7 +7947,7 @@
             <a:pPr rtl="0"/>
             <a:fld id="{F93199CD-3E1B-4AE6-990F-76F925F5EA9F}" type="slidenum">
               <a:rPr lang="it-IT" smtClean="0"/>
-              <a:t>29</a:t>
+              <a:t>26</a:t>
             </a:fld>
             <a:endParaRPr lang="it-IT" dirty="0"/>
           </a:p>
@@ -7992,7 +7956,7 @@
     </p:spTree>
     <p:extLst>
       <p:ext uri="{BB962C8B-B14F-4D97-AF65-F5344CB8AC3E}">
-        <p14:creationId xmlns:p14="http://schemas.microsoft.com/office/powerpoint/2010/main" val="1890683736"/>
+        <p14:creationId xmlns:p14="http://schemas.microsoft.com/office/powerpoint/2010/main" val="3599715132"/>
       </p:ext>
     </p:extLst>
   </p:cSld>
@@ -8068,7 +8032,92 @@
             <a:pPr rtl="0"/>
             <a:fld id="{F93199CD-3E1B-4AE6-990F-76F925F5EA9F}" type="slidenum">
               <a:rPr lang="it-IT" smtClean="0"/>
-              <a:t>30</a:t>
+              <a:t>27</a:t>
+            </a:fld>
+            <a:endParaRPr lang="it-IT" dirty="0"/>
+          </a:p>
+        </p:txBody>
+      </p:sp>
+    </p:spTree>
+    <p:extLst>
+      <p:ext uri="{BB962C8B-B14F-4D97-AF65-F5344CB8AC3E}">
+        <p14:creationId xmlns:p14="http://schemas.microsoft.com/office/powerpoint/2010/main" val="1890683736"/>
+      </p:ext>
+    </p:extLst>
+  </p:cSld>
+  <p:clrMapOvr>
+    <a:masterClrMapping/>
+  </p:clrMapOvr>
+</p:notes>
+</file>
+
+<file path=ppt/notesSlides/notesSlide12.xml><?xml version="1.0" encoding="utf-8"?>
+<p:notes xmlns:a="http://schemas.openxmlformats.org/drawingml/2006/main" xmlns:r="http://schemas.openxmlformats.org/officeDocument/2006/relationships" xmlns:p="http://schemas.openxmlformats.org/presentationml/2006/main">
+  <p:cSld>
+    <p:spTree>
+      <p:nvGrpSpPr>
+        <p:cNvPr id="1" name=""/>
+        <p:cNvGrpSpPr/>
+        <p:nvPr/>
+      </p:nvGrpSpPr>
+      <p:grpSpPr>
+        <a:xfrm>
+          <a:off x="0" y="0"/>
+          <a:ext cx="0" cy="0"/>
+          <a:chOff x="0" y="0"/>
+          <a:chExt cx="0" cy="0"/>
+        </a:xfrm>
+      </p:grpSpPr>
+      <p:sp>
+        <p:nvSpPr>
+          <p:cNvPr id="2" name="Segnaposto immagine diapositiva 1"/>
+          <p:cNvSpPr>
+            <a:spLocks noGrp="1" noRot="1" noChangeAspect="1"/>
+          </p:cNvSpPr>
+          <p:nvPr>
+            <p:ph type="sldImg"/>
+          </p:nvPr>
+        </p:nvSpPr>
+        <p:spPr/>
+      </p:sp>
+      <p:sp>
+        <p:nvSpPr>
+          <p:cNvPr id="3" name="Segnaposto note 2"/>
+          <p:cNvSpPr>
+            <a:spLocks noGrp="1"/>
+          </p:cNvSpPr>
+          <p:nvPr>
+            <p:ph type="body" idx="1"/>
+          </p:nvPr>
+        </p:nvSpPr>
+        <p:spPr/>
+        <p:txBody>
+          <a:bodyPr/>
+          <a:lstStyle/>
+          <a:p>
+            <a:endParaRPr lang="it-IT"/>
+          </a:p>
+        </p:txBody>
+      </p:sp>
+      <p:sp>
+        <p:nvSpPr>
+          <p:cNvPr id="4" name="Segnaposto numero diapositiva 3"/>
+          <p:cNvSpPr>
+            <a:spLocks noGrp="1"/>
+          </p:cNvSpPr>
+          <p:nvPr>
+            <p:ph type="sldNum" sz="quarter" idx="10"/>
+          </p:nvPr>
+        </p:nvSpPr>
+        <p:spPr/>
+        <p:txBody>
+          <a:bodyPr/>
+          <a:lstStyle/>
+          <a:p>
+            <a:pPr rtl="0"/>
+            <a:fld id="{F93199CD-3E1B-4AE6-990F-76F925F5EA9F}" type="slidenum">
+              <a:rPr lang="it-IT" smtClean="0"/>
+              <a:t>28</a:t>
             </a:fld>
             <a:endParaRPr lang="it-IT" dirty="0"/>
           </a:p>
@@ -8238,7 +8287,7 @@
             <a:pPr rtl="0"/>
             <a:fld id="{F93199CD-3E1B-4AE6-990F-76F925F5EA9F}" type="slidenum">
               <a:rPr lang="it-IT" smtClean="0"/>
-              <a:t>9</a:t>
+              <a:t>7</a:t>
             </a:fld>
             <a:endParaRPr lang="it-IT" dirty="0"/>
           </a:p>
@@ -8323,7 +8372,7 @@
             <a:pPr rtl="0"/>
             <a:fld id="{F93199CD-3E1B-4AE6-990F-76F925F5EA9F}" type="slidenum">
               <a:rPr lang="it-IT" smtClean="0"/>
-              <a:t>18</a:t>
+              <a:t>15</a:t>
             </a:fld>
             <a:endParaRPr lang="it-IT" dirty="0"/>
           </a:p>
@@ -8332,7 +8381,7 @@
     </p:spTree>
     <p:extLst>
       <p:ext uri="{BB962C8B-B14F-4D97-AF65-F5344CB8AC3E}">
-        <p14:creationId xmlns:p14="http://schemas.microsoft.com/office/powerpoint/2010/main" val="2545075597"/>
+        <p14:creationId xmlns:p14="http://schemas.microsoft.com/office/powerpoint/2010/main" val="3214371487"/>
       </p:ext>
     </p:extLst>
   </p:cSld>
@@ -8408,7 +8457,7 @@
             <a:pPr rtl="0"/>
             <a:fld id="{F93199CD-3E1B-4AE6-990F-76F925F5EA9F}" type="slidenum">
               <a:rPr lang="it-IT" smtClean="0"/>
-              <a:t>20</a:t>
+              <a:t>16</a:t>
             </a:fld>
             <a:endParaRPr lang="it-IT" dirty="0"/>
           </a:p>
@@ -8417,7 +8466,7 @@
     </p:spTree>
     <p:extLst>
       <p:ext uri="{BB962C8B-B14F-4D97-AF65-F5344CB8AC3E}">
-        <p14:creationId xmlns:p14="http://schemas.microsoft.com/office/powerpoint/2010/main" val="3984665284"/>
+        <p14:creationId xmlns:p14="http://schemas.microsoft.com/office/powerpoint/2010/main" val="2545075597"/>
       </p:ext>
     </p:extLst>
   </p:cSld>
@@ -8493,7 +8542,7 @@
             <a:pPr rtl="0"/>
             <a:fld id="{F93199CD-3E1B-4AE6-990F-76F925F5EA9F}" type="slidenum">
               <a:rPr lang="it-IT" smtClean="0"/>
-              <a:t>21</a:t>
+              <a:t>18</a:t>
             </a:fld>
             <a:endParaRPr lang="it-IT" dirty="0"/>
           </a:p>
@@ -8502,7 +8551,7 @@
     </p:spTree>
     <p:extLst>
       <p:ext uri="{BB962C8B-B14F-4D97-AF65-F5344CB8AC3E}">
-        <p14:creationId xmlns:p14="http://schemas.microsoft.com/office/powerpoint/2010/main" val="1781497661"/>
+        <p14:creationId xmlns:p14="http://schemas.microsoft.com/office/powerpoint/2010/main" val="3984665284"/>
       </p:ext>
     </p:extLst>
   </p:cSld>
@@ -8578,7 +8627,7 @@
             <a:pPr rtl="0"/>
             <a:fld id="{F93199CD-3E1B-4AE6-990F-76F925F5EA9F}" type="slidenum">
               <a:rPr lang="it-IT" smtClean="0"/>
-              <a:t>26</a:t>
+              <a:t>19</a:t>
             </a:fld>
             <a:endParaRPr lang="it-IT" dirty="0"/>
           </a:p>
@@ -8587,7 +8636,7 @@
     </p:spTree>
     <p:extLst>
       <p:ext uri="{BB962C8B-B14F-4D97-AF65-F5344CB8AC3E}">
-        <p14:creationId xmlns:p14="http://schemas.microsoft.com/office/powerpoint/2010/main" val="669888853"/>
+        <p14:creationId xmlns:p14="http://schemas.microsoft.com/office/powerpoint/2010/main" val="1781497661"/>
       </p:ext>
     </p:extLst>
   </p:cSld>
@@ -8663,7 +8712,7 @@
             <a:pPr rtl="0"/>
             <a:fld id="{F93199CD-3E1B-4AE6-990F-76F925F5EA9F}" type="slidenum">
               <a:rPr lang="it-IT" smtClean="0"/>
-              <a:t>27</a:t>
+              <a:t>24</a:t>
             </a:fld>
             <a:endParaRPr lang="it-IT" dirty="0"/>
           </a:p>
@@ -8672,7 +8721,7 @@
     </p:spTree>
     <p:extLst>
       <p:ext uri="{BB962C8B-B14F-4D97-AF65-F5344CB8AC3E}">
-        <p14:creationId xmlns:p14="http://schemas.microsoft.com/office/powerpoint/2010/main" val="505269775"/>
+        <p14:creationId xmlns:p14="http://schemas.microsoft.com/office/powerpoint/2010/main" val="669888853"/>
       </p:ext>
     </p:extLst>
   </p:cSld>
@@ -8748,7 +8797,7 @@
             <a:pPr rtl="0"/>
             <a:fld id="{F93199CD-3E1B-4AE6-990F-76F925F5EA9F}" type="slidenum">
               <a:rPr lang="it-IT" smtClean="0"/>
-              <a:t>28</a:t>
+              <a:t>25</a:t>
             </a:fld>
             <a:endParaRPr lang="it-IT" dirty="0"/>
           </a:p>
@@ -8757,7 +8806,7 @@
     </p:spTree>
     <p:extLst>
       <p:ext uri="{BB962C8B-B14F-4D97-AF65-F5344CB8AC3E}">
-        <p14:creationId xmlns:p14="http://schemas.microsoft.com/office/powerpoint/2010/main" val="3599715132"/>
+        <p14:creationId xmlns:p14="http://schemas.microsoft.com/office/powerpoint/2010/main" val="505269775"/>
       </p:ext>
     </p:extLst>
   </p:cSld>
@@ -9264,7 +9313,7 @@
             <a:fld id="{B47E2BE2-C2B3-4B55-8A92-AABDC382E8E6}" type="datetime1">
               <a:rPr lang="it-IT" smtClean="0"/>
               <a:pPr/>
-              <a:t>22/05/2021</a:t>
+              <a:t>23/05/2021</a:t>
             </a:fld>
             <a:endParaRPr lang="it-IT" dirty="0"/>
           </a:p>
@@ -9477,7 +9526,7 @@
             <a:fld id="{13B0A373-E355-43F7-825A-91B793E35BAE}" type="datetime1">
               <a:rPr lang="it-IT" smtClean="0"/>
               <a:pPr/>
-              <a:t>22/05/2021</a:t>
+              <a:t>23/05/2021</a:t>
             </a:fld>
             <a:endParaRPr lang="it-IT" dirty="0"/>
           </a:p>
@@ -9718,7 +9767,7 @@
             <a:fld id="{023992EC-44DB-4793-BACF-64A780A8628B}" type="datetime1">
               <a:rPr lang="it-IT" smtClean="0"/>
               <a:pPr/>
-              <a:t>22/05/2021</a:t>
+              <a:t>23/05/2021</a:t>
             </a:fld>
             <a:endParaRPr lang="it-IT" dirty="0"/>
           </a:p>
@@ -10142,7 +10191,7 @@
             <a:fld id="{A47277E1-7621-4FF5-8428-BC5024298335}" type="datetime1">
               <a:rPr lang="it-IT" smtClean="0"/>
               <a:pPr/>
-              <a:t>22/05/2021</a:t>
+              <a:t>23/05/2021</a:t>
             </a:fld>
             <a:endParaRPr lang="it-IT" dirty="0"/>
           </a:p>
@@ -10510,7 +10559,7 @@
             <a:fld id="{B79D17D8-68D2-446E-87A0-2D6562C8073F}" type="datetime1">
               <a:rPr lang="it-IT" smtClean="0"/>
               <a:pPr/>
-              <a:t>22/05/2021</a:t>
+              <a:t>23/05/2021</a:t>
             </a:fld>
             <a:endParaRPr lang="it-IT" dirty="0"/>
           </a:p>
@@ -11026,7 +11075,7 @@
             <a:fld id="{2CC7AD1E-A15F-4D65-9E34-06DC5079DC1A}" type="datetime1">
               <a:rPr lang="it-IT" smtClean="0"/>
               <a:pPr/>
-              <a:t>22/05/2021</a:t>
+              <a:t>23/05/2021</a:t>
             </a:fld>
             <a:endParaRPr lang="it-IT" dirty="0"/>
           </a:p>
@@ -11215,7 +11264,7 @@
             <a:fld id="{5DDD6FC7-94FB-49FD-9E96-34996EEF0D27}" type="datetime1">
               <a:rPr lang="it-IT" smtClean="0"/>
               <a:pPr/>
-              <a:t>22/05/2021</a:t>
+              <a:t>23/05/2021</a:t>
             </a:fld>
             <a:endParaRPr lang="it-IT" dirty="0"/>
           </a:p>
@@ -11370,7 +11419,7 @@
             <a:fld id="{3D229277-2975-4D5A-9A7B-43F78A804847}" type="datetime1">
               <a:rPr lang="it-IT" smtClean="0"/>
               <a:pPr/>
-              <a:t>22/05/2021</a:t>
+              <a:t>23/05/2021</a:t>
             </a:fld>
             <a:endParaRPr lang="it-IT" dirty="0"/>
           </a:p>
@@ -11691,7 +11740,7 @@
             <a:fld id="{278D3AD8-0B53-46CB-983C-0C8ACB1B11C7}" type="datetime1">
               <a:rPr lang="it-IT" smtClean="0"/>
               <a:pPr/>
-              <a:t>22/05/2021</a:t>
+              <a:t>23/05/2021</a:t>
             </a:fld>
             <a:endParaRPr lang="it-IT" dirty="0"/>
           </a:p>
@@ -12245,7 +12294,7 @@
             <a:fld id="{C110D783-DB46-4E30-A2B2-B6F993D85061}" type="datetime1">
               <a:rPr lang="it-IT" smtClean="0"/>
               <a:pPr/>
-              <a:t>22/05/2021</a:t>
+              <a:t>23/05/2021</a:t>
             </a:fld>
             <a:endParaRPr lang="it-IT" dirty="0"/>
           </a:p>
@@ -12919,290 +12968,6 @@
       </p:grpSpPr>
       <p:sp>
         <p:nvSpPr>
-          <p:cNvPr id="4" name="Titolo 3">
-            <a:extLst>
-              <a:ext uri="{FF2B5EF4-FFF2-40B4-BE49-F238E27FC236}">
-                <a16:creationId xmlns:a16="http://schemas.microsoft.com/office/drawing/2014/main" id="{4EACF5E1-CD76-42F7-A120-8EB883AAE543}"/>
-              </a:ext>
-            </a:extLst>
-          </p:cNvPr>
-          <p:cNvSpPr>
-            <a:spLocks noGrp="1"/>
-          </p:cNvSpPr>
-          <p:nvPr>
-            <p:ph type="title"/>
-          </p:nvPr>
-        </p:nvSpPr>
-        <p:spPr/>
-        <p:txBody>
-          <a:bodyPr/>
-          <a:lstStyle/>
-          <a:p>
-            <a:r>
-              <a:rPr lang="it-IT" dirty="0"/>
-              <a:t>Analisi dell’Industria 4.0</a:t>
-            </a:r>
-          </a:p>
-        </p:txBody>
-      </p:sp>
-      <p:sp>
-        <p:nvSpPr>
-          <p:cNvPr id="5" name="Segnaposto contenuto 4">
-            <a:extLst>
-              <a:ext uri="{FF2B5EF4-FFF2-40B4-BE49-F238E27FC236}">
-                <a16:creationId xmlns:a16="http://schemas.microsoft.com/office/drawing/2014/main" id="{371A14BD-CAAA-4B4B-92C6-AFEED6A454A1}"/>
-              </a:ext>
-            </a:extLst>
-          </p:cNvPr>
-          <p:cNvSpPr>
-            <a:spLocks noGrp="1"/>
-          </p:cNvSpPr>
-          <p:nvPr>
-            <p:ph idx="1"/>
-          </p:nvPr>
-        </p:nvSpPr>
-        <p:spPr/>
-        <p:txBody>
-          <a:bodyPr/>
-          <a:lstStyle/>
-          <a:p>
-            <a:r>
-              <a:rPr lang="it-IT" dirty="0"/>
-              <a:t>Nella seguente sezione si intende illustrare le informazioni ricavate dall’analisi dei progetti in termini di:</a:t>
-            </a:r>
-          </a:p>
-          <a:p>
-            <a:endParaRPr lang="it-IT" dirty="0"/>
-          </a:p>
-          <a:p>
-            <a:pPr lvl="1"/>
-            <a:r>
-              <a:rPr lang="it-IT" dirty="0"/>
-              <a:t>Tasso di creazione di nuovi progetti rispetto all’anno</a:t>
-            </a:r>
-          </a:p>
-          <a:p>
-            <a:pPr lvl="1"/>
-            <a:r>
-              <a:rPr lang="it-IT" dirty="0"/>
-              <a:t>Tasso di conclusione dei progetti al 2020 rispetto all’anno di avvio</a:t>
-            </a:r>
-          </a:p>
-          <a:p>
-            <a:pPr lvl="1"/>
-            <a:r>
-              <a:rPr lang="it-IT" dirty="0"/>
-              <a:t>Evoluzione della durata media dei progetti nel corso degli anni</a:t>
-            </a:r>
-          </a:p>
-          <a:p>
-            <a:pPr lvl="1"/>
-            <a:r>
-              <a:rPr lang="it-IT" dirty="0"/>
-              <a:t>Evoluzione dei finanziamenti erogati rispetto al tempo</a:t>
-            </a:r>
-          </a:p>
-        </p:txBody>
-      </p:sp>
-    </p:spTree>
-    <p:extLst>
-      <p:ext uri="{BB962C8B-B14F-4D97-AF65-F5344CB8AC3E}">
-        <p14:creationId xmlns:p14="http://schemas.microsoft.com/office/powerpoint/2010/main" val="3901753626"/>
-      </p:ext>
-    </p:extLst>
-  </p:cSld>
-  <p:clrMapOvr>
-    <a:masterClrMapping/>
-  </p:clrMapOvr>
-  <mc:AlternateContent xmlns:mc="http://schemas.openxmlformats.org/markup-compatibility/2006" xmlns:p14="http://schemas.microsoft.com/office/powerpoint/2010/main">
-    <mc:Choice Requires="p14">
-      <p:transition spd="med" p14:dur="700">
-        <p:fade/>
-      </p:transition>
-    </mc:Choice>
-    <mc:Fallback xmlns="">
-      <p:transition spd="med">
-        <p:fade/>
-      </p:transition>
-    </mc:Fallback>
-  </mc:AlternateContent>
-</p:sld>
-</file>
-
-<file path=ppt/slides/slide11.xml><?xml version="1.0" encoding="utf-8"?>
-<p:sld xmlns:a="http://schemas.openxmlformats.org/drawingml/2006/main" xmlns:r="http://schemas.openxmlformats.org/officeDocument/2006/relationships" xmlns:p="http://schemas.openxmlformats.org/presentationml/2006/main">
-  <p:cSld>
-    <p:spTree>
-      <p:nvGrpSpPr>
-        <p:cNvPr id="1" name=""/>
-        <p:cNvGrpSpPr/>
-        <p:nvPr/>
-      </p:nvGrpSpPr>
-      <p:grpSpPr>
-        <a:xfrm>
-          <a:off x="0" y="0"/>
-          <a:ext cx="0" cy="0"/>
-          <a:chOff x="0" y="0"/>
-          <a:chExt cx="0" cy="0"/>
-        </a:xfrm>
-      </p:grpSpPr>
-      <p:sp>
-        <p:nvSpPr>
-          <p:cNvPr id="5" name="Titolo 4">
-            <a:extLst>
-              <a:ext uri="{FF2B5EF4-FFF2-40B4-BE49-F238E27FC236}">
-                <a16:creationId xmlns:a16="http://schemas.microsoft.com/office/drawing/2014/main" id="{0AB28BAB-FDC5-48ED-9558-9680A870AFCA}"/>
-              </a:ext>
-            </a:extLst>
-          </p:cNvPr>
-          <p:cNvSpPr>
-            <a:spLocks noGrp="1"/>
-          </p:cNvSpPr>
-          <p:nvPr>
-            <p:ph type="title"/>
-          </p:nvPr>
-        </p:nvSpPr>
-        <p:spPr>
-          <a:xfrm>
-            <a:off x="1522415" y="908720"/>
-            <a:ext cx="9829798" cy="683612"/>
-          </a:xfrm>
-        </p:spPr>
-        <p:txBody>
-          <a:bodyPr>
-            <a:normAutofit/>
-          </a:bodyPr>
-          <a:lstStyle/>
-          <a:p>
-            <a:r>
-              <a:rPr lang="it-IT" sz="2800" dirty="0"/>
-              <a:t>Numero di progetti avviati</a:t>
-            </a:r>
-          </a:p>
-        </p:txBody>
-      </p:sp>
-      <p:sp>
-        <p:nvSpPr>
-          <p:cNvPr id="6" name="Segnaposto contenuto 5">
-            <a:extLst>
-              <a:ext uri="{FF2B5EF4-FFF2-40B4-BE49-F238E27FC236}">
-                <a16:creationId xmlns:a16="http://schemas.microsoft.com/office/drawing/2014/main" id="{6B57D472-77CB-40D4-AC51-2AF4B3F64341}"/>
-              </a:ext>
-            </a:extLst>
-          </p:cNvPr>
-          <p:cNvSpPr>
-            <a:spLocks noGrp="1"/>
-          </p:cNvSpPr>
-          <p:nvPr>
-            <p:ph sz="half" idx="1"/>
-          </p:nvPr>
-        </p:nvSpPr>
-        <p:spPr>
-          <a:xfrm>
-            <a:off x="1488168" y="2047310"/>
-            <a:ext cx="4102188" cy="4187952"/>
-          </a:xfrm>
-        </p:spPr>
-        <p:txBody>
-          <a:bodyPr>
-            <a:normAutofit/>
-          </a:bodyPr>
-          <a:lstStyle/>
-          <a:p>
-            <a:r>
-              <a:rPr lang="it-IT" sz="2000" dirty="0"/>
-              <a:t>Dai dati ricavati si può riscontrare un generale trend di crescita del numero di progetti avviati, con un picco evidente nel biennio 2017-2018</a:t>
-            </a:r>
-          </a:p>
-          <a:p>
-            <a:endParaRPr lang="it-IT" sz="2000" dirty="0"/>
-          </a:p>
-          <a:p>
-            <a:r>
-              <a:rPr lang="it-IT" sz="2000" dirty="0"/>
-              <a:t>(fornire spiegazione per il picco)</a:t>
-            </a:r>
-          </a:p>
-          <a:p>
-            <a:endParaRPr lang="it-IT" sz="2000" dirty="0"/>
-          </a:p>
-        </p:txBody>
-      </p:sp>
-      <p:graphicFrame>
-        <p:nvGraphicFramePr>
-          <p:cNvPr id="11" name="Segnaposto contenuto 10">
-            <a:extLst>
-              <a:ext uri="{FF2B5EF4-FFF2-40B4-BE49-F238E27FC236}">
-                <a16:creationId xmlns:a16="http://schemas.microsoft.com/office/drawing/2014/main" id="{5A8A18A8-4E13-4100-825E-5AB8F38D9728}"/>
-              </a:ext>
-            </a:extLst>
-          </p:cNvPr>
-          <p:cNvGraphicFramePr>
-            <a:graphicFrameLocks noGrp="1"/>
-          </p:cNvGraphicFramePr>
-          <p:nvPr>
-            <p:ph sz="half" idx="2"/>
-            <p:extLst>
-              <p:ext uri="{D42A27DB-BD31-4B8C-83A1-F6EECF244321}">
-                <p14:modId xmlns:p14="http://schemas.microsoft.com/office/powerpoint/2010/main" val="668355586"/>
-              </p:ext>
-            </p:extLst>
-          </p:nvPr>
-        </p:nvGraphicFramePr>
-        <p:xfrm>
-          <a:off x="6310436" y="1844825"/>
-          <a:ext cx="5041777" cy="4327376"/>
-        </p:xfrm>
-        <a:graphic>
-          <a:graphicData uri="http://schemas.openxmlformats.org/drawingml/2006/chart">
-            <c:chart xmlns:c="http://schemas.openxmlformats.org/drawingml/2006/chart" xmlns:r="http://schemas.openxmlformats.org/officeDocument/2006/relationships" r:id="rId2"/>
-          </a:graphicData>
-        </a:graphic>
-      </p:graphicFrame>
-    </p:spTree>
-    <p:extLst>
-      <p:ext uri="{BB962C8B-B14F-4D97-AF65-F5344CB8AC3E}">
-        <p14:creationId xmlns:p14="http://schemas.microsoft.com/office/powerpoint/2010/main" val="3516379750"/>
-      </p:ext>
-    </p:extLst>
-  </p:cSld>
-  <p:clrMapOvr>
-    <a:masterClrMapping/>
-  </p:clrMapOvr>
-  <mc:AlternateContent xmlns:mc="http://schemas.openxmlformats.org/markup-compatibility/2006" xmlns:p14="http://schemas.microsoft.com/office/powerpoint/2010/main">
-    <mc:Choice Requires="p14">
-      <p:transition spd="med" p14:dur="700">
-        <p:fade/>
-      </p:transition>
-    </mc:Choice>
-    <mc:Fallback xmlns="">
-      <p:transition spd="med">
-        <p:fade/>
-      </p:transition>
-    </mc:Fallback>
-  </mc:AlternateContent>
-</p:sld>
-</file>
-
-<file path=ppt/slides/slide12.xml><?xml version="1.0" encoding="utf-8"?>
-<p:sld xmlns:a="http://schemas.openxmlformats.org/drawingml/2006/main" xmlns:r="http://schemas.openxmlformats.org/officeDocument/2006/relationships" xmlns:p="http://schemas.openxmlformats.org/presentationml/2006/main">
-  <p:cSld>
-    <p:spTree>
-      <p:nvGrpSpPr>
-        <p:cNvPr id="1" name=""/>
-        <p:cNvGrpSpPr/>
-        <p:nvPr/>
-      </p:nvGrpSpPr>
-      <p:grpSpPr>
-        <a:xfrm>
-          <a:off x="0" y="0"/>
-          <a:ext cx="0" cy="0"/>
-          <a:chOff x="0" y="0"/>
-          <a:chExt cx="0" cy="0"/>
-        </a:xfrm>
-      </p:grpSpPr>
-      <p:sp>
-        <p:nvSpPr>
           <p:cNvPr id="2" name="Titolo 1">
             <a:extLst>
               <a:ext uri="{FF2B5EF4-FFF2-40B4-BE49-F238E27FC236}">
@@ -13264,12 +13029,14 @@
           </a:bodyPr>
           <a:lstStyle/>
           <a:p>
+            <a:pPr algn="just"/>
             <a:r>
               <a:rPr lang="it-IT" sz="2000" dirty="0"/>
               <a:t>E’ interessante notare come la durata media prevista all’avvio dei progetti cala nel corso degli anni, più che dimezzatasi tra il 2014 e il 2020</a:t>
             </a:r>
           </a:p>
           <a:p>
+            <a:pPr algn="just"/>
             <a:r>
               <a:rPr lang="it-IT" sz="2000" dirty="0"/>
               <a:t>Emerge dunque una tendenza allo sviluppo di progetti con durata sempre minore; è questo legato alla capacità dei progetti più brevi di avere un tasso di conclusione superiore? 	   Ovvero, al diminuire della durata media dei progetti, entro la data di rilevamento (2020) ci si aspetta che i progetti lunghi, avviati prima, e i progetti brevi, avviati successivamente, in generale abbiano una percentuale di conclusione simile</a:t>
@@ -13333,7 +13100,7 @@
 </p:sld>
 </file>
 
-<file path=ppt/slides/slide13.xml><?xml version="1.0" encoding="utf-8"?>
+<file path=ppt/slides/slide11.xml><?xml version="1.0" encoding="utf-8"?>
 <p:sld xmlns:a="http://schemas.openxmlformats.org/drawingml/2006/main" xmlns:r="http://schemas.openxmlformats.org/officeDocument/2006/relationships" xmlns:p="http://schemas.openxmlformats.org/presentationml/2006/main">
   <p:cSld>
     <p:spTree>
@@ -13413,12 +13180,14 @@
           </a:bodyPr>
           <a:lstStyle/>
           <a:p>
+            <a:pPr algn="just"/>
             <a:r>
               <a:rPr lang="it-IT" dirty="0"/>
               <a:t>Associando a ogni progetto l’anno di avvio e lo stato di avanzamento del progetto al 31/12/2020, è possibile ottenere informazioni riguardo all’evoluzione temporale dello stato di successo </a:t>
             </a:r>
           </a:p>
           <a:p>
+            <a:pPr algn="just"/>
             <a:r>
               <a:rPr lang="it-IT" dirty="0"/>
               <a:t>Si nota che i progetti mediamente più lunghi, avviati nel 2014, hanno un tasso di conclusione basso rispetto al tempo a disposizione, mentre quelli avviati nei due anni successivi, in media più brevi, ottengono una performance molto migliore, quasi a suggerire che la durata generale del progetto influisca negativamente la prosecuzione entro i tempi previsti</a:t>
@@ -13482,7 +13251,7 @@
 </p:sld>
 </file>
 
-<file path=ppt/slides/slide14.xml><?xml version="1.0" encoding="utf-8"?>
+<file path=ppt/slides/slide12.xml><?xml version="1.0" encoding="utf-8"?>
 <p:sld xmlns:a="http://schemas.openxmlformats.org/drawingml/2006/main" xmlns:r="http://schemas.openxmlformats.org/officeDocument/2006/relationships" xmlns:p="http://schemas.openxmlformats.org/presentationml/2006/main">
   <p:cSld>
     <p:spTree>
@@ -13557,12 +13326,14 @@
           </a:bodyPr>
           <a:lstStyle/>
           <a:p>
+            <a:pPr algn="just"/>
             <a:r>
               <a:rPr lang="it-IT" sz="2000" dirty="0"/>
               <a:t>Escludendo il dato particolare del 2014, risulta che il tasso di successo non rimane constante, ma cala con il tempo, rendendo evidente che i progetti più «efficienti» sono quelli avviati nel biennio 2015-2016</a:t>
             </a:r>
           </a:p>
           <a:p>
+            <a:pPr algn="just"/>
             <a:r>
               <a:rPr lang="it-IT" sz="2000" dirty="0"/>
               <a:t>Dunque in genere non vi è una proporzionalità tra la diminuzione della durata dei progetti, il tempo a disposizione e il tasso di conclusione</a:t>
@@ -13626,7 +13397,7 @@
 </p:sld>
 </file>
 
-<file path=ppt/slides/slide15.xml><?xml version="1.0" encoding="utf-8"?>
+<file path=ppt/slides/slide13.xml><?xml version="1.0" encoding="utf-8"?>
 <p:sld xmlns:a="http://schemas.openxmlformats.org/drawingml/2006/main" xmlns:r="http://schemas.openxmlformats.org/officeDocument/2006/relationships" xmlns:p="http://schemas.openxmlformats.org/presentationml/2006/main">
   <p:cSld>
     <p:spTree>
@@ -13701,18 +13472,21 @@
           </a:bodyPr>
           <a:lstStyle/>
           <a:p>
+            <a:pPr algn="just"/>
             <a:r>
               <a:rPr lang="it-IT" sz="2000" dirty="0"/>
               <a:t>Studiando la distribuzione dei finanziamenti nel corso del tempo, emerge un picco in corrispondenza del biennio 2017-2018 </a:t>
             </a:r>
           </a:p>
           <a:p>
+            <a:pPr algn="just"/>
             <a:r>
               <a:rPr lang="it-IT" sz="2000" dirty="0"/>
               <a:t>Ci si potrebbe chiedere se questo dato è dovuto all’aumento del numero dei progetti avviati in quel periodo</a:t>
             </a:r>
           </a:p>
           <a:p>
+            <a:pPr algn="just"/>
             <a:r>
               <a:rPr lang="it-IT" sz="2000" dirty="0"/>
               <a:t>In prima battuta in effetti emerge un legame tra i due set di dati</a:t>
@@ -13776,7 +13550,7 @@
 </p:sld>
 </file>
 
-<file path=ppt/slides/slide16.xml><?xml version="1.0" encoding="utf-8"?>
+<file path=ppt/slides/slide14.xml><?xml version="1.0" encoding="utf-8"?>
 <p:sld xmlns:a="http://schemas.openxmlformats.org/drawingml/2006/main" xmlns:r="http://schemas.openxmlformats.org/officeDocument/2006/relationships" xmlns:p="http://schemas.openxmlformats.org/presentationml/2006/main">
   <p:cSld>
     <p:spTree>
@@ -13818,7 +13592,7 @@
           <a:p>
             <a:r>
               <a:rPr lang="it-IT" sz="2800" dirty="0"/>
-              <a:t>(inserire anomalia 2014)</a:t>
+              <a:t>Relazione tra durata media e finanziamento</a:t>
             </a:r>
           </a:p>
         </p:txBody>
@@ -13851,18 +13625,21 @@
           </a:bodyPr>
           <a:lstStyle/>
           <a:p>
+            <a:pPr algn="just"/>
             <a:r>
               <a:rPr lang="it-IT" sz="1750" dirty="0"/>
               <a:t>Se il finanziamento totale in un anno è legato prevalentemente al numero dei progetti avviati, ci si aspetterebbe di avere un finanziamento medio per progetto costante, cosa che effettivamente emerge dai dati</a:t>
             </a:r>
           </a:p>
           <a:p>
+            <a:pPr algn="just"/>
             <a:r>
               <a:rPr lang="it-IT" sz="1750" dirty="0"/>
               <a:t>Una ulteriore domanda spontanea che può sorgere è la relazione tra la durata dei progetti e il finanziamento medio: al diminuire della durata, diminuisce anche il finanziamento?</a:t>
             </a:r>
           </a:p>
           <a:p>
+            <a:pPr algn="just"/>
             <a:r>
               <a:rPr lang="it-IT" sz="1750" dirty="0"/>
               <a:t>Dai dati ricavati risulta che nel corso del tempo in media i progetti hanno ricevuto un finanziamento superiore a quello che sarebbe derivato della mera durata, suggerendo che vi siano altri fattori che si sono aggiunti nel corso degli anni per giustificare la discrepanza tra durata e finanziamento, come per esempio il grado tecnologico richiesto e le competenze necessarie</a:t>
@@ -13872,7 +13649,7 @@
       </p:sp>
       <p:graphicFrame>
         <p:nvGraphicFramePr>
-          <p:cNvPr id="5" name="Segnaposto contenuto 4">
+          <p:cNvPr id="8" name="Segnaposto contenuto 7">
             <a:extLst>
               <a:ext uri="{FF2B5EF4-FFF2-40B4-BE49-F238E27FC236}">
                 <a16:creationId xmlns:a16="http://schemas.microsoft.com/office/drawing/2014/main" id="{F212ADC2-69AA-4BC4-9B44-E595F8B57AA8}"/>
@@ -13886,14 +13663,14 @@
             <p:ph sz="half" idx="2"/>
             <p:extLst>
               <p:ext uri="{D42A27DB-BD31-4B8C-83A1-F6EECF244321}">
-                <p14:modId xmlns:p14="http://schemas.microsoft.com/office/powerpoint/2010/main" val="1012820988"/>
+                <p14:modId xmlns:p14="http://schemas.microsoft.com/office/powerpoint/2010/main" val="1847162674"/>
               </p:ext>
             </p:extLst>
           </p:nvPr>
         </p:nvGraphicFramePr>
         <p:xfrm>
-          <a:off x="6526460" y="1984375"/>
-          <a:ext cx="5447455" cy="4187825"/>
+          <a:off x="6437312" y="1988840"/>
+          <a:ext cx="5591471" cy="4108921"/>
         </p:xfrm>
         <a:graphic>
           <a:graphicData uri="http://schemas.openxmlformats.org/drawingml/2006/chart">
@@ -13926,7 +13703,7 @@
 </p:sld>
 </file>
 
-<file path=ppt/slides/slide17.xml><?xml version="1.0" encoding="utf-8"?>
+<file path=ppt/slides/slide15.xml><?xml version="1.0" encoding="utf-8"?>
 <p:sld xmlns:a="http://schemas.openxmlformats.org/drawingml/2006/main" xmlns:r="http://schemas.openxmlformats.org/officeDocument/2006/relationships" xmlns:p="http://schemas.openxmlformats.org/presentationml/2006/main">
   <p:cSld>
     <p:spTree>
@@ -13945,30 +13722,20 @@
       </p:grpSpPr>
       <p:sp>
         <p:nvSpPr>
-          <p:cNvPr id="2" name="Titolo 1">
-            <a:extLst>
-              <a:ext uri="{FF2B5EF4-FFF2-40B4-BE49-F238E27FC236}">
-                <a16:creationId xmlns:a16="http://schemas.microsoft.com/office/drawing/2014/main" id="{CFD60FCF-991F-6E44-9A70-09C8C88F64B1}"/>
-              </a:ext>
-            </a:extLst>
-          </p:cNvPr>
+          <p:cNvPr id="2" name="Titolo 1"/>
           <p:cNvSpPr>
             <a:spLocks noGrp="1"/>
           </p:cNvSpPr>
           <p:nvPr>
-            <p:ph type="title" idx="4294967295"/>
+            <p:ph type="title"/>
           </p:nvPr>
         </p:nvSpPr>
-        <p:spPr>
-          <a:xfrm>
-            <a:off x="1179512" y="2636912"/>
-            <a:ext cx="9829800" cy="1219200"/>
-          </a:xfrm>
-        </p:spPr>
+        <p:spPr/>
         <p:txBody>
-          <a:bodyPr/>
+          <a:bodyPr rtlCol="0"/>
           <a:lstStyle/>
           <a:p>
+            <a:pPr rtl="0"/>
             <a:r>
               <a:rPr lang="it-IT" dirty="0"/>
               <a:t>Analisi per settore nei progetti IOT</a:t>
@@ -13979,7 +13746,7 @@
     </p:spTree>
     <p:extLst>
       <p:ext uri="{BB962C8B-B14F-4D97-AF65-F5344CB8AC3E}">
-        <p14:creationId xmlns:p14="http://schemas.microsoft.com/office/powerpoint/2010/main" val="2374826566"/>
+        <p14:creationId xmlns:p14="http://schemas.microsoft.com/office/powerpoint/2010/main" val="2437723472"/>
       </p:ext>
     </p:extLst>
   </p:cSld>
@@ -14001,7 +13768,7 @@
 </p:sld>
 </file>
 
-<file path=ppt/slides/slide18.xml><?xml version="1.0" encoding="utf-8"?>
+<file path=ppt/slides/slide16.xml><?xml version="1.0" encoding="utf-8"?>
 <p:sld xmlns:a="http://schemas.openxmlformats.org/drawingml/2006/main" xmlns:r="http://schemas.openxmlformats.org/officeDocument/2006/relationships" xmlns:p="http://schemas.openxmlformats.org/presentationml/2006/main">
   <p:cSld>
     <p:spTree>
@@ -14199,7 +13966,7 @@
 </p:sld>
 </file>
 
-<file path=ppt/slides/slide19.xml><?xml version="1.0" encoding="utf-8"?>
+<file path=ppt/slides/slide17.xml><?xml version="1.0" encoding="utf-8"?>
 <p:sld xmlns:a="http://schemas.openxmlformats.org/drawingml/2006/main" xmlns:r="http://schemas.openxmlformats.org/officeDocument/2006/relationships" xmlns:p="http://schemas.openxmlformats.org/presentationml/2006/main">
   <p:cSld>
     <p:spTree>
@@ -14321,224 +14088,7 @@
 </p:sld>
 </file>
 
-<file path=ppt/slides/slide2.xml><?xml version="1.0" encoding="utf-8"?>
-<p:sld xmlns:a="http://schemas.openxmlformats.org/drawingml/2006/main" xmlns:r="http://schemas.openxmlformats.org/officeDocument/2006/relationships" xmlns:p="http://schemas.openxmlformats.org/presentationml/2006/main">
-  <p:cSld>
-    <p:spTree>
-      <p:nvGrpSpPr>
-        <p:cNvPr id="1" name=""/>
-        <p:cNvGrpSpPr/>
-        <p:nvPr/>
-      </p:nvGrpSpPr>
-      <p:grpSpPr>
-        <a:xfrm>
-          <a:off x="0" y="0"/>
-          <a:ext cx="0" cy="0"/>
-          <a:chOff x="0" y="0"/>
-          <a:chExt cx="0" cy="0"/>
-        </a:xfrm>
-      </p:grpSpPr>
-      <p:sp>
-        <p:nvSpPr>
-          <p:cNvPr id="2" name="Titolo 1">
-            <a:extLst>
-              <a:ext uri="{FF2B5EF4-FFF2-40B4-BE49-F238E27FC236}">
-                <a16:creationId xmlns:a16="http://schemas.microsoft.com/office/drawing/2014/main" id="{CD3F9D2E-AB3E-4A9A-8A72-3239117629C4}"/>
-              </a:ext>
-            </a:extLst>
-          </p:cNvPr>
-          <p:cNvSpPr>
-            <a:spLocks noGrp="1"/>
-          </p:cNvSpPr>
-          <p:nvPr>
-            <p:ph type="title"/>
-          </p:nvPr>
-        </p:nvSpPr>
-        <p:spPr/>
-        <p:txBody>
-          <a:bodyPr/>
-          <a:lstStyle/>
-          <a:p>
-            <a:r>
-              <a:rPr lang="it-IT" dirty="0"/>
-              <a:t>WORKFLOW IN BREVE</a:t>
-            </a:r>
-          </a:p>
-        </p:txBody>
-      </p:sp>
-      <p:sp>
-        <p:nvSpPr>
-          <p:cNvPr id="3" name="Segnaposto contenuto 2">
-            <a:extLst>
-              <a:ext uri="{FF2B5EF4-FFF2-40B4-BE49-F238E27FC236}">
-                <a16:creationId xmlns:a16="http://schemas.microsoft.com/office/drawing/2014/main" id="{6C44FAB8-11E3-4635-9AE6-11E8355B385A}"/>
-              </a:ext>
-            </a:extLst>
-          </p:cNvPr>
-          <p:cNvSpPr>
-            <a:spLocks noGrp="1"/>
-          </p:cNvSpPr>
-          <p:nvPr>
-            <p:ph idx="1"/>
-          </p:nvPr>
-        </p:nvSpPr>
-        <p:spPr>
-          <a:xfrm>
-            <a:off x="1522413" y="1988840"/>
-            <a:ext cx="10188623" cy="4824536"/>
-          </a:xfrm>
-        </p:spPr>
-        <p:txBody>
-          <a:bodyPr>
-            <a:normAutofit lnSpcReduction="10000"/>
-          </a:bodyPr>
-          <a:lstStyle/>
-          <a:p>
-            <a:pPr marL="0" indent="0" algn="just">
-              <a:buNone/>
-            </a:pPr>
-            <a:r>
-              <a:rPr lang="it-IT" sz="1200" strike="sngStrike" dirty="0"/>
-              <a:t>Lo scopo di questo lavoro è stato l’analizzare dei dati al fine di cercare, ottenere e visualizzare dei trend da noi ritenuti significativi. I dati in questione sono stati presi da … e gli ambiti che sono stati presi in considerazione sono stati quelli dell’Internet of </a:t>
-            </a:r>
-            <a:r>
-              <a:rPr lang="it-IT" sz="1200" strike="sngStrike" dirty="0" err="1"/>
-              <a:t>Things</a:t>
-            </a:r>
-            <a:r>
-              <a:rPr lang="it-IT" sz="1200" strike="sngStrike" dirty="0"/>
-              <a:t> e dell’ </a:t>
-            </a:r>
-            <a:r>
-              <a:rPr lang="it-IT" sz="1200" strike="sngStrike" dirty="0" err="1"/>
-              <a:t>Horizontal</a:t>
-            </a:r>
-            <a:r>
-              <a:rPr lang="it-IT" sz="1200" strike="sngStrike" dirty="0"/>
-              <a:t>/Vertical Integration. </a:t>
-            </a:r>
-          </a:p>
-          <a:p>
-            <a:pPr marL="0" indent="0" algn="just">
-              <a:buNone/>
-            </a:pPr>
-            <a:r>
-              <a:rPr lang="it-IT" sz="1400" dirty="0"/>
-              <a:t>Il lavoro si è svolto secondo i seguenti passaggi:</a:t>
-            </a:r>
-          </a:p>
-          <a:p>
-            <a:pPr marL="228600" indent="-228600" algn="just">
-              <a:buFont typeface="+mj-lt"/>
-              <a:buAutoNum type="arabicPeriod"/>
-            </a:pPr>
-            <a:r>
-              <a:rPr lang="it-IT" sz="1400" dirty="0"/>
-              <a:t>Download dei file Progetti, Soggetti e Localizzazioni dalla banca dati di </a:t>
-            </a:r>
-            <a:r>
-              <a:rPr lang="it-IT" sz="1400" dirty="0" err="1"/>
-              <a:t>OpenCoesione</a:t>
-            </a:r>
-            <a:r>
-              <a:rPr lang="it-IT" sz="1400" dirty="0"/>
-              <a:t> e successiva decompressione.</a:t>
-            </a:r>
-          </a:p>
-          <a:p>
-            <a:pPr marL="228600" indent="-228600" algn="just">
-              <a:buFont typeface="+mj-lt"/>
-              <a:buAutoNum type="arabicPeriod"/>
-            </a:pPr>
-            <a:r>
-              <a:rPr lang="it-IT" sz="1400" dirty="0"/>
-              <a:t>Filtraggio del file Progetti, utilizzando Excel, sul campo OC_COD_CICLO affinché vengano considerate solo le righe dove il valore è uguale a 2 (corrispondente al periodo 2014-2020).</a:t>
-            </a:r>
-          </a:p>
-          <a:p>
-            <a:pPr marL="228600" indent="-228600" algn="just">
-              <a:buFont typeface="+mj-lt"/>
-              <a:buAutoNum type="arabicPeriod"/>
-            </a:pPr>
-            <a:r>
-              <a:rPr lang="it-IT" sz="1400" dirty="0"/>
-              <a:t>Filtraggio del file Progetti, utilizzando Excel, sul campo OC_COD_TEMA_SINTETICO affinché vengano considerate solo le righe dove il valore è diverso da 1 (corrispondente al tema sintetico ‘’Ricerca e innovazione’’); i due passaggi precedenti hanno ridotto il numero di righe del file Progetti da circa 1.000.000 a circa 300.000 .</a:t>
-            </a:r>
-          </a:p>
-          <a:p>
-            <a:pPr marL="228600" indent="-228600" algn="just">
-              <a:buFont typeface="+mj-lt"/>
-              <a:buAutoNum type="arabicPeriod"/>
-            </a:pPr>
-            <a:r>
-              <a:rPr lang="it-IT" sz="1400" dirty="0"/>
-              <a:t>Passaggio in input del file così ottenuto ad un algoritmo MATLAB realizzato per eseguire un ulteriore filtraggio tramite la ricerca all’interno dei campi </a:t>
-            </a:r>
-            <a:r>
-              <a:rPr lang="it-IT" sz="1400" dirty="0">
-                <a:solidFill>
-                  <a:srgbClr val="FF0000"/>
-                </a:solidFill>
-                <a:highlight>
-                  <a:srgbClr val="FFFF00"/>
-                </a:highlight>
-              </a:rPr>
-              <a:t>… </a:t>
-            </a:r>
-            <a:r>
-              <a:rPr lang="it-IT" sz="1400" dirty="0"/>
-              <a:t>di una serie di parole chiave prescelte; questa operazione viene eseguita due volte con due diversi insiemi di parole chiave i cui risultati saranno due file .CSV contenenti i soli progetti attinenti alle aree dell’integrazione orizzontale/verticale e dell’Internet of </a:t>
-            </a:r>
-            <a:r>
-              <a:rPr lang="it-IT" sz="1400" dirty="0" err="1"/>
-              <a:t>Things</a:t>
-            </a:r>
-            <a:r>
-              <a:rPr lang="it-IT" sz="1400" dirty="0"/>
-              <a:t> e lunghi rispettivamente circa 18.000 e 4.000 righe (essendo l’IoT un esempio emblematico di integrazione è naturale che le parole chiave che lo identificano siano un sottoinsieme di quelle usate per filtrare i progetti dell’area di integrazione orizzontale/verticale).</a:t>
-            </a:r>
-          </a:p>
-          <a:p>
-            <a:pPr marL="228600" indent="-228600" algn="just">
-              <a:buFont typeface="+mj-lt"/>
-              <a:buAutoNum type="arabicPeriod"/>
-            </a:pPr>
-            <a:r>
-              <a:rPr lang="it-IT" sz="1400" dirty="0"/>
-              <a:t>Combinazione del file Progetto, utilizzando Excel, rispettivamente ai file Localizzazione e Soggetti al fine di affiancare i dati dei progetti di interesse a quelli delle localizzazioni o dei soggetti corrispondenti in un unico file .CSV su cui poter eseguire successivamente delle analisi; l’operazione compiuta è l’equivalente di un JOIN in linguaggio SQL tra Progetti e Soggetti e tra Progetti e Localizzazioni.</a:t>
-            </a:r>
-          </a:p>
-          <a:p>
-            <a:endParaRPr lang="it-IT" dirty="0"/>
-          </a:p>
-        </p:txBody>
-      </p:sp>
-    </p:spTree>
-    <p:extLst>
-      <p:ext uri="{BB962C8B-B14F-4D97-AF65-F5344CB8AC3E}">
-        <p14:creationId xmlns:p14="http://schemas.microsoft.com/office/powerpoint/2010/main" val="1719038721"/>
-      </p:ext>
-    </p:extLst>
-  </p:cSld>
-  <p:clrMapOvr>
-    <a:masterClrMapping/>
-  </p:clrMapOvr>
-  <mc:AlternateContent xmlns:mc="http://schemas.openxmlformats.org/markup-compatibility/2006" xmlns:p14="http://schemas.microsoft.com/office/powerpoint/2010/main">
-    <mc:Choice Requires="p14">
-      <p:transition spd="med" p14:dur="700">
-        <p:fade/>
-      </p:transition>
-    </mc:Choice>
-    <mc:Fallback xmlns="">
-      <p:transition spd="med">
-        <p:fade/>
-      </p:transition>
-    </mc:Fallback>
-  </mc:AlternateContent>
-</p:sld>
-</file>
-
-<file path=ppt/slides/slide20.xml><?xml version="1.0" encoding="utf-8"?>
+<file path=ppt/slides/slide18.xml><?xml version="1.0" encoding="utf-8"?>
 <p:sld xmlns:a="http://schemas.openxmlformats.org/drawingml/2006/main" xmlns:r="http://schemas.openxmlformats.org/officeDocument/2006/relationships" xmlns:p="http://schemas.openxmlformats.org/presentationml/2006/main">
   <p:cSld>
     <p:spTree>
@@ -14708,7 +14258,7 @@
 </p:sld>
 </file>
 
-<file path=ppt/slides/slide21.xml><?xml version="1.0" encoding="utf-8"?>
+<file path=ppt/slides/slide19.xml><?xml version="1.0" encoding="utf-8"?>
 <p:sld xmlns:a="http://schemas.openxmlformats.org/drawingml/2006/main" xmlns:r="http://schemas.openxmlformats.org/officeDocument/2006/relationships" xmlns:p="http://schemas.openxmlformats.org/presentationml/2006/main">
   <p:cSld>
     <p:spTree>
@@ -14748,26 +14298,6 @@
           </a:p>
         </p:txBody>
       </p:sp>
-      <p:sp>
-        <p:nvSpPr>
-          <p:cNvPr id="4" name="Segnaposto testo 3"/>
-          <p:cNvSpPr>
-            <a:spLocks noGrp="1"/>
-          </p:cNvSpPr>
-          <p:nvPr>
-            <p:ph type="body" idx="1"/>
-          </p:nvPr>
-        </p:nvSpPr>
-        <p:spPr/>
-        <p:txBody>
-          <a:bodyPr rtlCol="0"/>
-          <a:lstStyle/>
-          <a:p>
-            <a:pPr rtl="0"/>
-            <a:endParaRPr lang="it-IT" dirty="0"/>
-          </a:p>
-        </p:txBody>
-      </p:sp>
     </p:spTree>
     <p:extLst>
       <p:ext uri="{BB962C8B-B14F-4D97-AF65-F5344CB8AC3E}">
@@ -14793,7 +14323,216 @@
 </p:sld>
 </file>
 
-<file path=ppt/slides/slide22.xml><?xml version="1.0" encoding="utf-8"?>
+<file path=ppt/slides/slide2.xml><?xml version="1.0" encoding="utf-8"?>
+<p:sld xmlns:a="http://schemas.openxmlformats.org/drawingml/2006/main" xmlns:r="http://schemas.openxmlformats.org/officeDocument/2006/relationships" xmlns:p="http://schemas.openxmlformats.org/presentationml/2006/main">
+  <p:cSld>
+    <p:spTree>
+      <p:nvGrpSpPr>
+        <p:cNvPr id="1" name=""/>
+        <p:cNvGrpSpPr/>
+        <p:nvPr/>
+      </p:nvGrpSpPr>
+      <p:grpSpPr>
+        <a:xfrm>
+          <a:off x="0" y="0"/>
+          <a:ext cx="0" cy="0"/>
+          <a:chOff x="0" y="0"/>
+          <a:chExt cx="0" cy="0"/>
+        </a:xfrm>
+      </p:grpSpPr>
+      <p:sp>
+        <p:nvSpPr>
+          <p:cNvPr id="2" name="Titolo 1">
+            <a:extLst>
+              <a:ext uri="{FF2B5EF4-FFF2-40B4-BE49-F238E27FC236}">
+                <a16:creationId xmlns:a16="http://schemas.microsoft.com/office/drawing/2014/main" id="{CD3F9D2E-AB3E-4A9A-8A72-3239117629C4}"/>
+              </a:ext>
+            </a:extLst>
+          </p:cNvPr>
+          <p:cNvSpPr>
+            <a:spLocks noGrp="1"/>
+          </p:cNvSpPr>
+          <p:nvPr>
+            <p:ph type="title"/>
+          </p:nvPr>
+        </p:nvSpPr>
+        <p:spPr/>
+        <p:txBody>
+          <a:bodyPr/>
+          <a:lstStyle/>
+          <a:p>
+            <a:r>
+              <a:rPr lang="it-IT" dirty="0"/>
+              <a:t>WORKFLOW IN BREVE</a:t>
+            </a:r>
+          </a:p>
+        </p:txBody>
+      </p:sp>
+      <p:sp>
+        <p:nvSpPr>
+          <p:cNvPr id="3" name="Segnaposto contenuto 2">
+            <a:extLst>
+              <a:ext uri="{FF2B5EF4-FFF2-40B4-BE49-F238E27FC236}">
+                <a16:creationId xmlns:a16="http://schemas.microsoft.com/office/drawing/2014/main" id="{6C44FAB8-11E3-4635-9AE6-11E8355B385A}"/>
+              </a:ext>
+            </a:extLst>
+          </p:cNvPr>
+          <p:cNvSpPr>
+            <a:spLocks noGrp="1"/>
+          </p:cNvSpPr>
+          <p:nvPr>
+            <p:ph idx="1"/>
+          </p:nvPr>
+        </p:nvSpPr>
+        <p:spPr>
+          <a:xfrm>
+            <a:off x="1522413" y="1988840"/>
+            <a:ext cx="10188623" cy="4824536"/>
+          </a:xfrm>
+        </p:spPr>
+        <p:txBody>
+          <a:bodyPr>
+            <a:normAutofit/>
+          </a:bodyPr>
+          <a:lstStyle/>
+          <a:p>
+            <a:pPr marL="0" indent="0" algn="just">
+              <a:buNone/>
+            </a:pPr>
+            <a:r>
+              <a:rPr lang="it-IT" sz="1400" dirty="0"/>
+              <a:t>Il lavoro si è svolto secondo i seguenti passaggi:</a:t>
+            </a:r>
+          </a:p>
+          <a:p>
+            <a:pPr marL="342900" indent="-342900" algn="just">
+              <a:buFont typeface="+mj-lt"/>
+              <a:buAutoNum type="arabicPeriod"/>
+            </a:pPr>
+            <a:r>
+              <a:rPr lang="it-IT" sz="1400" dirty="0"/>
+              <a:t>Download dei file Progetti, Soggetti e Localizzazioni dalla banca dati di </a:t>
+            </a:r>
+            <a:r>
+              <a:rPr lang="it-IT" sz="1400" dirty="0" err="1"/>
+              <a:t>OpenCoesione</a:t>
+            </a:r>
+            <a:r>
+              <a:rPr lang="it-IT" sz="1400" dirty="0"/>
+              <a:t> e successiva decompressione.</a:t>
+            </a:r>
+          </a:p>
+          <a:p>
+            <a:pPr marL="342900" indent="-342900" algn="just">
+              <a:buFont typeface="+mj-lt"/>
+              <a:buAutoNum type="arabicPeriod"/>
+            </a:pPr>
+            <a:r>
+              <a:rPr lang="it-IT" sz="1400" dirty="0"/>
+              <a:t>Filtraggio del file Progetti, utilizzando Excel, sul campo OC_COD_CICLO affinché vengano considerate solo le righe dove il valore è uguale a 2 (corrispondente al periodo 2014-2020).</a:t>
+            </a:r>
+          </a:p>
+          <a:p>
+            <a:pPr marL="342900" indent="-342900" algn="just">
+              <a:buFont typeface="+mj-lt"/>
+              <a:buAutoNum type="arabicPeriod"/>
+            </a:pPr>
+            <a:r>
+              <a:rPr lang="it-IT" sz="1400" dirty="0"/>
+              <a:t>Filtraggio del file Progetti, utilizzando Excel, sul campo OC_COD_TEMA_SINTETICO affinché vengano considerate solo le righe dove il valore è diverso da 1 (corrispondente al tema sintetico ‘’Ricerca e innovazione’’); i due passaggi precedenti hanno ridotto il numero di righe del file Progetti da circa 1.000.000 a circa 300.000 .</a:t>
+            </a:r>
+          </a:p>
+          <a:p>
+            <a:pPr marL="342900" indent="-342900" algn="just">
+              <a:buFont typeface="+mj-lt"/>
+              <a:buAutoNum type="arabicPeriod"/>
+            </a:pPr>
+            <a:r>
+              <a:rPr lang="it-IT" sz="1400" dirty="0"/>
+              <a:t>Passaggio in input del file così ottenuto ad un algoritmo MATLAB realizzato per eseguire un ulteriore filtraggio tramite la ricerca all’interno dei campi OC_TITOLO_PROGETTO, OC_SINTESI_PROGETTO, CUP_DESCR_SETTORE, OC_TEMA_SINTETICO di una serie di parole chiave prescelte; questa operazione viene eseguita due volte con due diversi insiemi di parole chiave i cui risultati saranno due file </a:t>
+            </a:r>
+            <a:r>
+              <a:rPr lang="it-IT" sz="1400" i="1" dirty="0"/>
+              <a:t>.</a:t>
+            </a:r>
+            <a:r>
+              <a:rPr lang="it-IT" sz="1400" i="1" dirty="0" err="1"/>
+              <a:t>csv</a:t>
+            </a:r>
+            <a:r>
+              <a:rPr lang="it-IT" sz="1400" i="1" dirty="0"/>
+              <a:t> </a:t>
+            </a:r>
+            <a:r>
+              <a:rPr lang="it-IT" sz="1400" dirty="0"/>
+              <a:t>contenenti i soli progetti attinenti alle aree dell’integrazione orizzontale/verticale e dell’Internet of </a:t>
+            </a:r>
+            <a:r>
+              <a:rPr lang="it-IT" sz="1400" dirty="0" err="1"/>
+              <a:t>Things</a:t>
+            </a:r>
+            <a:r>
+              <a:rPr lang="it-IT" sz="1400" dirty="0"/>
+              <a:t> e lunghi rispettivamente circa 18.000 e 4.000 righe (essendo l’IoT un esempio emblematico di integrazione è naturale che le parole chiave che lo identificano siano un sottoinsieme di quelle usate per filtrare i progetti dell’area di integrazione orizzontale/verticale).</a:t>
+            </a:r>
+          </a:p>
+          <a:p>
+            <a:pPr marL="342900" indent="-342900" algn="just">
+              <a:buFont typeface="+mj-lt"/>
+              <a:buAutoNum type="arabicPeriod"/>
+            </a:pPr>
+            <a:r>
+              <a:rPr lang="it-IT" sz="1400" dirty="0"/>
+              <a:t>Combinazione del file Progetto, utilizzando Excel, rispettivamente ai file Localizzazione e Soggetti al fine di affiancare i dati dei progetti di interesse a quelli delle localizzazioni o dei soggetti corrispondenti in un unico file </a:t>
+            </a:r>
+            <a:r>
+              <a:rPr lang="it-IT" sz="1400" i="1" dirty="0"/>
+              <a:t>.</a:t>
+            </a:r>
+            <a:r>
+              <a:rPr lang="it-IT" sz="1400" i="1" dirty="0" err="1"/>
+              <a:t>xslx</a:t>
+            </a:r>
+            <a:r>
+              <a:rPr lang="it-IT" sz="1400" i="1" dirty="0"/>
+              <a:t> </a:t>
+            </a:r>
+            <a:r>
+              <a:rPr lang="it-IT" sz="1400" dirty="0"/>
+              <a:t>su cui poter eseguire successivamente delle analisi; l’operazione compiuta è l’equivalente di un JOIN in linguaggio SQL tra Progetti e Soggetti e tra Progetti e Localizzazioni.</a:t>
+            </a:r>
+          </a:p>
+          <a:p>
+            <a:endParaRPr lang="it-IT" dirty="0"/>
+          </a:p>
+        </p:txBody>
+      </p:sp>
+    </p:spTree>
+    <p:extLst>
+      <p:ext uri="{BB962C8B-B14F-4D97-AF65-F5344CB8AC3E}">
+        <p14:creationId xmlns:p14="http://schemas.microsoft.com/office/powerpoint/2010/main" val="1719038721"/>
+      </p:ext>
+    </p:extLst>
+  </p:cSld>
+  <p:clrMapOvr>
+    <a:masterClrMapping/>
+  </p:clrMapOvr>
+  <mc:AlternateContent xmlns:mc="http://schemas.openxmlformats.org/markup-compatibility/2006" xmlns:p14="http://schemas.microsoft.com/office/powerpoint/2010/main">
+    <mc:Choice Requires="p14">
+      <p:transition spd="med" p14:dur="700">
+        <p:fade/>
+      </p:transition>
+    </mc:Choice>
+    <mc:Fallback xmlns="">
+      <p:transition spd="med">
+        <p:fade/>
+      </p:transition>
+    </mc:Fallback>
+  </mc:AlternateContent>
+</p:sld>
+</file>
+
+<file path=ppt/slides/slide20.xml><?xml version="1.0" encoding="utf-8"?>
 <p:sld xmlns:a="http://schemas.openxmlformats.org/drawingml/2006/main" xmlns:r="http://schemas.openxmlformats.org/officeDocument/2006/relationships" xmlns:p="http://schemas.openxmlformats.org/presentationml/2006/main">
   <p:cSld>
     <p:spTree>
@@ -14993,7 +14732,7 @@
 </p:sld>
 </file>
 
-<file path=ppt/slides/slide23.xml><?xml version="1.0" encoding="utf-8"?>
+<file path=ppt/slides/slide21.xml><?xml version="1.0" encoding="utf-8"?>
 <p:sld xmlns:a="http://schemas.openxmlformats.org/drawingml/2006/main" xmlns:r="http://schemas.openxmlformats.org/officeDocument/2006/relationships" xmlns:p="http://schemas.openxmlformats.org/presentationml/2006/main">
   <p:cSld>
     <p:spTree>
@@ -15141,7 +14880,7 @@
 </p:sld>
 </file>
 
-<file path=ppt/slides/slide24.xml><?xml version="1.0" encoding="utf-8"?>
+<file path=ppt/slides/slide22.xml><?xml version="1.0" encoding="utf-8"?>
 <p:sld xmlns:a="http://schemas.openxmlformats.org/drawingml/2006/main" xmlns:r="http://schemas.openxmlformats.org/officeDocument/2006/relationships" xmlns:p="http://schemas.openxmlformats.org/presentationml/2006/main">
   <p:cSld>
     <p:spTree>
@@ -15365,7 +15104,7 @@
 </p:sld>
 </file>
 
-<file path=ppt/slides/slide25.xml><?xml version="1.0" encoding="utf-8"?>
+<file path=ppt/slides/slide23.xml><?xml version="1.0" encoding="utf-8"?>
 <p:sld xmlns:a="http://schemas.openxmlformats.org/drawingml/2006/main" xmlns:r="http://schemas.openxmlformats.org/officeDocument/2006/relationships" xmlns:p="http://schemas.openxmlformats.org/presentationml/2006/main">
   <p:cSld>
     <p:spTree>
@@ -15528,7 +15267,7 @@
 </p:sld>
 </file>
 
-<file path=ppt/slides/slide26.xml><?xml version="1.0" encoding="utf-8"?>
+<file path=ppt/slides/slide24.xml><?xml version="1.0" encoding="utf-8"?>
 <p:sld xmlns:a="http://schemas.openxmlformats.org/drawingml/2006/main" xmlns:r="http://schemas.openxmlformats.org/officeDocument/2006/relationships" xmlns:p="http://schemas.openxmlformats.org/presentationml/2006/main">
   <p:cSld>
     <p:spTree>
@@ -15613,7 +15352,7 @@
 </p:sld>
 </file>
 
-<file path=ppt/slides/slide27.xml><?xml version="1.0" encoding="utf-8"?>
+<file path=ppt/slides/slide25.xml><?xml version="1.0" encoding="utf-8"?>
 <p:sld xmlns:a="http://schemas.openxmlformats.org/drawingml/2006/main" xmlns:r="http://schemas.openxmlformats.org/officeDocument/2006/relationships" xmlns:p="http://schemas.openxmlformats.org/presentationml/2006/main">
   <p:cSld>
     <p:spTree>
@@ -15748,7 +15487,7 @@
 </p:sld>
 </file>
 
-<file path=ppt/slides/slide28.xml><?xml version="1.0" encoding="utf-8"?>
+<file path=ppt/slides/slide26.xml><?xml version="1.0" encoding="utf-8"?>
 <p:sld xmlns:a="http://schemas.openxmlformats.org/drawingml/2006/main" xmlns:r="http://schemas.openxmlformats.org/officeDocument/2006/relationships" xmlns:p="http://schemas.openxmlformats.org/presentationml/2006/main">
   <p:cSld>
     <p:spTree>
@@ -15862,6 +15601,41 @@
           </a:p>
         </p:txBody>
       </p:sp>
+      <p:sp>
+        <p:nvSpPr>
+          <p:cNvPr id="5" name="CasellaDiTesto 4">
+            <a:extLst>
+              <a:ext uri="{FF2B5EF4-FFF2-40B4-BE49-F238E27FC236}">
+                <a16:creationId xmlns:a16="http://schemas.microsoft.com/office/drawing/2014/main" id="{3E8BEC41-06CA-44F0-B650-0D9D6E52926D}"/>
+              </a:ext>
+            </a:extLst>
+          </p:cNvPr>
+          <p:cNvSpPr txBox="1"/>
+          <p:nvPr/>
+        </p:nvSpPr>
+        <p:spPr>
+          <a:xfrm>
+            <a:off x="8081918" y="2708920"/>
+            <a:ext cx="748798" cy="369332"/>
+          </a:xfrm>
+          <a:prstGeom prst="rect">
+            <a:avLst/>
+          </a:prstGeom>
+          <a:noFill/>
+        </p:spPr>
+        <p:txBody>
+          <a:bodyPr wrap="square" rtlCol="0">
+            <a:spAutoFit/>
+          </a:bodyPr>
+          <a:lstStyle/>
+          <a:p>
+            <a:r>
+              <a:rPr lang="it-IT" dirty="0"/>
+              <a:t>60%</a:t>
+            </a:r>
+          </a:p>
+        </p:txBody>
+      </p:sp>
     </p:spTree>
     <p:extLst>
       <p:ext uri="{BB962C8B-B14F-4D97-AF65-F5344CB8AC3E}">
@@ -15887,7 +15661,7 @@
 </p:sld>
 </file>
 
-<file path=ppt/slides/slide29.xml><?xml version="1.0" encoding="utf-8"?>
+<file path=ppt/slides/slide27.xml><?xml version="1.0" encoding="utf-8"?>
 <p:sld xmlns:a="http://schemas.openxmlformats.org/drawingml/2006/main" xmlns:r="http://schemas.openxmlformats.org/officeDocument/2006/relationships" xmlns:p="http://schemas.openxmlformats.org/presentationml/2006/main">
   <p:cSld>
     <p:spTree>
@@ -15987,6 +15761,258 @@
     <p:extLst>
       <p:ext uri="{BB962C8B-B14F-4D97-AF65-F5344CB8AC3E}">
         <p14:creationId xmlns:p14="http://schemas.microsoft.com/office/powerpoint/2010/main" val="3216253470"/>
+      </p:ext>
+    </p:extLst>
+  </p:cSld>
+  <p:clrMapOvr>
+    <a:masterClrMapping/>
+  </p:clrMapOvr>
+  <mc:AlternateContent xmlns:mc="http://schemas.openxmlformats.org/markup-compatibility/2006" xmlns:p14="http://schemas.microsoft.com/office/powerpoint/2010/main">
+    <mc:Choice Requires="p14">
+      <p:transition spd="med" p14:dur="700">
+        <p:fade/>
+      </p:transition>
+    </mc:Choice>
+    <mc:Fallback xmlns="">
+      <p:transition spd="med">
+        <p:fade/>
+      </p:transition>
+    </mc:Fallback>
+  </mc:AlternateContent>
+</p:sld>
+</file>
+
+<file path=ppt/slides/slide28.xml><?xml version="1.0" encoding="utf-8"?>
+<p:sld xmlns:a="http://schemas.openxmlformats.org/drawingml/2006/main" xmlns:r="http://schemas.openxmlformats.org/officeDocument/2006/relationships" xmlns:p="http://schemas.openxmlformats.org/presentationml/2006/main">
+  <p:cSld>
+    <p:spTree>
+      <p:nvGrpSpPr>
+        <p:cNvPr id="1" name=""/>
+        <p:cNvGrpSpPr/>
+        <p:nvPr/>
+      </p:nvGrpSpPr>
+      <p:grpSpPr>
+        <a:xfrm>
+          <a:off x="0" y="0"/>
+          <a:ext cx="0" cy="0"/>
+          <a:chOff x="0" y="0"/>
+          <a:chExt cx="0" cy="0"/>
+        </a:xfrm>
+      </p:grpSpPr>
+      <p:sp>
+        <p:nvSpPr>
+          <p:cNvPr id="2" name="Titolo 1"/>
+          <p:cNvSpPr>
+            <a:spLocks noGrp="1"/>
+          </p:cNvSpPr>
+          <p:nvPr>
+            <p:ph type="title"/>
+          </p:nvPr>
+        </p:nvSpPr>
+        <p:spPr>
+          <a:xfrm>
+            <a:off x="1504054" y="447503"/>
+            <a:ext cx="4662366" cy="2189409"/>
+          </a:xfrm>
+        </p:spPr>
+        <p:txBody>
+          <a:bodyPr rtlCol="0"/>
+          <a:lstStyle/>
+          <a:p>
+            <a:pPr rtl="0"/>
+            <a:r>
+              <a:rPr lang="it-IT" sz="3200" dirty="0"/>
+              <a:t>Analisi del ruolo assunto dai vari soggetti nei progetti relativi all’IoT (Internet of </a:t>
+            </a:r>
+            <a:r>
+              <a:rPr lang="it-IT" sz="3200" dirty="0" err="1"/>
+              <a:t>Things</a:t>
+            </a:r>
+            <a:r>
+              <a:rPr lang="it-IT" sz="3200" dirty="0"/>
+              <a:t>)</a:t>
+            </a:r>
+          </a:p>
+        </p:txBody>
+      </p:sp>
+      <p:pic>
+        <p:nvPicPr>
+          <p:cNvPr id="4" name="Segnaposto contenuto 3">
+            <a:extLst>
+              <a:ext uri="{FF2B5EF4-FFF2-40B4-BE49-F238E27FC236}">
+                <a16:creationId xmlns:a16="http://schemas.microsoft.com/office/drawing/2014/main" id="{A18495ED-2B39-43E1-8F47-A16FCB6C99CD}"/>
+              </a:ext>
+            </a:extLst>
+          </p:cNvPr>
+          <p:cNvPicPr>
+            <a:picLocks noGrp="1" noChangeAspect="1"/>
+          </p:cNvPicPr>
+          <p:nvPr>
+            <p:ph idx="1"/>
+          </p:nvPr>
+        </p:nvPicPr>
+        <p:blipFill>
+          <a:blip r:embed="rId3">
+            <a:extLst>
+              <a:ext uri="{28A0092B-C50C-407E-A947-70E740481C1C}">
+                <a14:useLocalDpi xmlns:a14="http://schemas.microsoft.com/office/drawing/2010/main" val="0"/>
+              </a:ext>
+            </a:extLst>
+          </a:blip>
+          <a:stretch>
+            <a:fillRect/>
+          </a:stretch>
+        </p:blipFill>
+        <p:spPr>
+          <a:xfrm>
+            <a:off x="3034072" y="3184891"/>
+            <a:ext cx="6120680" cy="3213471"/>
+          </a:xfrm>
+        </p:spPr>
+      </p:pic>
+      <p:sp>
+        <p:nvSpPr>
+          <p:cNvPr id="6" name="Segnaposto testo 5"/>
+          <p:cNvSpPr>
+            <a:spLocks noGrp="1"/>
+          </p:cNvSpPr>
+          <p:nvPr>
+            <p:ph type="body" sz="half" idx="2"/>
+          </p:nvPr>
+        </p:nvSpPr>
+        <p:spPr>
+          <a:xfrm>
+            <a:off x="6166420" y="620688"/>
+            <a:ext cx="5472608" cy="3672408"/>
+          </a:xfrm>
+        </p:spPr>
+        <p:txBody>
+          <a:bodyPr rtlCol="0">
+            <a:normAutofit/>
+          </a:bodyPr>
+          <a:lstStyle/>
+          <a:p>
+            <a:pPr algn="just" rtl="0"/>
+            <a:r>
+              <a:rPr lang="it-IT" dirty="0"/>
+              <a:t>Sia nel grafico riportato nella slide precedente che in questo relativo al ruolo nei progetti, si nota come l’andamento, sebbene presenti numeri di molto inferiori, segua quello riguardante le analisi mostrate in precedenza sull’integrazione orizzontale e verticale a riprova di quanto i due settori siano connessi nel panorama dell’industria 4.0</a:t>
+            </a:r>
+          </a:p>
+        </p:txBody>
+      </p:sp>
+    </p:spTree>
+    <p:extLst>
+      <p:ext uri="{BB962C8B-B14F-4D97-AF65-F5344CB8AC3E}">
+        <p14:creationId xmlns:p14="http://schemas.microsoft.com/office/powerpoint/2010/main" val="2551545397"/>
+      </p:ext>
+    </p:extLst>
+  </p:cSld>
+  <p:clrMapOvr>
+    <a:masterClrMapping/>
+  </p:clrMapOvr>
+  <mc:AlternateContent xmlns:mc="http://schemas.openxmlformats.org/markup-compatibility/2006" xmlns:p14="http://schemas.microsoft.com/office/powerpoint/2010/main">
+    <mc:Choice Requires="p14">
+      <p:transition spd="med" p14:dur="700">
+        <p:fade/>
+      </p:transition>
+    </mc:Choice>
+    <mc:Fallback xmlns="">
+      <p:transition spd="med">
+        <p:fade/>
+      </p:transition>
+    </mc:Fallback>
+  </mc:AlternateContent>
+</p:sld>
+</file>
+
+<file path=ppt/slides/slide29.xml><?xml version="1.0" encoding="utf-8"?>
+<p:sld xmlns:a="http://schemas.openxmlformats.org/drawingml/2006/main" xmlns:r="http://schemas.openxmlformats.org/officeDocument/2006/relationships" xmlns:p="http://schemas.openxmlformats.org/presentationml/2006/main">
+  <p:cSld>
+    <p:spTree>
+      <p:nvGrpSpPr>
+        <p:cNvPr id="1" name=""/>
+        <p:cNvGrpSpPr/>
+        <p:nvPr/>
+      </p:nvGrpSpPr>
+      <p:grpSpPr>
+        <a:xfrm>
+          <a:off x="0" y="0"/>
+          <a:ext cx="0" cy="0"/>
+          <a:chOff x="0" y="0"/>
+          <a:chExt cx="0" cy="0"/>
+        </a:xfrm>
+      </p:grpSpPr>
+      <p:sp>
+        <p:nvSpPr>
+          <p:cNvPr id="5" name="Titolo 4">
+            <a:extLst>
+              <a:ext uri="{FF2B5EF4-FFF2-40B4-BE49-F238E27FC236}">
+                <a16:creationId xmlns:a16="http://schemas.microsoft.com/office/drawing/2014/main" id="{13C0ECE6-A843-4EEB-925A-02F6F29876D4}"/>
+              </a:ext>
+            </a:extLst>
+          </p:cNvPr>
+          <p:cNvSpPr>
+            <a:spLocks noGrp="1"/>
+          </p:cNvSpPr>
+          <p:nvPr>
+            <p:ph type="title"/>
+          </p:nvPr>
+        </p:nvSpPr>
+        <p:spPr/>
+        <p:txBody>
+          <a:bodyPr/>
+          <a:lstStyle/>
+          <a:p>
+            <a:r>
+              <a:rPr lang="it-IT" dirty="0"/>
+              <a:t>Considerazioni finali</a:t>
+            </a:r>
+          </a:p>
+        </p:txBody>
+      </p:sp>
+      <p:sp>
+        <p:nvSpPr>
+          <p:cNvPr id="6" name="Segnaposto contenuto 5">
+            <a:extLst>
+              <a:ext uri="{FF2B5EF4-FFF2-40B4-BE49-F238E27FC236}">
+                <a16:creationId xmlns:a16="http://schemas.microsoft.com/office/drawing/2014/main" id="{17D79608-EE98-4B47-AEB1-CB0B5725EA40}"/>
+              </a:ext>
+            </a:extLst>
+          </p:cNvPr>
+          <p:cNvSpPr>
+            <a:spLocks noGrp="1"/>
+          </p:cNvSpPr>
+          <p:nvPr>
+            <p:ph idx="1"/>
+          </p:nvPr>
+        </p:nvSpPr>
+        <p:spPr/>
+        <p:txBody>
+          <a:bodyPr/>
+          <a:lstStyle/>
+          <a:p>
+            <a:pPr algn="just"/>
+            <a:r>
+              <a:rPr lang="it-IT" dirty="0"/>
+              <a:t>Essendo l’ambito di analisi di dominio vasto e di difficile definizione, si è dimostrato impossibile elaborare un filtraggio che riducesse in maniera significativa il numero di progetti a un insieme di cardinalità trattabile ai fini di un’analisi approfondita dei singoli</a:t>
+            </a:r>
+          </a:p>
+          <a:p>
+            <a:pPr algn="just"/>
+            <a:r>
+              <a:rPr lang="it-IT" dirty="0"/>
+              <a:t>Quindi abbiamo adottato un approccio che osservasse l’insieme di progetti da un punto di vista macroscopico, in modo da poter ricavare informazioni concernenti i trend temporali e le distribuzioni geografiche e settoriali</a:t>
+            </a:r>
+          </a:p>
+          <a:p>
+            <a:endParaRPr lang="it-IT" dirty="0"/>
+          </a:p>
+        </p:txBody>
+      </p:sp>
+    </p:spTree>
+    <p:extLst>
+      <p:ext uri="{BB962C8B-B14F-4D97-AF65-F5344CB8AC3E}">
+        <p14:creationId xmlns:p14="http://schemas.microsoft.com/office/powerpoint/2010/main" val="907721098"/>
       </p:ext>
     </p:extLst>
   </p:cSld>
@@ -17774,245 +17800,6 @@
     <p:extLst>
       <p:ext uri="{BB962C8B-B14F-4D97-AF65-F5344CB8AC3E}">
         <p14:creationId xmlns:p14="http://schemas.microsoft.com/office/powerpoint/2010/main" val="2268496699"/>
-      </p:ext>
-    </p:extLst>
-  </p:cSld>
-  <p:clrMapOvr>
-    <a:masterClrMapping/>
-  </p:clrMapOvr>
-  <mc:AlternateContent xmlns:mc="http://schemas.openxmlformats.org/markup-compatibility/2006" xmlns:p14="http://schemas.microsoft.com/office/powerpoint/2010/main">
-    <mc:Choice Requires="p14">
-      <p:transition spd="med" p14:dur="700">
-        <p:fade/>
-      </p:transition>
-    </mc:Choice>
-    <mc:Fallback xmlns="">
-      <p:transition spd="med">
-        <p:fade/>
-      </p:transition>
-    </mc:Fallback>
-  </mc:AlternateContent>
-</p:sld>
-</file>
-
-<file path=ppt/slides/slide30.xml><?xml version="1.0" encoding="utf-8"?>
-<p:sld xmlns:a="http://schemas.openxmlformats.org/drawingml/2006/main" xmlns:r="http://schemas.openxmlformats.org/officeDocument/2006/relationships" xmlns:p="http://schemas.openxmlformats.org/presentationml/2006/main">
-  <p:cSld>
-    <p:spTree>
-      <p:nvGrpSpPr>
-        <p:cNvPr id="1" name=""/>
-        <p:cNvGrpSpPr/>
-        <p:nvPr/>
-      </p:nvGrpSpPr>
-      <p:grpSpPr>
-        <a:xfrm>
-          <a:off x="0" y="0"/>
-          <a:ext cx="0" cy="0"/>
-          <a:chOff x="0" y="0"/>
-          <a:chExt cx="0" cy="0"/>
-        </a:xfrm>
-      </p:grpSpPr>
-      <p:sp>
-        <p:nvSpPr>
-          <p:cNvPr id="2" name="Titolo 1"/>
-          <p:cNvSpPr>
-            <a:spLocks noGrp="1"/>
-          </p:cNvSpPr>
-          <p:nvPr>
-            <p:ph type="title"/>
-          </p:nvPr>
-        </p:nvSpPr>
-        <p:spPr>
-          <a:xfrm>
-            <a:off x="1504054" y="447503"/>
-            <a:ext cx="4662366" cy="2672257"/>
-          </a:xfrm>
-        </p:spPr>
-        <p:txBody>
-          <a:bodyPr rtlCol="0"/>
-          <a:lstStyle/>
-          <a:p>
-            <a:pPr rtl="0"/>
-            <a:r>
-              <a:rPr lang="it-IT" dirty="0"/>
-              <a:t>Analisi del ruolo assunto dai vari soggetti nei progetti relativi all’IoT (Internet of </a:t>
-            </a:r>
-            <a:r>
-              <a:rPr lang="it-IT" dirty="0" err="1"/>
-              <a:t>Things</a:t>
-            </a:r>
-            <a:r>
-              <a:rPr lang="it-IT" dirty="0"/>
-              <a:t>)</a:t>
-            </a:r>
-          </a:p>
-        </p:txBody>
-      </p:sp>
-      <p:pic>
-        <p:nvPicPr>
-          <p:cNvPr id="4" name="Segnaposto contenuto 3">
-            <a:extLst>
-              <a:ext uri="{FF2B5EF4-FFF2-40B4-BE49-F238E27FC236}">
-                <a16:creationId xmlns:a16="http://schemas.microsoft.com/office/drawing/2014/main" id="{A18495ED-2B39-43E1-8F47-A16FCB6C99CD}"/>
-              </a:ext>
-            </a:extLst>
-          </p:cNvPr>
-          <p:cNvPicPr>
-            <a:picLocks noGrp="1" noChangeAspect="1"/>
-          </p:cNvPicPr>
-          <p:nvPr>
-            <p:ph idx="1"/>
-          </p:nvPr>
-        </p:nvPicPr>
-        <p:blipFill>
-          <a:blip r:embed="rId3">
-            <a:extLst>
-              <a:ext uri="{28A0092B-C50C-407E-A947-70E740481C1C}">
-                <a14:useLocalDpi xmlns:a14="http://schemas.microsoft.com/office/drawing/2010/main" val="0"/>
-              </a:ext>
-            </a:extLst>
-          </a:blip>
-          <a:stretch>
-            <a:fillRect/>
-          </a:stretch>
-        </p:blipFill>
-        <p:spPr>
-          <a:xfrm>
-            <a:off x="1701924" y="3194397"/>
-            <a:ext cx="9793088" cy="3213471"/>
-          </a:xfrm>
-        </p:spPr>
-      </p:pic>
-      <p:sp>
-        <p:nvSpPr>
-          <p:cNvPr id="6" name="Segnaposto testo 5"/>
-          <p:cNvSpPr>
-            <a:spLocks noGrp="1"/>
-          </p:cNvSpPr>
-          <p:nvPr>
-            <p:ph type="body" sz="half" idx="2"/>
-          </p:nvPr>
-        </p:nvSpPr>
-        <p:spPr>
-          <a:xfrm>
-            <a:off x="6166420" y="620688"/>
-            <a:ext cx="5472608" cy="3672408"/>
-          </a:xfrm>
-        </p:spPr>
-        <p:txBody>
-          <a:bodyPr rtlCol="0">
-            <a:normAutofit/>
-          </a:bodyPr>
-          <a:lstStyle/>
-          <a:p>
-            <a:pPr algn="just" rtl="0"/>
-            <a:r>
-              <a:rPr lang="it-IT" dirty="0"/>
-              <a:t>Sia nel grafico riportato nella slide precedente che in questo relativo al ruolo nei progetti, si nota come l’andamento, sebbene presenti numeri di molto inferiori, segua quello riguardante le analisi mostrate in precedenza sull’integrazione orizzontale e verticale a riprova di quanto i due settori siano connessi nel panorama dell’industria 4.0</a:t>
-            </a:r>
-          </a:p>
-        </p:txBody>
-      </p:sp>
-    </p:spTree>
-    <p:extLst>
-      <p:ext uri="{BB962C8B-B14F-4D97-AF65-F5344CB8AC3E}">
-        <p14:creationId xmlns:p14="http://schemas.microsoft.com/office/powerpoint/2010/main" val="2551545397"/>
-      </p:ext>
-    </p:extLst>
-  </p:cSld>
-  <p:clrMapOvr>
-    <a:masterClrMapping/>
-  </p:clrMapOvr>
-  <mc:AlternateContent xmlns:mc="http://schemas.openxmlformats.org/markup-compatibility/2006" xmlns:p14="http://schemas.microsoft.com/office/powerpoint/2010/main">
-    <mc:Choice Requires="p14">
-      <p:transition spd="med" p14:dur="700">
-        <p:fade/>
-      </p:transition>
-    </mc:Choice>
-    <mc:Fallback xmlns="">
-      <p:transition spd="med">
-        <p:fade/>
-      </p:transition>
-    </mc:Fallback>
-  </mc:AlternateContent>
-</p:sld>
-</file>
-
-<file path=ppt/slides/slide31.xml><?xml version="1.0" encoding="utf-8"?>
-<p:sld xmlns:a="http://schemas.openxmlformats.org/drawingml/2006/main" xmlns:r="http://schemas.openxmlformats.org/officeDocument/2006/relationships" xmlns:p="http://schemas.openxmlformats.org/presentationml/2006/main">
-  <p:cSld>
-    <p:spTree>
-      <p:nvGrpSpPr>
-        <p:cNvPr id="1" name=""/>
-        <p:cNvGrpSpPr/>
-        <p:nvPr/>
-      </p:nvGrpSpPr>
-      <p:grpSpPr>
-        <a:xfrm>
-          <a:off x="0" y="0"/>
-          <a:ext cx="0" cy="0"/>
-          <a:chOff x="0" y="0"/>
-          <a:chExt cx="0" cy="0"/>
-        </a:xfrm>
-      </p:grpSpPr>
-      <p:sp>
-        <p:nvSpPr>
-          <p:cNvPr id="2" name="Titolo 1">
-            <a:extLst>
-              <a:ext uri="{FF2B5EF4-FFF2-40B4-BE49-F238E27FC236}">
-                <a16:creationId xmlns:a16="http://schemas.microsoft.com/office/drawing/2014/main" id="{3FAFB550-3886-4C0A-A4FD-DFA0BB1FB633}"/>
-              </a:ext>
-            </a:extLst>
-          </p:cNvPr>
-          <p:cNvSpPr>
-            <a:spLocks noGrp="1"/>
-          </p:cNvSpPr>
-          <p:nvPr>
-            <p:ph type="title"/>
-          </p:nvPr>
-        </p:nvSpPr>
-        <p:spPr/>
-        <p:txBody>
-          <a:bodyPr/>
-          <a:lstStyle/>
-          <a:p>
-            <a:pPr algn="ctr"/>
-            <a:r>
-              <a:rPr lang="it-IT" dirty="0"/>
-              <a:t>BIBLIOGRAFIA</a:t>
-            </a:r>
-          </a:p>
-        </p:txBody>
-      </p:sp>
-      <p:sp>
-        <p:nvSpPr>
-          <p:cNvPr id="5" name="Segnaposto contenuto 4">
-            <a:extLst>
-              <a:ext uri="{FF2B5EF4-FFF2-40B4-BE49-F238E27FC236}">
-                <a16:creationId xmlns:a16="http://schemas.microsoft.com/office/drawing/2014/main" id="{88225803-058A-4C76-AECC-86C5BEA08E22}"/>
-              </a:ext>
-            </a:extLst>
-          </p:cNvPr>
-          <p:cNvSpPr>
-            <a:spLocks noGrp="1"/>
-          </p:cNvSpPr>
-          <p:nvPr>
-            <p:ph idx="1"/>
-          </p:nvPr>
-        </p:nvSpPr>
-        <p:spPr/>
-        <p:txBody>
-          <a:bodyPr/>
-          <a:lstStyle/>
-          <a:p>
-            <a:endParaRPr lang="it-IT" dirty="0"/>
-          </a:p>
-        </p:txBody>
-      </p:sp>
-    </p:spTree>
-    <p:extLst>
-      <p:ext uri="{BB962C8B-B14F-4D97-AF65-F5344CB8AC3E}">
-        <p14:creationId xmlns:p14="http://schemas.microsoft.com/office/powerpoint/2010/main" val="519085128"/>
       </p:ext>
     </p:extLst>
   </p:cSld>
@@ -19334,8 +19121,8 @@
         </p:nvSpPr>
         <p:spPr>
           <a:xfrm>
-            <a:off x="1557908" y="1828800"/>
-            <a:ext cx="3024336" cy="646331"/>
+            <a:off x="1522413" y="1828800"/>
+            <a:ext cx="3024336" cy="1200329"/>
           </a:xfrm>
           <a:prstGeom prst="rect">
             <a:avLst/>
@@ -19348,13 +19135,11 @@
           </a:bodyPr>
           <a:lstStyle/>
           <a:p>
+            <a:pPr algn="just"/>
             <a:r>
               <a:rPr lang="it-IT" dirty="0"/>
-              <a:t>Industria 4.0</a:t>
-            </a:r>
-          </a:p>
-          <a:p>
-            <a:endParaRPr lang="it-IT" dirty="0"/>
+              <a:t>Lista delle parole chiave usate per filtrare in base all’Integrazione Verticale e orizzontale</a:t>
+            </a:r>
           </a:p>
         </p:txBody>
       </p:sp>
@@ -19373,7 +19158,7 @@
         <p:spPr>
           <a:xfrm>
             <a:off x="6598468" y="1828800"/>
-            <a:ext cx="3024336" cy="369332"/>
+            <a:ext cx="3024336" cy="923330"/>
           </a:xfrm>
           <a:prstGeom prst="rect">
             <a:avLst/>
@@ -19386,9 +19171,10 @@
           </a:bodyPr>
           <a:lstStyle/>
           <a:p>
+            <a:pPr algn="just"/>
             <a:r>
               <a:rPr lang="it-IT" dirty="0"/>
-              <a:t>IOT</a:t>
+              <a:t>Lista delle parole chiave usate per filtrare in base a IoT</a:t>
             </a:r>
           </a:p>
         </p:txBody>
@@ -19544,13 +19330,7 @@
       </p:grpSpPr>
       <p:sp>
         <p:nvSpPr>
-          <p:cNvPr id="2" name="Titolo 1">
-            <a:extLst>
-              <a:ext uri="{FF2B5EF4-FFF2-40B4-BE49-F238E27FC236}">
-                <a16:creationId xmlns:a16="http://schemas.microsoft.com/office/drawing/2014/main" id="{EA2D55A1-08A5-4AA0-B6B2-B52FCA60E7AE}"/>
-              </a:ext>
-            </a:extLst>
-          </p:cNvPr>
+          <p:cNvPr id="2" name="Titolo 1"/>
           <p:cNvSpPr>
             <a:spLocks noGrp="1"/>
           </p:cNvSpPr>
@@ -19560,45 +19340,21 @@
         </p:nvSpPr>
         <p:spPr/>
         <p:txBody>
-          <a:bodyPr/>
+          <a:bodyPr rtlCol="0"/>
           <a:lstStyle/>
           <a:p>
+            <a:pPr rtl="0"/>
             <a:r>
               <a:rPr lang="it-IT" dirty="0"/>
-              <a:t>ANALISI IOT</a:t>
-            </a:r>
-          </a:p>
-        </p:txBody>
-      </p:sp>
-      <p:sp>
-        <p:nvSpPr>
-          <p:cNvPr id="3" name="Segnaposto contenuto 2">
-            <a:extLst>
-              <a:ext uri="{FF2B5EF4-FFF2-40B4-BE49-F238E27FC236}">
-                <a16:creationId xmlns:a16="http://schemas.microsoft.com/office/drawing/2014/main" id="{42027151-5A95-4F30-9311-F02D829016DA}"/>
-              </a:ext>
-            </a:extLst>
-          </p:cNvPr>
-          <p:cNvSpPr>
-            <a:spLocks noGrp="1"/>
-          </p:cNvSpPr>
-          <p:nvPr>
-            <p:ph idx="1"/>
-          </p:nvPr>
-        </p:nvSpPr>
-        <p:spPr/>
-        <p:txBody>
-          <a:bodyPr/>
-          <a:lstStyle/>
-          <a:p>
-            <a:endParaRPr lang="it-IT" dirty="0"/>
+              <a:t>Analisi per distribuzione temporale</a:t>
+            </a:r>
           </a:p>
         </p:txBody>
       </p:sp>
     </p:spTree>
     <p:extLst>
       <p:ext uri="{BB962C8B-B14F-4D97-AF65-F5344CB8AC3E}">
-        <p14:creationId xmlns:p14="http://schemas.microsoft.com/office/powerpoint/2010/main" val="251799427"/>
+        <p14:creationId xmlns:p14="http://schemas.microsoft.com/office/powerpoint/2010/main" val="3444006904"/>
       </p:ext>
     </p:extLst>
   </p:cSld>
@@ -19639,10 +19395,10 @@
       </p:grpSpPr>
       <p:sp>
         <p:nvSpPr>
-          <p:cNvPr id="2" name="Titolo 1">
+          <p:cNvPr id="4" name="Titolo 3">
             <a:extLst>
               <a:ext uri="{FF2B5EF4-FFF2-40B4-BE49-F238E27FC236}">
-                <a16:creationId xmlns:a16="http://schemas.microsoft.com/office/drawing/2014/main" id="{090CDA04-8153-437C-9376-CEFBA20A9065}"/>
+                <a16:creationId xmlns:a16="http://schemas.microsoft.com/office/drawing/2014/main" id="{4EACF5E1-CD76-42F7-A120-8EB883AAE543}"/>
               </a:ext>
             </a:extLst>
           </p:cNvPr>
@@ -19653,29 +19409,24 @@
             <p:ph type="title"/>
           </p:nvPr>
         </p:nvSpPr>
-        <p:spPr>
-          <a:xfrm>
-            <a:off x="1522413" y="349469"/>
-            <a:ext cx="9829799" cy="1219200"/>
-          </a:xfrm>
-        </p:spPr>
+        <p:spPr/>
         <p:txBody>
           <a:bodyPr/>
           <a:lstStyle/>
           <a:p>
             <a:r>
               <a:rPr lang="it-IT" dirty="0"/>
-              <a:t>ANALISI INDUSTRIA 4.0</a:t>
+              <a:t>Analisi dell’Industria 4.0</a:t>
             </a:r>
           </a:p>
         </p:txBody>
       </p:sp>
       <p:sp>
         <p:nvSpPr>
-          <p:cNvPr id="3" name="Segnaposto contenuto 2">
+          <p:cNvPr id="5" name="Segnaposto contenuto 4">
             <a:extLst>
               <a:ext uri="{FF2B5EF4-FFF2-40B4-BE49-F238E27FC236}">
-                <a16:creationId xmlns:a16="http://schemas.microsoft.com/office/drawing/2014/main" id="{0F14951D-D6A1-49B2-B689-C23ADF6BC293}"/>
+                <a16:creationId xmlns:a16="http://schemas.microsoft.com/office/drawing/2014/main" id="{371A14BD-CAAA-4B4B-92C6-AFEED6A454A1}"/>
               </a:ext>
             </a:extLst>
           </p:cNvPr>
@@ -19691,18 +19442,44 @@
           <a:bodyPr/>
           <a:lstStyle/>
           <a:p>
+            <a:pPr marL="0" indent="0" algn="just">
+              <a:buNone/>
+            </a:pPr>
             <a:r>
               <a:rPr lang="it-IT" dirty="0"/>
-              <a:t>DAI DATI è EMERSO CHE NON CI SONO DATI</a:t>
-            </a:r>
-          </a:p>
-          <a:p>
+              <a:t>Nella seguente sezione si intende illustrare le informazioni ricavate dall’analisi dei progetti in termini di:</a:t>
+            </a:r>
+          </a:p>
+          <a:p>
+            <a:pPr algn="just"/>
             <a:endParaRPr lang="it-IT" dirty="0"/>
           </a:p>
           <a:p>
+            <a:pPr lvl="1" algn="just"/>
             <a:r>
               <a:rPr lang="it-IT" dirty="0"/>
-              <a:t>FINE</a:t>
+              <a:t>Tasso di creazione di nuovi progetti rispetto all’anno</a:t>
+            </a:r>
+          </a:p>
+          <a:p>
+            <a:pPr lvl="1" algn="just"/>
+            <a:r>
+              <a:rPr lang="it-IT" dirty="0"/>
+              <a:t>Tasso di conclusione dei progetti al 2020 rispetto all’anno di avvio</a:t>
+            </a:r>
+          </a:p>
+          <a:p>
+            <a:pPr lvl="1" algn="just"/>
+            <a:r>
+              <a:rPr lang="it-IT" dirty="0"/>
+              <a:t>Evoluzione della durata media dei progetti nel corso degli anni</a:t>
+            </a:r>
+          </a:p>
+          <a:p>
+            <a:pPr lvl="1" algn="just"/>
+            <a:r>
+              <a:rPr lang="it-IT" dirty="0"/>
+              <a:t>Evoluzione dei finanziamenti erogati rispetto al tempo</a:t>
             </a:r>
           </a:p>
         </p:txBody>
@@ -19710,7 +19487,7 @@
     </p:spTree>
     <p:extLst>
       <p:ext uri="{BB962C8B-B14F-4D97-AF65-F5344CB8AC3E}">
-        <p14:creationId xmlns:p14="http://schemas.microsoft.com/office/powerpoint/2010/main" val="2006785762"/>
+        <p14:creationId xmlns:p14="http://schemas.microsoft.com/office/powerpoint/2010/main" val="3901753626"/>
       </p:ext>
     </p:extLst>
   </p:cSld>
@@ -19751,7 +19528,13 @@
       </p:grpSpPr>
       <p:sp>
         <p:nvSpPr>
-          <p:cNvPr id="2" name="Titolo 1"/>
+          <p:cNvPr id="5" name="Titolo 4">
+            <a:extLst>
+              <a:ext uri="{FF2B5EF4-FFF2-40B4-BE49-F238E27FC236}">
+                <a16:creationId xmlns:a16="http://schemas.microsoft.com/office/drawing/2014/main" id="{0AB28BAB-FDC5-48ED-9558-9680A870AFCA}"/>
+              </a:ext>
+            </a:extLst>
+          </p:cNvPr>
           <p:cNvSpPr>
             <a:spLocks noGrp="1"/>
           </p:cNvSpPr>
@@ -19759,43 +19542,100 @@
             <p:ph type="title"/>
           </p:nvPr>
         </p:nvSpPr>
-        <p:spPr/>
+        <p:spPr>
+          <a:xfrm>
+            <a:off x="1522415" y="908720"/>
+            <a:ext cx="9829798" cy="683612"/>
+          </a:xfrm>
+        </p:spPr>
         <p:txBody>
-          <a:bodyPr rtlCol="0"/>
+          <a:bodyPr>
+            <a:normAutofit/>
+          </a:bodyPr>
           <a:lstStyle/>
           <a:p>
-            <a:pPr rtl="0"/>
-            <a:r>
-              <a:rPr lang="it-IT" dirty="0"/>
-              <a:t>Analisi per distribuzione temporale</a:t>
+            <a:r>
+              <a:rPr lang="it-IT" sz="2800" dirty="0"/>
+              <a:t>Numero di progetti avviati</a:t>
             </a:r>
           </a:p>
         </p:txBody>
       </p:sp>
       <p:sp>
         <p:nvSpPr>
-          <p:cNvPr id="4" name="Segnaposto testo 3"/>
+          <p:cNvPr id="6" name="Segnaposto contenuto 5">
+            <a:extLst>
+              <a:ext uri="{FF2B5EF4-FFF2-40B4-BE49-F238E27FC236}">
+                <a16:creationId xmlns:a16="http://schemas.microsoft.com/office/drawing/2014/main" id="{6B57D472-77CB-40D4-AC51-2AF4B3F64341}"/>
+              </a:ext>
+            </a:extLst>
+          </p:cNvPr>
           <p:cNvSpPr>
             <a:spLocks noGrp="1"/>
           </p:cNvSpPr>
           <p:nvPr>
-            <p:ph type="body" idx="1"/>
+            <p:ph sz="half" idx="1"/>
           </p:nvPr>
         </p:nvSpPr>
-        <p:spPr/>
+        <p:spPr>
+          <a:xfrm>
+            <a:off x="1488168" y="2047310"/>
+            <a:ext cx="4102188" cy="4187952"/>
+          </a:xfrm>
+        </p:spPr>
         <p:txBody>
-          <a:bodyPr rtlCol="0"/>
+          <a:bodyPr>
+            <a:normAutofit/>
+          </a:bodyPr>
           <a:lstStyle/>
           <a:p>
-            <a:pPr rtl="0"/>
-            <a:endParaRPr lang="it-IT" dirty="0"/>
+            <a:pPr algn="just"/>
+            <a:r>
+              <a:rPr lang="it-IT" sz="2000" dirty="0"/>
+              <a:t>Dai dati ricavati si può riscontrare un generale trend di crescita del numero di progetti avviati, con un picco evidente nel biennio 2017-2018</a:t>
+            </a:r>
+          </a:p>
+          <a:p>
+            <a:pPr algn="just"/>
+            <a:endParaRPr lang="it-IT" sz="2000" dirty="0"/>
           </a:p>
         </p:txBody>
       </p:sp>
+      <p:graphicFrame>
+        <p:nvGraphicFramePr>
+          <p:cNvPr id="11" name="Segnaposto contenuto 10">
+            <a:extLst>
+              <a:ext uri="{FF2B5EF4-FFF2-40B4-BE49-F238E27FC236}">
+                <a16:creationId xmlns:a16="http://schemas.microsoft.com/office/drawing/2014/main" id="{5A8A18A8-4E13-4100-825E-5AB8F38D9728}"/>
+              </a:ext>
+            </a:extLst>
+          </p:cNvPr>
+          <p:cNvGraphicFramePr>
+            <a:graphicFrameLocks noGrp="1"/>
+          </p:cNvGraphicFramePr>
+          <p:nvPr>
+            <p:ph sz="half" idx="2"/>
+            <p:extLst>
+              <p:ext uri="{D42A27DB-BD31-4B8C-83A1-F6EECF244321}">
+                <p14:modId xmlns:p14="http://schemas.microsoft.com/office/powerpoint/2010/main" val="668355586"/>
+              </p:ext>
+            </p:extLst>
+          </p:nvPr>
+        </p:nvGraphicFramePr>
+        <p:xfrm>
+          <a:off x="6310436" y="1844825"/>
+          <a:ext cx="5041777" cy="4327376"/>
+        </p:xfrm>
+        <a:graphic>
+          <a:graphicData uri="http://schemas.openxmlformats.org/drawingml/2006/chart">
+            <c:chart xmlns:c="http://schemas.openxmlformats.org/drawingml/2006/chart" xmlns:r="http://schemas.openxmlformats.org/officeDocument/2006/relationships" r:id="rId2"/>
+          </a:graphicData>
+        </a:graphic>
+      </p:graphicFrame>
     </p:spTree>
     <p:extLst>
       <p:ext uri="{BB962C8B-B14F-4D97-AF65-F5344CB8AC3E}">
-        <p14:creationId xmlns:p14="http://schemas.microsoft.com/office/powerpoint/2010/main" val="3444006904"/>
+        <p14:creationId xmlns:p14="http://schemas.microsoft.com/office/powerpoint/2010/main" val="3516379750"/>
       </p:ext>
     </p:extLst>
   </p:cSld>
